--- a/001 - Angular - Basics.pptx
+++ b/001 - Angular - Basics.pptx
@@ -2075,7 +2075,27 @@
           <a:bodyPr/>
           <a:lstStyle/>
           <a:p>
-            <a:endParaRPr lang="en-GB" dirty="0"/>
+            <a:r>
+              <a:rPr lang="en-GB" noProof="0" dirty="0" smtClean="0"/>
+              <a:t>Last</a:t>
+            </a:r>
+            <a:r>
+              <a:rPr lang="en-GB" baseline="0" noProof="0" dirty="0" smtClean="0"/>
+              <a:t> example of the one-way binding property will be an input, something that the user can change and modify.</a:t>
+            </a:r>
+          </a:p>
+          <a:p>
+            <a:r>
+              <a:rPr lang="en-GB" baseline="0" noProof="0" dirty="0" smtClean="0"/>
+              <a:t>For the input the steps are the same, we want to bind the attribute value of the element &lt;input&gt; to the property name of the class, a property that we’re going to declare and initialize right now.</a:t>
+            </a:r>
+          </a:p>
+          <a:p>
+            <a:r>
+              <a:rPr lang="en-GB" baseline="0" noProof="0" dirty="0" smtClean="0"/>
+              <a:t>Please note that the value of the property won’t change even if the user interacts with the input, this is a one-way binding. To demonstrate this, we will display the name as well and check out the result</a:t>
+            </a:r>
+            <a:endParaRPr lang="en-GB" noProof="0" dirty="0" smtClean="0"/>
           </a:p>
         </p:txBody>
       </p:sp>
@@ -24972,6 +24992,13 @@
   <p:clrMapOvr>
     <a:masterClrMapping/>
   </p:clrMapOvr>
+  <p:timing>
+    <p:tnLst>
+      <p:par>
+        <p:cTn id="1" dur="indefinite" restart="never" nodeType="tmRoot"/>
+      </p:par>
+    </p:tnLst>
+  </p:timing>
 </p:sld>
 </file>
 
@@ -25294,6 +25321,66 @@
           </a:p>
         </p:txBody>
       </p:sp>
+      <p:pic>
+        <p:nvPicPr>
+          <p:cNvPr id="2" name="Picture 1"/>
+          <p:cNvPicPr>
+            <a:picLocks noChangeAspect="1"/>
+          </p:cNvPicPr>
+          <p:nvPr/>
+        </p:nvPicPr>
+        <p:blipFill>
+          <a:blip r:embed="rId6">
+            <a:extLst>
+              <a:ext uri="{28A0092B-C50C-407E-A947-70E740481C1C}">
+                <a14:useLocalDpi xmlns:a14="http://schemas.microsoft.com/office/drawing/2010/main" val="0"/>
+              </a:ext>
+            </a:extLst>
+          </a:blip>
+          <a:stretch>
+            <a:fillRect/>
+          </a:stretch>
+        </p:blipFill>
+        <p:spPr>
+          <a:xfrm>
+            <a:off x="694727" y="771110"/>
+            <a:ext cx="5182049" cy="5357324"/>
+          </a:xfrm>
+          <a:prstGeom prst="rect">
+            <a:avLst/>
+          </a:prstGeom>
+        </p:spPr>
+      </p:pic>
+      <p:pic>
+        <p:nvPicPr>
+          <p:cNvPr id="3" name="Picture 2"/>
+          <p:cNvPicPr>
+            <a:picLocks noChangeAspect="1"/>
+          </p:cNvPicPr>
+          <p:nvPr/>
+        </p:nvPicPr>
+        <p:blipFill>
+          <a:blip r:embed="rId7">
+            <a:extLst>
+              <a:ext uri="{28A0092B-C50C-407E-A947-70E740481C1C}">
+                <a14:useLocalDpi xmlns:a14="http://schemas.microsoft.com/office/drawing/2010/main" val="0"/>
+              </a:ext>
+            </a:extLst>
+          </a:blip>
+          <a:stretch>
+            <a:fillRect/>
+          </a:stretch>
+        </p:blipFill>
+        <p:spPr>
+          <a:xfrm>
+            <a:off x="6769542" y="1650628"/>
+            <a:ext cx="4023709" cy="2865368"/>
+          </a:xfrm>
+          <a:prstGeom prst="rect">
+            <a:avLst/>
+          </a:prstGeom>
+        </p:spPr>
+      </p:pic>
     </p:spTree>
     <p:extLst>
       <p:ext uri="{BB962C8B-B14F-4D97-AF65-F5344CB8AC3E}">
@@ -25304,6 +25391,13 @@
   <p:clrMapOvr>
     <a:masterClrMapping/>
   </p:clrMapOvr>
+  <p:timing>
+    <p:tnLst>
+      <p:par>
+        <p:cTn id="1" dur="indefinite" restart="never" nodeType="tmRoot"/>
+      </p:par>
+    </p:tnLst>
+  </p:timing>
 </p:sld>
 </file>
 
@@ -25626,6 +25720,36 @@
           </a:p>
         </p:txBody>
       </p:sp>
+      <p:pic>
+        <p:nvPicPr>
+          <p:cNvPr id="3" name="Picture 2"/>
+          <p:cNvPicPr>
+            <a:picLocks noChangeAspect="1"/>
+          </p:cNvPicPr>
+          <p:nvPr/>
+        </p:nvPicPr>
+        <p:blipFill>
+          <a:blip r:embed="rId6">
+            <a:extLst>
+              <a:ext uri="{28A0092B-C50C-407E-A947-70E740481C1C}">
+                <a14:useLocalDpi xmlns:a14="http://schemas.microsoft.com/office/drawing/2010/main" val="0"/>
+              </a:ext>
+            </a:extLst>
+          </a:blip>
+          <a:stretch>
+            <a:fillRect/>
+          </a:stretch>
+        </p:blipFill>
+        <p:spPr>
+          <a:xfrm>
+            <a:off x="3628908" y="1257110"/>
+            <a:ext cx="4663250" cy="4017849"/>
+          </a:xfrm>
+          <a:prstGeom prst="rect">
+            <a:avLst/>
+          </a:prstGeom>
+        </p:spPr>
+      </p:pic>
     </p:spTree>
     <p:extLst>
       <p:ext uri="{BB962C8B-B14F-4D97-AF65-F5344CB8AC3E}">
@@ -25636,6 +25760,13 @@
   <p:clrMapOvr>
     <a:masterClrMapping/>
   </p:clrMapOvr>
+  <p:timing>
+    <p:tnLst>
+      <p:par>
+        <p:cTn id="1" dur="indefinite" restart="never" nodeType="tmRoot"/>
+      </p:par>
+    </p:tnLst>
+  </p:timing>
 </p:sld>
 </file>
 
@@ -25958,6 +26089,66 @@
           </a:p>
         </p:txBody>
       </p:sp>
+      <p:pic>
+        <p:nvPicPr>
+          <p:cNvPr id="2" name="Picture 1"/>
+          <p:cNvPicPr>
+            <a:picLocks noChangeAspect="1"/>
+          </p:cNvPicPr>
+          <p:nvPr/>
+        </p:nvPicPr>
+        <p:blipFill>
+          <a:blip r:embed="rId6">
+            <a:extLst>
+              <a:ext uri="{28A0092B-C50C-407E-A947-70E740481C1C}">
+                <a14:useLocalDpi xmlns:a14="http://schemas.microsoft.com/office/drawing/2010/main" val="0"/>
+              </a:ext>
+            </a:extLst>
+          </a:blip>
+          <a:stretch>
+            <a:fillRect/>
+          </a:stretch>
+        </p:blipFill>
+        <p:spPr>
+          <a:xfrm>
+            <a:off x="909499" y="771110"/>
+            <a:ext cx="4892464" cy="5570703"/>
+          </a:xfrm>
+          <a:prstGeom prst="rect">
+            <a:avLst/>
+          </a:prstGeom>
+        </p:spPr>
+      </p:pic>
+      <p:pic>
+        <p:nvPicPr>
+          <p:cNvPr id="3" name="Picture 2"/>
+          <p:cNvPicPr>
+            <a:picLocks noChangeAspect="1"/>
+          </p:cNvPicPr>
+          <p:nvPr/>
+        </p:nvPicPr>
+        <p:blipFill>
+          <a:blip r:embed="rId7">
+            <a:extLst>
+              <a:ext uri="{28A0092B-C50C-407E-A947-70E740481C1C}">
+                <a14:useLocalDpi xmlns:a14="http://schemas.microsoft.com/office/drawing/2010/main" val="0"/>
+              </a:ext>
+            </a:extLst>
+          </a:blip>
+          <a:stretch>
+            <a:fillRect/>
+          </a:stretch>
+        </p:blipFill>
+        <p:spPr>
+          <a:xfrm>
+            <a:off x="6857828" y="2206539"/>
+            <a:ext cx="3962743" cy="2552921"/>
+          </a:xfrm>
+          <a:prstGeom prst="rect">
+            <a:avLst/>
+          </a:prstGeom>
+        </p:spPr>
+      </p:pic>
     </p:spTree>
     <p:extLst>
       <p:ext uri="{BB962C8B-B14F-4D97-AF65-F5344CB8AC3E}">
@@ -25968,6 +26159,13 @@
   <p:clrMapOvr>
     <a:masterClrMapping/>
   </p:clrMapOvr>
+  <p:timing>
+    <p:tnLst>
+      <p:par>
+        <p:cTn id="1" dur="indefinite" restart="never" nodeType="tmRoot"/>
+      </p:par>
+    </p:tnLst>
+  </p:timing>
 </p:sld>
 </file>
 
@@ -26290,6 +26488,64 @@
           </a:p>
         </p:txBody>
       </p:sp>
+      <p:pic>
+        <p:nvPicPr>
+          <p:cNvPr id="2" name="Picture 1"/>
+          <p:cNvPicPr>
+            <a:picLocks noChangeAspect="1"/>
+          </p:cNvPicPr>
+          <p:nvPr/>
+        </p:nvPicPr>
+        <p:blipFill rotWithShape="1">
+          <a:blip r:embed="rId6">
+            <a:extLst>
+              <a:ext uri="{28A0092B-C50C-407E-A947-70E740481C1C}">
+                <a14:useLocalDpi xmlns:a14="http://schemas.microsoft.com/office/drawing/2010/main" val="0"/>
+              </a:ext>
+            </a:extLst>
+          </a:blip>
+          <a:srcRect r="662" b="57467"/>
+          <a:stretch/>
+        </p:blipFill>
+        <p:spPr>
+          <a:xfrm>
+            <a:off x="584118" y="1607355"/>
+            <a:ext cx="5376956" cy="3388400"/>
+          </a:xfrm>
+          <a:prstGeom prst="rect">
+            <a:avLst/>
+          </a:prstGeom>
+        </p:spPr>
+      </p:pic>
+      <p:pic>
+        <p:nvPicPr>
+          <p:cNvPr id="3" name="Picture 2"/>
+          <p:cNvPicPr>
+            <a:picLocks noChangeAspect="1"/>
+          </p:cNvPicPr>
+          <p:nvPr/>
+        </p:nvPicPr>
+        <p:blipFill rotWithShape="1">
+          <a:blip r:embed="rId6">
+            <a:extLst>
+              <a:ext uri="{28A0092B-C50C-407E-A947-70E740481C1C}">
+                <a14:useLocalDpi xmlns:a14="http://schemas.microsoft.com/office/drawing/2010/main" val="0"/>
+              </a:ext>
+            </a:extLst>
+          </a:blip>
+          <a:srcRect l="823" t="42194"/>
+          <a:stretch/>
+        </p:blipFill>
+        <p:spPr>
+          <a:xfrm>
+            <a:off x="6587614" y="1405112"/>
+            <a:ext cx="4421396" cy="3792886"/>
+          </a:xfrm>
+          <a:prstGeom prst="rect">
+            <a:avLst/>
+          </a:prstGeom>
+        </p:spPr>
+      </p:pic>
     </p:spTree>
     <p:extLst>
       <p:ext uri="{BB962C8B-B14F-4D97-AF65-F5344CB8AC3E}">
@@ -26300,6 +26556,13 @@
   <p:clrMapOvr>
     <a:masterClrMapping/>
   </p:clrMapOvr>
+  <p:timing>
+    <p:tnLst>
+      <p:par>
+        <p:cTn id="1" dur="indefinite" restart="never" nodeType="tmRoot"/>
+      </p:par>
+    </p:tnLst>
+  </p:timing>
 </p:sld>
 </file>
 
@@ -26622,6 +26885,36 @@
           </a:p>
         </p:txBody>
       </p:sp>
+      <p:pic>
+        <p:nvPicPr>
+          <p:cNvPr id="2" name="Picture 1"/>
+          <p:cNvPicPr>
+            <a:picLocks noChangeAspect="1"/>
+          </p:cNvPicPr>
+          <p:nvPr/>
+        </p:nvPicPr>
+        <p:blipFill>
+          <a:blip r:embed="rId6">
+            <a:extLst>
+              <a:ext uri="{28A0092B-C50C-407E-A947-70E740481C1C}">
+                <a14:useLocalDpi xmlns:a14="http://schemas.microsoft.com/office/drawing/2010/main" val="0"/>
+              </a:ext>
+            </a:extLst>
+          </a:blip>
+          <a:stretch>
+            <a:fillRect/>
+          </a:stretch>
+        </p:blipFill>
+        <p:spPr>
+          <a:xfrm>
+            <a:off x="1851292" y="1104698"/>
+            <a:ext cx="8489416" cy="4648603"/>
+          </a:xfrm>
+          <a:prstGeom prst="rect">
+            <a:avLst/>
+          </a:prstGeom>
+        </p:spPr>
+      </p:pic>
     </p:spTree>
     <p:extLst>
       <p:ext uri="{BB962C8B-B14F-4D97-AF65-F5344CB8AC3E}">
@@ -26632,6 +26925,13 @@
   <p:clrMapOvr>
     <a:masterClrMapping/>
   </p:clrMapOvr>
+  <p:timing>
+    <p:tnLst>
+      <p:par>
+        <p:cTn id="1" dur="indefinite" restart="never" nodeType="tmRoot"/>
+      </p:par>
+    </p:tnLst>
+  </p:timing>
 </p:sld>
 </file>
 
@@ -26964,6 +27264,13 @@
   <p:clrMapOvr>
     <a:masterClrMapping/>
   </p:clrMapOvr>
+  <p:timing>
+    <p:tnLst>
+      <p:par>
+        <p:cTn id="1" dur="indefinite" restart="never" nodeType="tmRoot"/>
+      </p:par>
+    </p:tnLst>
+  </p:timing>
 </p:sld>
 </file>
 

--- a/001 - Angular - Basics.pptx
+++ b/001 - Angular - Basics.pptx
@@ -233,7 +233,7 @@
           <a:p>
             <a:fld id="{E3C909FC-22F8-4F75-AFA6-90946D73C371}" type="datetimeFigureOut">
               <a:rPr lang="en-GB" smtClean="0"/>
-              <a:t>26/07/2019</a:t>
+              <a:t>29/07/2019</a:t>
             </a:fld>
             <a:endParaRPr lang="en-GB"/>
           </a:p>
@@ -3427,7 +3427,7 @@
           <p:cNvPr id="2" name="Title 1">
             <a:extLst>
               <a:ext uri="{FF2B5EF4-FFF2-40B4-BE49-F238E27FC236}">
-                <a16:creationId xmlns="" xmlns:a16="http://schemas.microsoft.com/office/drawing/2014/main" id="{B67445B9-E9D9-472A-8376-699289D9461A}"/>
+                <a16:creationId xmlns:a16="http://schemas.microsoft.com/office/drawing/2014/main" xmlns="" id="{B67445B9-E9D9-472A-8376-699289D9461A}"/>
               </a:ext>
             </a:extLst>
           </p:cNvPr>
@@ -3465,7 +3465,7 @@
           <p:cNvPr id="3" name="Subtitle 2">
             <a:extLst>
               <a:ext uri="{FF2B5EF4-FFF2-40B4-BE49-F238E27FC236}">
-                <a16:creationId xmlns="" xmlns:a16="http://schemas.microsoft.com/office/drawing/2014/main" id="{AEF5BF8E-58EA-48A6-A8F2-8728EC3A2A69}"/>
+                <a16:creationId xmlns:a16="http://schemas.microsoft.com/office/drawing/2014/main" xmlns="" id="{AEF5BF8E-58EA-48A6-A8F2-8728EC3A2A69}"/>
               </a:ext>
             </a:extLst>
           </p:cNvPr>
@@ -3536,7 +3536,7 @@
           <p:cNvPr id="4" name="Date Placeholder 3">
             <a:extLst>
               <a:ext uri="{FF2B5EF4-FFF2-40B4-BE49-F238E27FC236}">
-                <a16:creationId xmlns="" xmlns:a16="http://schemas.microsoft.com/office/drawing/2014/main" id="{EF6FB2E2-40EB-4C72-B8C1-F0DF716B490A}"/>
+                <a16:creationId xmlns:a16="http://schemas.microsoft.com/office/drawing/2014/main" xmlns="" id="{EF6FB2E2-40EB-4C72-B8C1-F0DF716B490A}"/>
               </a:ext>
             </a:extLst>
           </p:cNvPr>
@@ -3554,7 +3554,7 @@
           <a:p>
             <a:fld id="{C9481924-9A47-4066-BD57-F9A4C2867BD3}" type="datetimeFigureOut">
               <a:rPr lang="en-GB" smtClean="0"/>
-              <a:t>26/07/2019</a:t>
+              <a:t>29/07/2019</a:t>
             </a:fld>
             <a:endParaRPr lang="en-GB"/>
           </a:p>
@@ -3565,7 +3565,7 @@
           <p:cNvPr id="5" name="Footer Placeholder 4">
             <a:extLst>
               <a:ext uri="{FF2B5EF4-FFF2-40B4-BE49-F238E27FC236}">
-                <a16:creationId xmlns="" xmlns:a16="http://schemas.microsoft.com/office/drawing/2014/main" id="{8EFAB49A-36A0-47B0-939E-DA075C2439FD}"/>
+                <a16:creationId xmlns:a16="http://schemas.microsoft.com/office/drawing/2014/main" xmlns="" id="{8EFAB49A-36A0-47B0-939E-DA075C2439FD}"/>
               </a:ext>
             </a:extLst>
           </p:cNvPr>
@@ -3590,7 +3590,7 @@
           <p:cNvPr id="6" name="Slide Number Placeholder 5">
             <a:extLst>
               <a:ext uri="{FF2B5EF4-FFF2-40B4-BE49-F238E27FC236}">
-                <a16:creationId xmlns="" xmlns:a16="http://schemas.microsoft.com/office/drawing/2014/main" id="{98CF22AD-0DA2-4690-B64A-82733B02A49B}"/>
+                <a16:creationId xmlns:a16="http://schemas.microsoft.com/office/drawing/2014/main" xmlns="" id="{98CF22AD-0DA2-4690-B64A-82733B02A49B}"/>
               </a:ext>
             </a:extLst>
           </p:cNvPr>
@@ -3649,7 +3649,7 @@
           <p:cNvPr id="2" name="Title 1">
             <a:extLst>
               <a:ext uri="{FF2B5EF4-FFF2-40B4-BE49-F238E27FC236}">
-                <a16:creationId xmlns="" xmlns:a16="http://schemas.microsoft.com/office/drawing/2014/main" id="{C32F026B-B6F7-444E-8E91-774ADB1B7EA6}"/>
+                <a16:creationId xmlns:a16="http://schemas.microsoft.com/office/drawing/2014/main" xmlns="" id="{C32F026B-B6F7-444E-8E91-774ADB1B7EA6}"/>
               </a:ext>
             </a:extLst>
           </p:cNvPr>
@@ -3678,7 +3678,7 @@
           <p:cNvPr id="3" name="Vertical Text Placeholder 2">
             <a:extLst>
               <a:ext uri="{FF2B5EF4-FFF2-40B4-BE49-F238E27FC236}">
-                <a16:creationId xmlns="" xmlns:a16="http://schemas.microsoft.com/office/drawing/2014/main" id="{E1C26E6D-425D-43AB-A1B5-363145286433}"/>
+                <a16:creationId xmlns:a16="http://schemas.microsoft.com/office/drawing/2014/main" xmlns="" id="{E1C26E6D-425D-43AB-A1B5-363145286433}"/>
               </a:ext>
             </a:extLst>
           </p:cNvPr>
@@ -3736,7 +3736,7 @@
           <p:cNvPr id="4" name="Date Placeholder 3">
             <a:extLst>
               <a:ext uri="{FF2B5EF4-FFF2-40B4-BE49-F238E27FC236}">
-                <a16:creationId xmlns="" xmlns:a16="http://schemas.microsoft.com/office/drawing/2014/main" id="{5505086C-B974-4E2B-A234-ADF76CE82FDE}"/>
+                <a16:creationId xmlns:a16="http://schemas.microsoft.com/office/drawing/2014/main" xmlns="" id="{5505086C-B974-4E2B-A234-ADF76CE82FDE}"/>
               </a:ext>
             </a:extLst>
           </p:cNvPr>
@@ -3754,7 +3754,7 @@
           <a:p>
             <a:fld id="{C9481924-9A47-4066-BD57-F9A4C2867BD3}" type="datetimeFigureOut">
               <a:rPr lang="en-GB" smtClean="0"/>
-              <a:t>26/07/2019</a:t>
+              <a:t>29/07/2019</a:t>
             </a:fld>
             <a:endParaRPr lang="en-GB"/>
           </a:p>
@@ -3765,7 +3765,7 @@
           <p:cNvPr id="5" name="Footer Placeholder 4">
             <a:extLst>
               <a:ext uri="{FF2B5EF4-FFF2-40B4-BE49-F238E27FC236}">
-                <a16:creationId xmlns="" xmlns:a16="http://schemas.microsoft.com/office/drawing/2014/main" id="{52B48396-FD71-4AE0-A97A-83E5084536DA}"/>
+                <a16:creationId xmlns:a16="http://schemas.microsoft.com/office/drawing/2014/main" xmlns="" id="{52B48396-FD71-4AE0-A97A-83E5084536DA}"/>
               </a:ext>
             </a:extLst>
           </p:cNvPr>
@@ -3790,7 +3790,7 @@
           <p:cNvPr id="6" name="Slide Number Placeholder 5">
             <a:extLst>
               <a:ext uri="{FF2B5EF4-FFF2-40B4-BE49-F238E27FC236}">
-                <a16:creationId xmlns="" xmlns:a16="http://schemas.microsoft.com/office/drawing/2014/main" id="{62D964A5-2BF3-4094-BAE1-E3E2479EB9F8}"/>
+                <a16:creationId xmlns:a16="http://schemas.microsoft.com/office/drawing/2014/main" xmlns="" id="{62D964A5-2BF3-4094-BAE1-E3E2479EB9F8}"/>
               </a:ext>
             </a:extLst>
           </p:cNvPr>
@@ -3849,7 +3849,7 @@
           <p:cNvPr id="2" name="Vertical Title 1">
             <a:extLst>
               <a:ext uri="{FF2B5EF4-FFF2-40B4-BE49-F238E27FC236}">
-                <a16:creationId xmlns="" xmlns:a16="http://schemas.microsoft.com/office/drawing/2014/main" id="{4A2C67BD-A5F3-47F9-8485-826D1524CC3C}"/>
+                <a16:creationId xmlns:a16="http://schemas.microsoft.com/office/drawing/2014/main" xmlns="" id="{4A2C67BD-A5F3-47F9-8485-826D1524CC3C}"/>
               </a:ext>
             </a:extLst>
           </p:cNvPr>
@@ -3883,7 +3883,7 @@
           <p:cNvPr id="3" name="Vertical Text Placeholder 2">
             <a:extLst>
               <a:ext uri="{FF2B5EF4-FFF2-40B4-BE49-F238E27FC236}">
-                <a16:creationId xmlns="" xmlns:a16="http://schemas.microsoft.com/office/drawing/2014/main" id="{8C912F55-7CBC-40C5-A4BF-B5B44BF979E8}"/>
+                <a16:creationId xmlns:a16="http://schemas.microsoft.com/office/drawing/2014/main" xmlns="" id="{8C912F55-7CBC-40C5-A4BF-B5B44BF979E8}"/>
               </a:ext>
             </a:extLst>
           </p:cNvPr>
@@ -3946,7 +3946,7 @@
           <p:cNvPr id="4" name="Date Placeholder 3">
             <a:extLst>
               <a:ext uri="{FF2B5EF4-FFF2-40B4-BE49-F238E27FC236}">
-                <a16:creationId xmlns="" xmlns:a16="http://schemas.microsoft.com/office/drawing/2014/main" id="{F617FDA0-A9FD-430E-9BFD-7255F7088DAE}"/>
+                <a16:creationId xmlns:a16="http://schemas.microsoft.com/office/drawing/2014/main" xmlns="" id="{F617FDA0-A9FD-430E-9BFD-7255F7088DAE}"/>
               </a:ext>
             </a:extLst>
           </p:cNvPr>
@@ -3964,7 +3964,7 @@
           <a:p>
             <a:fld id="{C9481924-9A47-4066-BD57-F9A4C2867BD3}" type="datetimeFigureOut">
               <a:rPr lang="en-GB" smtClean="0"/>
-              <a:t>26/07/2019</a:t>
+              <a:t>29/07/2019</a:t>
             </a:fld>
             <a:endParaRPr lang="en-GB"/>
           </a:p>
@@ -3975,7 +3975,7 @@
           <p:cNvPr id="5" name="Footer Placeholder 4">
             <a:extLst>
               <a:ext uri="{FF2B5EF4-FFF2-40B4-BE49-F238E27FC236}">
-                <a16:creationId xmlns="" xmlns:a16="http://schemas.microsoft.com/office/drawing/2014/main" id="{D6C37161-FA62-4FCE-8EDA-18CE7132AEE6}"/>
+                <a16:creationId xmlns:a16="http://schemas.microsoft.com/office/drawing/2014/main" xmlns="" id="{D6C37161-FA62-4FCE-8EDA-18CE7132AEE6}"/>
               </a:ext>
             </a:extLst>
           </p:cNvPr>
@@ -4000,7 +4000,7 @@
           <p:cNvPr id="6" name="Slide Number Placeholder 5">
             <a:extLst>
               <a:ext uri="{FF2B5EF4-FFF2-40B4-BE49-F238E27FC236}">
-                <a16:creationId xmlns="" xmlns:a16="http://schemas.microsoft.com/office/drawing/2014/main" id="{ADEB9A72-2C66-410A-911C-9356D7FE265E}"/>
+                <a16:creationId xmlns:a16="http://schemas.microsoft.com/office/drawing/2014/main" xmlns="" id="{ADEB9A72-2C66-410A-911C-9356D7FE265E}"/>
               </a:ext>
             </a:extLst>
           </p:cNvPr>
@@ -4059,7 +4059,7 @@
           <p:cNvPr id="2" name="Title 1">
             <a:extLst>
               <a:ext uri="{FF2B5EF4-FFF2-40B4-BE49-F238E27FC236}">
-                <a16:creationId xmlns="" xmlns:a16="http://schemas.microsoft.com/office/drawing/2014/main" id="{CC14BADF-F7C3-4F6C-B324-C977E3052932}"/>
+                <a16:creationId xmlns:a16="http://schemas.microsoft.com/office/drawing/2014/main" xmlns="" id="{CC14BADF-F7C3-4F6C-B324-C977E3052932}"/>
               </a:ext>
             </a:extLst>
           </p:cNvPr>
@@ -4088,7 +4088,7 @@
           <p:cNvPr id="3" name="Content Placeholder 2">
             <a:extLst>
               <a:ext uri="{FF2B5EF4-FFF2-40B4-BE49-F238E27FC236}">
-                <a16:creationId xmlns="" xmlns:a16="http://schemas.microsoft.com/office/drawing/2014/main" id="{E4A69203-070F-4BCE-96FA-E8D88416C5D4}"/>
+                <a16:creationId xmlns:a16="http://schemas.microsoft.com/office/drawing/2014/main" xmlns="" id="{E4A69203-070F-4BCE-96FA-E8D88416C5D4}"/>
               </a:ext>
             </a:extLst>
           </p:cNvPr>
@@ -4146,7 +4146,7 @@
           <p:cNvPr id="4" name="Date Placeholder 3">
             <a:extLst>
               <a:ext uri="{FF2B5EF4-FFF2-40B4-BE49-F238E27FC236}">
-                <a16:creationId xmlns="" xmlns:a16="http://schemas.microsoft.com/office/drawing/2014/main" id="{7A227FDF-93A4-49BF-987E-18BBB44559EF}"/>
+                <a16:creationId xmlns:a16="http://schemas.microsoft.com/office/drawing/2014/main" xmlns="" id="{7A227FDF-93A4-49BF-987E-18BBB44559EF}"/>
               </a:ext>
             </a:extLst>
           </p:cNvPr>
@@ -4164,7 +4164,7 @@
           <a:p>
             <a:fld id="{C9481924-9A47-4066-BD57-F9A4C2867BD3}" type="datetimeFigureOut">
               <a:rPr lang="en-GB" smtClean="0"/>
-              <a:t>26/07/2019</a:t>
+              <a:t>29/07/2019</a:t>
             </a:fld>
             <a:endParaRPr lang="en-GB"/>
           </a:p>
@@ -4175,7 +4175,7 @@
           <p:cNvPr id="5" name="Footer Placeholder 4">
             <a:extLst>
               <a:ext uri="{FF2B5EF4-FFF2-40B4-BE49-F238E27FC236}">
-                <a16:creationId xmlns="" xmlns:a16="http://schemas.microsoft.com/office/drawing/2014/main" id="{20EAA1D2-08F3-41B4-9479-31F03CF80E8B}"/>
+                <a16:creationId xmlns:a16="http://schemas.microsoft.com/office/drawing/2014/main" xmlns="" id="{20EAA1D2-08F3-41B4-9479-31F03CF80E8B}"/>
               </a:ext>
             </a:extLst>
           </p:cNvPr>
@@ -4200,7 +4200,7 @@
           <p:cNvPr id="6" name="Slide Number Placeholder 5">
             <a:extLst>
               <a:ext uri="{FF2B5EF4-FFF2-40B4-BE49-F238E27FC236}">
-                <a16:creationId xmlns="" xmlns:a16="http://schemas.microsoft.com/office/drawing/2014/main" id="{3E1924CB-AB11-4554-B5F0-F2D84B69391B}"/>
+                <a16:creationId xmlns:a16="http://schemas.microsoft.com/office/drawing/2014/main" xmlns="" id="{3E1924CB-AB11-4554-B5F0-F2D84B69391B}"/>
               </a:ext>
             </a:extLst>
           </p:cNvPr>
@@ -4259,7 +4259,7 @@
           <p:cNvPr id="2" name="Title 1">
             <a:extLst>
               <a:ext uri="{FF2B5EF4-FFF2-40B4-BE49-F238E27FC236}">
-                <a16:creationId xmlns="" xmlns:a16="http://schemas.microsoft.com/office/drawing/2014/main" id="{706C39B6-1293-4F80-A910-D4D20D6B60EF}"/>
+                <a16:creationId xmlns:a16="http://schemas.microsoft.com/office/drawing/2014/main" xmlns="" id="{706C39B6-1293-4F80-A910-D4D20D6B60EF}"/>
               </a:ext>
             </a:extLst>
           </p:cNvPr>
@@ -4297,7 +4297,7 @@
           <p:cNvPr id="3" name="Text Placeholder 2">
             <a:extLst>
               <a:ext uri="{FF2B5EF4-FFF2-40B4-BE49-F238E27FC236}">
-                <a16:creationId xmlns="" xmlns:a16="http://schemas.microsoft.com/office/drawing/2014/main" id="{0A9F4D7A-07AD-485E-8700-3A64CF14C16E}"/>
+                <a16:creationId xmlns:a16="http://schemas.microsoft.com/office/drawing/2014/main" xmlns="" id="{0A9F4D7A-07AD-485E-8700-3A64CF14C16E}"/>
               </a:ext>
             </a:extLst>
           </p:cNvPr>
@@ -4422,7 +4422,7 @@
           <p:cNvPr id="4" name="Date Placeholder 3">
             <a:extLst>
               <a:ext uri="{FF2B5EF4-FFF2-40B4-BE49-F238E27FC236}">
-                <a16:creationId xmlns="" xmlns:a16="http://schemas.microsoft.com/office/drawing/2014/main" id="{C5181CF9-CF0B-469A-AA65-6AA21AED85B6}"/>
+                <a16:creationId xmlns:a16="http://schemas.microsoft.com/office/drawing/2014/main" xmlns="" id="{C5181CF9-CF0B-469A-AA65-6AA21AED85B6}"/>
               </a:ext>
             </a:extLst>
           </p:cNvPr>
@@ -4440,7 +4440,7 @@
           <a:p>
             <a:fld id="{C9481924-9A47-4066-BD57-F9A4C2867BD3}" type="datetimeFigureOut">
               <a:rPr lang="en-GB" smtClean="0"/>
-              <a:t>26/07/2019</a:t>
+              <a:t>29/07/2019</a:t>
             </a:fld>
             <a:endParaRPr lang="en-GB"/>
           </a:p>
@@ -4451,7 +4451,7 @@
           <p:cNvPr id="5" name="Footer Placeholder 4">
             <a:extLst>
               <a:ext uri="{FF2B5EF4-FFF2-40B4-BE49-F238E27FC236}">
-                <a16:creationId xmlns="" xmlns:a16="http://schemas.microsoft.com/office/drawing/2014/main" id="{6E56C96A-1890-4A16-BBD8-D2CF5DA17482}"/>
+                <a16:creationId xmlns:a16="http://schemas.microsoft.com/office/drawing/2014/main" xmlns="" id="{6E56C96A-1890-4A16-BBD8-D2CF5DA17482}"/>
               </a:ext>
             </a:extLst>
           </p:cNvPr>
@@ -4476,7 +4476,7 @@
           <p:cNvPr id="6" name="Slide Number Placeholder 5">
             <a:extLst>
               <a:ext uri="{FF2B5EF4-FFF2-40B4-BE49-F238E27FC236}">
-                <a16:creationId xmlns="" xmlns:a16="http://schemas.microsoft.com/office/drawing/2014/main" id="{6494B404-7A3C-4BBA-8359-81B1A566A4BC}"/>
+                <a16:creationId xmlns:a16="http://schemas.microsoft.com/office/drawing/2014/main" xmlns="" id="{6494B404-7A3C-4BBA-8359-81B1A566A4BC}"/>
               </a:ext>
             </a:extLst>
           </p:cNvPr>
@@ -4535,7 +4535,7 @@
           <p:cNvPr id="2" name="Title 1">
             <a:extLst>
               <a:ext uri="{FF2B5EF4-FFF2-40B4-BE49-F238E27FC236}">
-                <a16:creationId xmlns="" xmlns:a16="http://schemas.microsoft.com/office/drawing/2014/main" id="{A4CD56FC-3CA9-487E-891C-B2190EC0BD48}"/>
+                <a16:creationId xmlns:a16="http://schemas.microsoft.com/office/drawing/2014/main" xmlns="" id="{A4CD56FC-3CA9-487E-891C-B2190EC0BD48}"/>
               </a:ext>
             </a:extLst>
           </p:cNvPr>
@@ -4564,7 +4564,7 @@
           <p:cNvPr id="3" name="Content Placeholder 2">
             <a:extLst>
               <a:ext uri="{FF2B5EF4-FFF2-40B4-BE49-F238E27FC236}">
-                <a16:creationId xmlns="" xmlns:a16="http://schemas.microsoft.com/office/drawing/2014/main" id="{F471B06E-A2E0-498B-8F23-81E6BBF82B0F}"/>
+                <a16:creationId xmlns:a16="http://schemas.microsoft.com/office/drawing/2014/main" xmlns="" id="{F471B06E-A2E0-498B-8F23-81E6BBF82B0F}"/>
               </a:ext>
             </a:extLst>
           </p:cNvPr>
@@ -4627,7 +4627,7 @@
           <p:cNvPr id="4" name="Content Placeholder 3">
             <a:extLst>
               <a:ext uri="{FF2B5EF4-FFF2-40B4-BE49-F238E27FC236}">
-                <a16:creationId xmlns="" xmlns:a16="http://schemas.microsoft.com/office/drawing/2014/main" id="{CC5C5DF4-7F15-4C6A-B53F-BA03940A36BD}"/>
+                <a16:creationId xmlns:a16="http://schemas.microsoft.com/office/drawing/2014/main" xmlns="" id="{CC5C5DF4-7F15-4C6A-B53F-BA03940A36BD}"/>
               </a:ext>
             </a:extLst>
           </p:cNvPr>
@@ -4690,7 +4690,7 @@
           <p:cNvPr id="5" name="Date Placeholder 4">
             <a:extLst>
               <a:ext uri="{FF2B5EF4-FFF2-40B4-BE49-F238E27FC236}">
-                <a16:creationId xmlns="" xmlns:a16="http://schemas.microsoft.com/office/drawing/2014/main" id="{8C98458F-187A-40C2-A37B-13B2C8B5F29D}"/>
+                <a16:creationId xmlns:a16="http://schemas.microsoft.com/office/drawing/2014/main" xmlns="" id="{8C98458F-187A-40C2-A37B-13B2C8B5F29D}"/>
               </a:ext>
             </a:extLst>
           </p:cNvPr>
@@ -4708,7 +4708,7 @@
           <a:p>
             <a:fld id="{C9481924-9A47-4066-BD57-F9A4C2867BD3}" type="datetimeFigureOut">
               <a:rPr lang="en-GB" smtClean="0"/>
-              <a:t>26/07/2019</a:t>
+              <a:t>29/07/2019</a:t>
             </a:fld>
             <a:endParaRPr lang="en-GB"/>
           </a:p>
@@ -4719,7 +4719,7 @@
           <p:cNvPr id="6" name="Footer Placeholder 5">
             <a:extLst>
               <a:ext uri="{FF2B5EF4-FFF2-40B4-BE49-F238E27FC236}">
-                <a16:creationId xmlns="" xmlns:a16="http://schemas.microsoft.com/office/drawing/2014/main" id="{8952D866-4E0B-40D8-9C3A-C20EE2A0103F}"/>
+                <a16:creationId xmlns:a16="http://schemas.microsoft.com/office/drawing/2014/main" xmlns="" id="{8952D866-4E0B-40D8-9C3A-C20EE2A0103F}"/>
               </a:ext>
             </a:extLst>
           </p:cNvPr>
@@ -4744,7 +4744,7 @@
           <p:cNvPr id="7" name="Slide Number Placeholder 6">
             <a:extLst>
               <a:ext uri="{FF2B5EF4-FFF2-40B4-BE49-F238E27FC236}">
-                <a16:creationId xmlns="" xmlns:a16="http://schemas.microsoft.com/office/drawing/2014/main" id="{DB084765-30AE-426E-ACEE-DEAE568B1210}"/>
+                <a16:creationId xmlns:a16="http://schemas.microsoft.com/office/drawing/2014/main" xmlns="" id="{DB084765-30AE-426E-ACEE-DEAE568B1210}"/>
               </a:ext>
             </a:extLst>
           </p:cNvPr>
@@ -4803,7 +4803,7 @@
           <p:cNvPr id="2" name="Title 1">
             <a:extLst>
               <a:ext uri="{FF2B5EF4-FFF2-40B4-BE49-F238E27FC236}">
-                <a16:creationId xmlns="" xmlns:a16="http://schemas.microsoft.com/office/drawing/2014/main" id="{B0771D10-E830-479E-9BC0-7B8ACCEB3CF9}"/>
+                <a16:creationId xmlns:a16="http://schemas.microsoft.com/office/drawing/2014/main" xmlns="" id="{B0771D10-E830-479E-9BC0-7B8ACCEB3CF9}"/>
               </a:ext>
             </a:extLst>
           </p:cNvPr>
@@ -4837,7 +4837,7 @@
           <p:cNvPr id="3" name="Text Placeholder 2">
             <a:extLst>
               <a:ext uri="{FF2B5EF4-FFF2-40B4-BE49-F238E27FC236}">
-                <a16:creationId xmlns="" xmlns:a16="http://schemas.microsoft.com/office/drawing/2014/main" id="{19029199-CE2C-420A-89F3-AC26B5DFAFED}"/>
+                <a16:creationId xmlns:a16="http://schemas.microsoft.com/office/drawing/2014/main" xmlns="" id="{19029199-CE2C-420A-89F3-AC26B5DFAFED}"/>
               </a:ext>
             </a:extLst>
           </p:cNvPr>
@@ -4908,7 +4908,7 @@
           <p:cNvPr id="4" name="Content Placeholder 3">
             <a:extLst>
               <a:ext uri="{FF2B5EF4-FFF2-40B4-BE49-F238E27FC236}">
-                <a16:creationId xmlns="" xmlns:a16="http://schemas.microsoft.com/office/drawing/2014/main" id="{60FB6898-09D5-4FA6-B4B5-F9AC29A4A4BA}"/>
+                <a16:creationId xmlns:a16="http://schemas.microsoft.com/office/drawing/2014/main" xmlns="" id="{60FB6898-09D5-4FA6-B4B5-F9AC29A4A4BA}"/>
               </a:ext>
             </a:extLst>
           </p:cNvPr>
@@ -4971,7 +4971,7 @@
           <p:cNvPr id="5" name="Text Placeholder 4">
             <a:extLst>
               <a:ext uri="{FF2B5EF4-FFF2-40B4-BE49-F238E27FC236}">
-                <a16:creationId xmlns="" xmlns:a16="http://schemas.microsoft.com/office/drawing/2014/main" id="{2E088173-68BB-4292-A3B4-07756C26ABE8}"/>
+                <a16:creationId xmlns:a16="http://schemas.microsoft.com/office/drawing/2014/main" xmlns="" id="{2E088173-68BB-4292-A3B4-07756C26ABE8}"/>
               </a:ext>
             </a:extLst>
           </p:cNvPr>
@@ -5042,7 +5042,7 @@
           <p:cNvPr id="6" name="Content Placeholder 5">
             <a:extLst>
               <a:ext uri="{FF2B5EF4-FFF2-40B4-BE49-F238E27FC236}">
-                <a16:creationId xmlns="" xmlns:a16="http://schemas.microsoft.com/office/drawing/2014/main" id="{0B52BC6D-6245-4EFF-BE26-7FD33787F339}"/>
+                <a16:creationId xmlns:a16="http://schemas.microsoft.com/office/drawing/2014/main" xmlns="" id="{0B52BC6D-6245-4EFF-BE26-7FD33787F339}"/>
               </a:ext>
             </a:extLst>
           </p:cNvPr>
@@ -5105,7 +5105,7 @@
           <p:cNvPr id="7" name="Date Placeholder 6">
             <a:extLst>
               <a:ext uri="{FF2B5EF4-FFF2-40B4-BE49-F238E27FC236}">
-                <a16:creationId xmlns="" xmlns:a16="http://schemas.microsoft.com/office/drawing/2014/main" id="{E2EB4FB0-6325-4D34-8304-AE2EC853A325}"/>
+                <a16:creationId xmlns:a16="http://schemas.microsoft.com/office/drawing/2014/main" xmlns="" id="{E2EB4FB0-6325-4D34-8304-AE2EC853A325}"/>
               </a:ext>
             </a:extLst>
           </p:cNvPr>
@@ -5123,7 +5123,7 @@
           <a:p>
             <a:fld id="{C9481924-9A47-4066-BD57-F9A4C2867BD3}" type="datetimeFigureOut">
               <a:rPr lang="en-GB" smtClean="0"/>
-              <a:t>26/07/2019</a:t>
+              <a:t>29/07/2019</a:t>
             </a:fld>
             <a:endParaRPr lang="en-GB"/>
           </a:p>
@@ -5134,7 +5134,7 @@
           <p:cNvPr id="8" name="Footer Placeholder 7">
             <a:extLst>
               <a:ext uri="{FF2B5EF4-FFF2-40B4-BE49-F238E27FC236}">
-                <a16:creationId xmlns="" xmlns:a16="http://schemas.microsoft.com/office/drawing/2014/main" id="{6CA05AC5-D20F-41D2-A0E0-A628E4A4613A}"/>
+                <a16:creationId xmlns:a16="http://schemas.microsoft.com/office/drawing/2014/main" xmlns="" id="{6CA05AC5-D20F-41D2-A0E0-A628E4A4613A}"/>
               </a:ext>
             </a:extLst>
           </p:cNvPr>
@@ -5159,7 +5159,7 @@
           <p:cNvPr id="9" name="Slide Number Placeholder 8">
             <a:extLst>
               <a:ext uri="{FF2B5EF4-FFF2-40B4-BE49-F238E27FC236}">
-                <a16:creationId xmlns="" xmlns:a16="http://schemas.microsoft.com/office/drawing/2014/main" id="{85055D32-D31A-41B9-AEF9-92101AA59BA3}"/>
+                <a16:creationId xmlns:a16="http://schemas.microsoft.com/office/drawing/2014/main" xmlns="" id="{85055D32-D31A-41B9-AEF9-92101AA59BA3}"/>
               </a:ext>
             </a:extLst>
           </p:cNvPr>
@@ -5218,7 +5218,7 @@
           <p:cNvPr id="2" name="Title 1">
             <a:extLst>
               <a:ext uri="{FF2B5EF4-FFF2-40B4-BE49-F238E27FC236}">
-                <a16:creationId xmlns="" xmlns:a16="http://schemas.microsoft.com/office/drawing/2014/main" id="{0F8C148D-DB1F-445F-9A4B-249E6436DCC3}"/>
+                <a16:creationId xmlns:a16="http://schemas.microsoft.com/office/drawing/2014/main" xmlns="" id="{0F8C148D-DB1F-445F-9A4B-249E6436DCC3}"/>
               </a:ext>
             </a:extLst>
           </p:cNvPr>
@@ -5247,7 +5247,7 @@
           <p:cNvPr id="3" name="Date Placeholder 2">
             <a:extLst>
               <a:ext uri="{FF2B5EF4-FFF2-40B4-BE49-F238E27FC236}">
-                <a16:creationId xmlns="" xmlns:a16="http://schemas.microsoft.com/office/drawing/2014/main" id="{38D30E84-CA70-4E51-9D0C-04A031C4F958}"/>
+                <a16:creationId xmlns:a16="http://schemas.microsoft.com/office/drawing/2014/main" xmlns="" id="{38D30E84-CA70-4E51-9D0C-04A031C4F958}"/>
               </a:ext>
             </a:extLst>
           </p:cNvPr>
@@ -5265,7 +5265,7 @@
           <a:p>
             <a:fld id="{C9481924-9A47-4066-BD57-F9A4C2867BD3}" type="datetimeFigureOut">
               <a:rPr lang="en-GB" smtClean="0"/>
-              <a:t>26/07/2019</a:t>
+              <a:t>29/07/2019</a:t>
             </a:fld>
             <a:endParaRPr lang="en-GB"/>
           </a:p>
@@ -5276,7 +5276,7 @@
           <p:cNvPr id="4" name="Footer Placeholder 3">
             <a:extLst>
               <a:ext uri="{FF2B5EF4-FFF2-40B4-BE49-F238E27FC236}">
-                <a16:creationId xmlns="" xmlns:a16="http://schemas.microsoft.com/office/drawing/2014/main" id="{5DD4B21F-F8BE-4098-9BAE-FDBD7D273673}"/>
+                <a16:creationId xmlns:a16="http://schemas.microsoft.com/office/drawing/2014/main" xmlns="" id="{5DD4B21F-F8BE-4098-9BAE-FDBD7D273673}"/>
               </a:ext>
             </a:extLst>
           </p:cNvPr>
@@ -5301,7 +5301,7 @@
           <p:cNvPr id="5" name="Slide Number Placeholder 4">
             <a:extLst>
               <a:ext uri="{FF2B5EF4-FFF2-40B4-BE49-F238E27FC236}">
-                <a16:creationId xmlns="" xmlns:a16="http://schemas.microsoft.com/office/drawing/2014/main" id="{D9104633-1524-4855-96B8-0416957AA73D}"/>
+                <a16:creationId xmlns:a16="http://schemas.microsoft.com/office/drawing/2014/main" xmlns="" id="{D9104633-1524-4855-96B8-0416957AA73D}"/>
               </a:ext>
             </a:extLst>
           </p:cNvPr>
@@ -5360,7 +5360,7 @@
           <p:cNvPr id="2" name="Date Placeholder 1">
             <a:extLst>
               <a:ext uri="{FF2B5EF4-FFF2-40B4-BE49-F238E27FC236}">
-                <a16:creationId xmlns="" xmlns:a16="http://schemas.microsoft.com/office/drawing/2014/main" id="{16C06414-8DE5-4AED-A995-B405167A5304}"/>
+                <a16:creationId xmlns:a16="http://schemas.microsoft.com/office/drawing/2014/main" xmlns="" id="{16C06414-8DE5-4AED-A995-B405167A5304}"/>
               </a:ext>
             </a:extLst>
           </p:cNvPr>
@@ -5378,7 +5378,7 @@
           <a:p>
             <a:fld id="{C9481924-9A47-4066-BD57-F9A4C2867BD3}" type="datetimeFigureOut">
               <a:rPr lang="en-GB" smtClean="0"/>
-              <a:t>26/07/2019</a:t>
+              <a:t>29/07/2019</a:t>
             </a:fld>
             <a:endParaRPr lang="en-GB"/>
           </a:p>
@@ -5389,7 +5389,7 @@
           <p:cNvPr id="3" name="Footer Placeholder 2">
             <a:extLst>
               <a:ext uri="{FF2B5EF4-FFF2-40B4-BE49-F238E27FC236}">
-                <a16:creationId xmlns="" xmlns:a16="http://schemas.microsoft.com/office/drawing/2014/main" id="{0AEE818F-71EB-4AAF-BF68-CC851F7DEF4E}"/>
+                <a16:creationId xmlns:a16="http://schemas.microsoft.com/office/drawing/2014/main" xmlns="" id="{0AEE818F-71EB-4AAF-BF68-CC851F7DEF4E}"/>
               </a:ext>
             </a:extLst>
           </p:cNvPr>
@@ -5414,7 +5414,7 @@
           <p:cNvPr id="4" name="Slide Number Placeholder 3">
             <a:extLst>
               <a:ext uri="{FF2B5EF4-FFF2-40B4-BE49-F238E27FC236}">
-                <a16:creationId xmlns="" xmlns:a16="http://schemas.microsoft.com/office/drawing/2014/main" id="{898B8E77-A02F-4150-A891-CC449F48A1F2}"/>
+                <a16:creationId xmlns:a16="http://schemas.microsoft.com/office/drawing/2014/main" xmlns="" id="{898B8E77-A02F-4150-A891-CC449F48A1F2}"/>
               </a:ext>
             </a:extLst>
           </p:cNvPr>
@@ -5473,7 +5473,7 @@
           <p:cNvPr id="2" name="Title 1">
             <a:extLst>
               <a:ext uri="{FF2B5EF4-FFF2-40B4-BE49-F238E27FC236}">
-                <a16:creationId xmlns="" xmlns:a16="http://schemas.microsoft.com/office/drawing/2014/main" id="{8C652A13-8D50-4534-8683-847F4BF097AE}"/>
+                <a16:creationId xmlns:a16="http://schemas.microsoft.com/office/drawing/2014/main" xmlns="" id="{8C652A13-8D50-4534-8683-847F4BF097AE}"/>
               </a:ext>
             </a:extLst>
           </p:cNvPr>
@@ -5511,7 +5511,7 @@
           <p:cNvPr id="3" name="Content Placeholder 2">
             <a:extLst>
               <a:ext uri="{FF2B5EF4-FFF2-40B4-BE49-F238E27FC236}">
-                <a16:creationId xmlns="" xmlns:a16="http://schemas.microsoft.com/office/drawing/2014/main" id="{1896865B-7AF5-40A6-9AEF-A67102E01BAD}"/>
+                <a16:creationId xmlns:a16="http://schemas.microsoft.com/office/drawing/2014/main" xmlns="" id="{1896865B-7AF5-40A6-9AEF-A67102E01BAD}"/>
               </a:ext>
             </a:extLst>
           </p:cNvPr>
@@ -5602,7 +5602,7 @@
           <p:cNvPr id="4" name="Text Placeholder 3">
             <a:extLst>
               <a:ext uri="{FF2B5EF4-FFF2-40B4-BE49-F238E27FC236}">
-                <a16:creationId xmlns="" xmlns:a16="http://schemas.microsoft.com/office/drawing/2014/main" id="{40FEAE1F-630E-461C-8E19-071ED231E46E}"/>
+                <a16:creationId xmlns:a16="http://schemas.microsoft.com/office/drawing/2014/main" xmlns="" id="{40FEAE1F-630E-461C-8E19-071ED231E46E}"/>
               </a:ext>
             </a:extLst>
           </p:cNvPr>
@@ -5673,7 +5673,7 @@
           <p:cNvPr id="5" name="Date Placeholder 4">
             <a:extLst>
               <a:ext uri="{FF2B5EF4-FFF2-40B4-BE49-F238E27FC236}">
-                <a16:creationId xmlns="" xmlns:a16="http://schemas.microsoft.com/office/drawing/2014/main" id="{2891FCB6-3389-489B-9F57-9A8765B7F380}"/>
+                <a16:creationId xmlns:a16="http://schemas.microsoft.com/office/drawing/2014/main" xmlns="" id="{2891FCB6-3389-489B-9F57-9A8765B7F380}"/>
               </a:ext>
             </a:extLst>
           </p:cNvPr>
@@ -5691,7 +5691,7 @@
           <a:p>
             <a:fld id="{C9481924-9A47-4066-BD57-F9A4C2867BD3}" type="datetimeFigureOut">
               <a:rPr lang="en-GB" smtClean="0"/>
-              <a:t>26/07/2019</a:t>
+              <a:t>29/07/2019</a:t>
             </a:fld>
             <a:endParaRPr lang="en-GB"/>
           </a:p>
@@ -5702,7 +5702,7 @@
           <p:cNvPr id="6" name="Footer Placeholder 5">
             <a:extLst>
               <a:ext uri="{FF2B5EF4-FFF2-40B4-BE49-F238E27FC236}">
-                <a16:creationId xmlns="" xmlns:a16="http://schemas.microsoft.com/office/drawing/2014/main" id="{FE793171-EFFC-400D-AB15-99F571EA4236}"/>
+                <a16:creationId xmlns:a16="http://schemas.microsoft.com/office/drawing/2014/main" xmlns="" id="{FE793171-EFFC-400D-AB15-99F571EA4236}"/>
               </a:ext>
             </a:extLst>
           </p:cNvPr>
@@ -5727,7 +5727,7 @@
           <p:cNvPr id="7" name="Slide Number Placeholder 6">
             <a:extLst>
               <a:ext uri="{FF2B5EF4-FFF2-40B4-BE49-F238E27FC236}">
-                <a16:creationId xmlns="" xmlns:a16="http://schemas.microsoft.com/office/drawing/2014/main" id="{BAC2A6C8-756C-4497-A4B5-E0DEB50A9D69}"/>
+                <a16:creationId xmlns:a16="http://schemas.microsoft.com/office/drawing/2014/main" xmlns="" id="{BAC2A6C8-756C-4497-A4B5-E0DEB50A9D69}"/>
               </a:ext>
             </a:extLst>
           </p:cNvPr>
@@ -5786,7 +5786,7 @@
           <p:cNvPr id="2" name="Title 1">
             <a:extLst>
               <a:ext uri="{FF2B5EF4-FFF2-40B4-BE49-F238E27FC236}">
-                <a16:creationId xmlns="" xmlns:a16="http://schemas.microsoft.com/office/drawing/2014/main" id="{4EC67D8E-E599-4ECB-BD2E-8E68DE3B5737}"/>
+                <a16:creationId xmlns:a16="http://schemas.microsoft.com/office/drawing/2014/main" xmlns="" id="{4EC67D8E-E599-4ECB-BD2E-8E68DE3B5737}"/>
               </a:ext>
             </a:extLst>
           </p:cNvPr>
@@ -5824,7 +5824,7 @@
           <p:cNvPr id="3" name="Picture Placeholder 2">
             <a:extLst>
               <a:ext uri="{FF2B5EF4-FFF2-40B4-BE49-F238E27FC236}">
-                <a16:creationId xmlns="" xmlns:a16="http://schemas.microsoft.com/office/drawing/2014/main" id="{4C13419F-65AB-421B-BD05-44D8BD570382}"/>
+                <a16:creationId xmlns:a16="http://schemas.microsoft.com/office/drawing/2014/main" xmlns="" id="{4C13419F-65AB-421B-BD05-44D8BD570382}"/>
               </a:ext>
             </a:extLst>
           </p:cNvPr>
@@ -5891,7 +5891,7 @@
           <p:cNvPr id="4" name="Text Placeholder 3">
             <a:extLst>
               <a:ext uri="{FF2B5EF4-FFF2-40B4-BE49-F238E27FC236}">
-                <a16:creationId xmlns="" xmlns:a16="http://schemas.microsoft.com/office/drawing/2014/main" id="{095A9DEC-CFA6-4041-A69D-4C0E696BFF9B}"/>
+                <a16:creationId xmlns:a16="http://schemas.microsoft.com/office/drawing/2014/main" xmlns="" id="{095A9DEC-CFA6-4041-A69D-4C0E696BFF9B}"/>
               </a:ext>
             </a:extLst>
           </p:cNvPr>
@@ -5962,7 +5962,7 @@
           <p:cNvPr id="5" name="Date Placeholder 4">
             <a:extLst>
               <a:ext uri="{FF2B5EF4-FFF2-40B4-BE49-F238E27FC236}">
-                <a16:creationId xmlns="" xmlns:a16="http://schemas.microsoft.com/office/drawing/2014/main" id="{A3DA88C0-2719-4897-84C2-B086D59EAC2B}"/>
+                <a16:creationId xmlns:a16="http://schemas.microsoft.com/office/drawing/2014/main" xmlns="" id="{A3DA88C0-2719-4897-84C2-B086D59EAC2B}"/>
               </a:ext>
             </a:extLst>
           </p:cNvPr>
@@ -5980,7 +5980,7 @@
           <a:p>
             <a:fld id="{C9481924-9A47-4066-BD57-F9A4C2867BD3}" type="datetimeFigureOut">
               <a:rPr lang="en-GB" smtClean="0"/>
-              <a:t>26/07/2019</a:t>
+              <a:t>29/07/2019</a:t>
             </a:fld>
             <a:endParaRPr lang="en-GB"/>
           </a:p>
@@ -5991,7 +5991,7 @@
           <p:cNvPr id="6" name="Footer Placeholder 5">
             <a:extLst>
               <a:ext uri="{FF2B5EF4-FFF2-40B4-BE49-F238E27FC236}">
-                <a16:creationId xmlns="" xmlns:a16="http://schemas.microsoft.com/office/drawing/2014/main" id="{2232960E-F615-443B-B720-C4D9FF235BCC}"/>
+                <a16:creationId xmlns:a16="http://schemas.microsoft.com/office/drawing/2014/main" xmlns="" id="{2232960E-F615-443B-B720-C4D9FF235BCC}"/>
               </a:ext>
             </a:extLst>
           </p:cNvPr>
@@ -6016,7 +6016,7 @@
           <p:cNvPr id="7" name="Slide Number Placeholder 6">
             <a:extLst>
               <a:ext uri="{FF2B5EF4-FFF2-40B4-BE49-F238E27FC236}">
-                <a16:creationId xmlns="" xmlns:a16="http://schemas.microsoft.com/office/drawing/2014/main" id="{214BD274-08BF-4041-B72E-9E7A7B4B9324}"/>
+                <a16:creationId xmlns:a16="http://schemas.microsoft.com/office/drawing/2014/main" xmlns="" id="{214BD274-08BF-4041-B72E-9E7A7B4B9324}"/>
               </a:ext>
             </a:extLst>
           </p:cNvPr>
@@ -6080,7 +6080,7 @@
           <p:cNvPr id="2" name="Title Placeholder 1">
             <a:extLst>
               <a:ext uri="{FF2B5EF4-FFF2-40B4-BE49-F238E27FC236}">
-                <a16:creationId xmlns="" xmlns:a16="http://schemas.microsoft.com/office/drawing/2014/main" id="{4E11F29D-0C12-42AE-A460-DD689EE38562}"/>
+                <a16:creationId xmlns:a16="http://schemas.microsoft.com/office/drawing/2014/main" xmlns="" id="{4E11F29D-0C12-42AE-A460-DD689EE38562}"/>
               </a:ext>
             </a:extLst>
           </p:cNvPr>
@@ -6119,7 +6119,7 @@
           <p:cNvPr id="3" name="Text Placeholder 2">
             <a:extLst>
               <a:ext uri="{FF2B5EF4-FFF2-40B4-BE49-F238E27FC236}">
-                <a16:creationId xmlns="" xmlns:a16="http://schemas.microsoft.com/office/drawing/2014/main" id="{9DFC08EE-1454-453D-B10C-FBAD151623D0}"/>
+                <a16:creationId xmlns:a16="http://schemas.microsoft.com/office/drawing/2014/main" xmlns="" id="{9DFC08EE-1454-453D-B10C-FBAD151623D0}"/>
               </a:ext>
             </a:extLst>
           </p:cNvPr>
@@ -6187,7 +6187,7 @@
           <p:cNvPr id="4" name="Date Placeholder 3">
             <a:extLst>
               <a:ext uri="{FF2B5EF4-FFF2-40B4-BE49-F238E27FC236}">
-                <a16:creationId xmlns="" xmlns:a16="http://schemas.microsoft.com/office/drawing/2014/main" id="{6E1498ED-19F9-4412-BD3A-4FCCAD1538EE}"/>
+                <a16:creationId xmlns:a16="http://schemas.microsoft.com/office/drawing/2014/main" xmlns="" id="{6E1498ED-19F9-4412-BD3A-4FCCAD1538EE}"/>
               </a:ext>
             </a:extLst>
           </p:cNvPr>
@@ -6223,7 +6223,7 @@
           <a:p>
             <a:fld id="{C9481924-9A47-4066-BD57-F9A4C2867BD3}" type="datetimeFigureOut">
               <a:rPr lang="en-GB" smtClean="0"/>
-              <a:t>26/07/2019</a:t>
+              <a:t>29/07/2019</a:t>
             </a:fld>
             <a:endParaRPr lang="en-GB"/>
           </a:p>
@@ -6234,7 +6234,7 @@
           <p:cNvPr id="5" name="Footer Placeholder 4">
             <a:extLst>
               <a:ext uri="{FF2B5EF4-FFF2-40B4-BE49-F238E27FC236}">
-                <a16:creationId xmlns="" xmlns:a16="http://schemas.microsoft.com/office/drawing/2014/main" id="{7C8FA8F9-3C88-4114-A0B9-7A42EA85F317}"/>
+                <a16:creationId xmlns:a16="http://schemas.microsoft.com/office/drawing/2014/main" xmlns="" id="{7C8FA8F9-3C88-4114-A0B9-7A42EA85F317}"/>
               </a:ext>
             </a:extLst>
           </p:cNvPr>
@@ -6277,7 +6277,7 @@
           <p:cNvPr id="6" name="Slide Number Placeholder 5">
             <a:extLst>
               <a:ext uri="{FF2B5EF4-FFF2-40B4-BE49-F238E27FC236}">
-                <a16:creationId xmlns="" xmlns:a16="http://schemas.microsoft.com/office/drawing/2014/main" id="{3261D56F-CD52-417D-BCF5-218288D8046D}"/>
+                <a16:creationId xmlns:a16="http://schemas.microsoft.com/office/drawing/2014/main" xmlns="" id="{3261D56F-CD52-417D-BCF5-218288D8046D}"/>
               </a:ext>
             </a:extLst>
           </p:cNvPr>
@@ -6653,7 +6653,7 @@
           <p:cNvPr id="23" name="Shape 72">
             <a:extLst>
               <a:ext uri="{FF2B5EF4-FFF2-40B4-BE49-F238E27FC236}">
-                <a16:creationId xmlns="" xmlns:a16="http://schemas.microsoft.com/office/drawing/2014/main" id="{C48B8E0A-0E25-6B49-AB2D-FBB6B3232A03}"/>
+                <a16:creationId xmlns:a16="http://schemas.microsoft.com/office/drawing/2014/main" xmlns="" id="{C48B8E0A-0E25-6B49-AB2D-FBB6B3232A03}"/>
               </a:ext>
             </a:extLst>
           </p:cNvPr>
@@ -6673,7 +6673,7 @@
           </a:ln>
           <a:extLst>
             <a:ext uri="{C572A759-6A51-4108-AA02-DFA0A04FC94B}">
-              <ma14:wrappingTextBoxFlag xmlns:ma14="http://schemas.microsoft.com/office/mac/drawingml/2011/main" xmlns:a14="http://schemas.microsoft.com/office/drawing/2010/main" xmlns:m="http://schemas.openxmlformats.org/officeDocument/2006/math" xmlns="" val="1"/>
+              <ma14:wrappingTextBoxFlag xmlns="" xmlns:m="http://schemas.openxmlformats.org/officeDocument/2006/math" xmlns:a14="http://schemas.microsoft.com/office/drawing/2010/main" xmlns:ma14="http://schemas.microsoft.com/office/mac/drawingml/2011/main" val="1"/>
             </a:ext>
           </a:extLst>
         </p:spPr>
@@ -6724,7 +6724,7 @@
           <p:cNvPr id="8" name="Rectangle 7">
             <a:extLst>
               <a:ext uri="{FF2B5EF4-FFF2-40B4-BE49-F238E27FC236}">
-                <a16:creationId xmlns="" xmlns:a16="http://schemas.microsoft.com/office/drawing/2014/main" id="{9572F161-00D8-1F47-8444-18B06D08E4FB}"/>
+                <a16:creationId xmlns:a16="http://schemas.microsoft.com/office/drawing/2014/main" xmlns="" id="{9572F161-00D8-1F47-8444-18B06D08E4FB}"/>
               </a:ext>
             </a:extLst>
           </p:cNvPr>
@@ -6785,7 +6785,7 @@
           <p:cNvPr id="9" name="Group 8">
             <a:extLst>
               <a:ext uri="{FF2B5EF4-FFF2-40B4-BE49-F238E27FC236}">
-                <a16:creationId xmlns="" xmlns:a16="http://schemas.microsoft.com/office/drawing/2014/main" id="{A624D1AD-5B64-614C-828D-60A83AA81013}"/>
+                <a16:creationId xmlns:a16="http://schemas.microsoft.com/office/drawing/2014/main" xmlns="" id="{A624D1AD-5B64-614C-828D-60A83AA81013}"/>
               </a:ext>
             </a:extLst>
           </p:cNvPr>
@@ -6805,7 +6805,7 @@
             <p:cNvPr id="10" name="TextBox 9">
               <a:extLst>
                 <a:ext uri="{FF2B5EF4-FFF2-40B4-BE49-F238E27FC236}">
-                  <a16:creationId xmlns="" xmlns:a16="http://schemas.microsoft.com/office/drawing/2014/main" id="{D1CD51C8-97BD-BE4B-8F9D-CB2C2D38E9DB}"/>
+                  <a16:creationId xmlns:a16="http://schemas.microsoft.com/office/drawing/2014/main" xmlns="" id="{D1CD51C8-97BD-BE4B-8F9D-CB2C2D38E9DB}"/>
                 </a:ext>
               </a:extLst>
             </p:cNvPr>
@@ -6849,7 +6849,7 @@
             <p:cNvPr id="11" name="Picture 10">
               <a:extLst>
                 <a:ext uri="{FF2B5EF4-FFF2-40B4-BE49-F238E27FC236}">
-                  <a16:creationId xmlns="" xmlns:a16="http://schemas.microsoft.com/office/drawing/2014/main" id="{A5B84310-A8FD-F240-AA87-570F3DCB83C6}"/>
+                  <a16:creationId xmlns:a16="http://schemas.microsoft.com/office/drawing/2014/main" xmlns="" id="{A5B84310-A8FD-F240-AA87-570F3DCB83C6}"/>
                 </a:ext>
               </a:extLst>
             </p:cNvPr>
@@ -6885,7 +6885,7 @@
             <p:cNvPr id="12" name="Picture 11">
               <a:extLst>
                 <a:ext uri="{FF2B5EF4-FFF2-40B4-BE49-F238E27FC236}">
-                  <a16:creationId xmlns="" xmlns:a16="http://schemas.microsoft.com/office/drawing/2014/main" id="{D6614CE8-901C-494E-AD09-124CF14C4D6D}"/>
+                  <a16:creationId xmlns:a16="http://schemas.microsoft.com/office/drawing/2014/main" xmlns="" id="{D6614CE8-901C-494E-AD09-124CF14C4D6D}"/>
                 </a:ext>
               </a:extLst>
             </p:cNvPr>
@@ -6921,7 +6921,7 @@
             <p:cNvPr id="13" name="Rectangle 12">
               <a:extLst>
                 <a:ext uri="{FF2B5EF4-FFF2-40B4-BE49-F238E27FC236}">
-                  <a16:creationId xmlns="" xmlns:a16="http://schemas.microsoft.com/office/drawing/2014/main" id="{B1CE826E-5A2F-6645-8CD9-E9D72E71E460}"/>
+                  <a16:creationId xmlns:a16="http://schemas.microsoft.com/office/drawing/2014/main" xmlns="" id="{B1CE826E-5A2F-6645-8CD9-E9D72E71E460}"/>
                 </a:ext>
               </a:extLst>
             </p:cNvPr>
@@ -6976,7 +6976,7 @@
           <p:cNvPr id="1026" name="Picture 2" descr="Editar foto">
             <a:extLst>
               <a:ext uri="{FF2B5EF4-FFF2-40B4-BE49-F238E27FC236}">
-                <a16:creationId xmlns="" xmlns:a16="http://schemas.microsoft.com/office/drawing/2014/main" id="{FBC1AFFA-7CA3-4BC5-B6E2-F4C4010C8F1F}"/>
+                <a16:creationId xmlns:a16="http://schemas.microsoft.com/office/drawing/2014/main" xmlns="" id="{FBC1AFFA-7CA3-4BC5-B6E2-F4C4010C8F1F}"/>
               </a:ext>
             </a:extLst>
           </p:cNvPr>
@@ -7046,7 +7046,7 @@
           <p:cNvPr id="1028" name="Picture 4" descr="Resultat d'imatges de Angular">
             <a:extLst>
               <a:ext uri="{FF2B5EF4-FFF2-40B4-BE49-F238E27FC236}">
-                <a16:creationId xmlns="" xmlns:a16="http://schemas.microsoft.com/office/drawing/2014/main" id="{A5118565-1332-4318-B9A8-8DB0A45C5F0F}"/>
+                <a16:creationId xmlns:a16="http://schemas.microsoft.com/office/drawing/2014/main" xmlns="" id="{A5118565-1332-4318-B9A8-8DB0A45C5F0F}"/>
               </a:ext>
             </a:extLst>
           </p:cNvPr>
@@ -7130,7 +7130,7 @@
           <p:cNvPr id="8" name="Rectangle 7">
             <a:extLst>
               <a:ext uri="{FF2B5EF4-FFF2-40B4-BE49-F238E27FC236}">
-                <a16:creationId xmlns="" xmlns:a16="http://schemas.microsoft.com/office/drawing/2014/main" id="{9572F161-00D8-1F47-8444-18B06D08E4FB}"/>
+                <a16:creationId xmlns:a16="http://schemas.microsoft.com/office/drawing/2014/main" xmlns="" id="{9572F161-00D8-1F47-8444-18B06D08E4FB}"/>
               </a:ext>
             </a:extLst>
           </p:cNvPr>
@@ -7191,7 +7191,7 @@
           <p:cNvPr id="9" name="Group 8">
             <a:extLst>
               <a:ext uri="{FF2B5EF4-FFF2-40B4-BE49-F238E27FC236}">
-                <a16:creationId xmlns="" xmlns:a16="http://schemas.microsoft.com/office/drawing/2014/main" id="{A624D1AD-5B64-614C-828D-60A83AA81013}"/>
+                <a16:creationId xmlns:a16="http://schemas.microsoft.com/office/drawing/2014/main" xmlns="" id="{A624D1AD-5B64-614C-828D-60A83AA81013}"/>
               </a:ext>
             </a:extLst>
           </p:cNvPr>
@@ -7211,7 +7211,7 @@
             <p:cNvPr id="10" name="TextBox 9">
               <a:extLst>
                 <a:ext uri="{FF2B5EF4-FFF2-40B4-BE49-F238E27FC236}">
-                  <a16:creationId xmlns="" xmlns:a16="http://schemas.microsoft.com/office/drawing/2014/main" id="{D1CD51C8-97BD-BE4B-8F9D-CB2C2D38E9DB}"/>
+                  <a16:creationId xmlns:a16="http://schemas.microsoft.com/office/drawing/2014/main" xmlns="" id="{D1CD51C8-97BD-BE4B-8F9D-CB2C2D38E9DB}"/>
                 </a:ext>
               </a:extLst>
             </p:cNvPr>
@@ -7255,7 +7255,7 @@
             <p:cNvPr id="11" name="Picture 10">
               <a:extLst>
                 <a:ext uri="{FF2B5EF4-FFF2-40B4-BE49-F238E27FC236}">
-                  <a16:creationId xmlns="" xmlns:a16="http://schemas.microsoft.com/office/drawing/2014/main" id="{A5B84310-A8FD-F240-AA87-570F3DCB83C6}"/>
+                  <a16:creationId xmlns:a16="http://schemas.microsoft.com/office/drawing/2014/main" xmlns="" id="{A5B84310-A8FD-F240-AA87-570F3DCB83C6}"/>
                 </a:ext>
               </a:extLst>
             </p:cNvPr>
@@ -7291,7 +7291,7 @@
             <p:cNvPr id="12" name="Picture 11">
               <a:extLst>
                 <a:ext uri="{FF2B5EF4-FFF2-40B4-BE49-F238E27FC236}">
-                  <a16:creationId xmlns="" xmlns:a16="http://schemas.microsoft.com/office/drawing/2014/main" id="{D6614CE8-901C-494E-AD09-124CF14C4D6D}"/>
+                  <a16:creationId xmlns:a16="http://schemas.microsoft.com/office/drawing/2014/main" xmlns="" id="{D6614CE8-901C-494E-AD09-124CF14C4D6D}"/>
                 </a:ext>
               </a:extLst>
             </p:cNvPr>
@@ -7327,7 +7327,7 @@
             <p:cNvPr id="13" name="Rectangle 12">
               <a:extLst>
                 <a:ext uri="{FF2B5EF4-FFF2-40B4-BE49-F238E27FC236}">
-                  <a16:creationId xmlns="" xmlns:a16="http://schemas.microsoft.com/office/drawing/2014/main" id="{B1CE826E-5A2F-6645-8CD9-E9D72E71E460}"/>
+                  <a16:creationId xmlns:a16="http://schemas.microsoft.com/office/drawing/2014/main" xmlns="" id="{B1CE826E-5A2F-6645-8CD9-E9D72E71E460}"/>
                 </a:ext>
               </a:extLst>
             </p:cNvPr>
@@ -7382,7 +7382,7 @@
           <p:cNvPr id="2" name="TextBox 1">
             <a:extLst>
               <a:ext uri="{FF2B5EF4-FFF2-40B4-BE49-F238E27FC236}">
-                <a16:creationId xmlns="" xmlns:a16="http://schemas.microsoft.com/office/drawing/2014/main" id="{0B685838-A6CC-4290-BFCC-18AC6C57AED4}"/>
+                <a16:creationId xmlns:a16="http://schemas.microsoft.com/office/drawing/2014/main" xmlns="" id="{0B685838-A6CC-4290-BFCC-18AC6C57AED4}"/>
               </a:ext>
             </a:extLst>
           </p:cNvPr>
@@ -7424,7 +7424,7 @@
           <p:cNvPr id="14" name="Rounded Rectangle 1">
             <a:extLst>
               <a:ext uri="{FF2B5EF4-FFF2-40B4-BE49-F238E27FC236}">
-                <a16:creationId xmlns="" xmlns:a16="http://schemas.microsoft.com/office/drawing/2014/main" id="{26E4135F-1B90-429C-9D0B-93538F8A97AF}"/>
+                <a16:creationId xmlns:a16="http://schemas.microsoft.com/office/drawing/2014/main" xmlns="" id="{26E4135F-1B90-429C-9D0B-93538F8A97AF}"/>
               </a:ext>
             </a:extLst>
           </p:cNvPr>
@@ -7573,7 +7573,7 @@
           <p:cNvPr id="15" name="Rounded Rectangle 11">
             <a:extLst>
               <a:ext uri="{FF2B5EF4-FFF2-40B4-BE49-F238E27FC236}">
-                <a16:creationId xmlns="" xmlns:a16="http://schemas.microsoft.com/office/drawing/2014/main" id="{7CD775D4-D91A-4F6F-9233-8758AE7C57FF}"/>
+                <a16:creationId xmlns:a16="http://schemas.microsoft.com/office/drawing/2014/main" xmlns="" id="{7CD775D4-D91A-4F6F-9233-8758AE7C57FF}"/>
               </a:ext>
             </a:extLst>
           </p:cNvPr>
@@ -7722,7 +7722,7 @@
           <p:cNvPr id="16" name="Rounded Rectangle 12">
             <a:extLst>
               <a:ext uri="{FF2B5EF4-FFF2-40B4-BE49-F238E27FC236}">
-                <a16:creationId xmlns="" xmlns:a16="http://schemas.microsoft.com/office/drawing/2014/main" id="{F606E287-ED7E-44B4-8D9A-319308CE46DC}"/>
+                <a16:creationId xmlns:a16="http://schemas.microsoft.com/office/drawing/2014/main" xmlns="" id="{F606E287-ED7E-44B4-8D9A-319308CE46DC}"/>
               </a:ext>
             </a:extLst>
           </p:cNvPr>
@@ -7908,7 +7908,7 @@
           <p:cNvPr id="8" name="Rectangle 7">
             <a:extLst>
               <a:ext uri="{FF2B5EF4-FFF2-40B4-BE49-F238E27FC236}">
-                <a16:creationId xmlns="" xmlns:a16="http://schemas.microsoft.com/office/drawing/2014/main" id="{9572F161-00D8-1F47-8444-18B06D08E4FB}"/>
+                <a16:creationId xmlns:a16="http://schemas.microsoft.com/office/drawing/2014/main" xmlns="" id="{9572F161-00D8-1F47-8444-18B06D08E4FB}"/>
               </a:ext>
             </a:extLst>
           </p:cNvPr>
@@ -7969,7 +7969,7 @@
           <p:cNvPr id="9" name="Group 8">
             <a:extLst>
               <a:ext uri="{FF2B5EF4-FFF2-40B4-BE49-F238E27FC236}">
-                <a16:creationId xmlns="" xmlns:a16="http://schemas.microsoft.com/office/drawing/2014/main" id="{A624D1AD-5B64-614C-828D-60A83AA81013}"/>
+                <a16:creationId xmlns:a16="http://schemas.microsoft.com/office/drawing/2014/main" xmlns="" id="{A624D1AD-5B64-614C-828D-60A83AA81013}"/>
               </a:ext>
             </a:extLst>
           </p:cNvPr>
@@ -7989,7 +7989,7 @@
             <p:cNvPr id="10" name="TextBox 9">
               <a:extLst>
                 <a:ext uri="{FF2B5EF4-FFF2-40B4-BE49-F238E27FC236}">
-                  <a16:creationId xmlns="" xmlns:a16="http://schemas.microsoft.com/office/drawing/2014/main" id="{D1CD51C8-97BD-BE4B-8F9D-CB2C2D38E9DB}"/>
+                  <a16:creationId xmlns:a16="http://schemas.microsoft.com/office/drawing/2014/main" xmlns="" id="{D1CD51C8-97BD-BE4B-8F9D-CB2C2D38E9DB}"/>
                 </a:ext>
               </a:extLst>
             </p:cNvPr>
@@ -8033,7 +8033,7 @@
             <p:cNvPr id="11" name="Picture 10">
               <a:extLst>
                 <a:ext uri="{FF2B5EF4-FFF2-40B4-BE49-F238E27FC236}">
-                  <a16:creationId xmlns="" xmlns:a16="http://schemas.microsoft.com/office/drawing/2014/main" id="{A5B84310-A8FD-F240-AA87-570F3DCB83C6}"/>
+                  <a16:creationId xmlns:a16="http://schemas.microsoft.com/office/drawing/2014/main" xmlns="" id="{A5B84310-A8FD-F240-AA87-570F3DCB83C6}"/>
                 </a:ext>
               </a:extLst>
             </p:cNvPr>
@@ -8069,7 +8069,7 @@
             <p:cNvPr id="12" name="Picture 11">
               <a:extLst>
                 <a:ext uri="{FF2B5EF4-FFF2-40B4-BE49-F238E27FC236}">
-                  <a16:creationId xmlns="" xmlns:a16="http://schemas.microsoft.com/office/drawing/2014/main" id="{D6614CE8-901C-494E-AD09-124CF14C4D6D}"/>
+                  <a16:creationId xmlns:a16="http://schemas.microsoft.com/office/drawing/2014/main" xmlns="" id="{D6614CE8-901C-494E-AD09-124CF14C4D6D}"/>
                 </a:ext>
               </a:extLst>
             </p:cNvPr>
@@ -8105,7 +8105,7 @@
             <p:cNvPr id="13" name="Rectangle 12">
               <a:extLst>
                 <a:ext uri="{FF2B5EF4-FFF2-40B4-BE49-F238E27FC236}">
-                  <a16:creationId xmlns="" xmlns:a16="http://schemas.microsoft.com/office/drawing/2014/main" id="{B1CE826E-5A2F-6645-8CD9-E9D72E71E460}"/>
+                  <a16:creationId xmlns:a16="http://schemas.microsoft.com/office/drawing/2014/main" xmlns="" id="{B1CE826E-5A2F-6645-8CD9-E9D72E71E460}"/>
                 </a:ext>
               </a:extLst>
             </p:cNvPr>
@@ -8160,7 +8160,7 @@
           <p:cNvPr id="2" name="TextBox 1">
             <a:extLst>
               <a:ext uri="{FF2B5EF4-FFF2-40B4-BE49-F238E27FC236}">
-                <a16:creationId xmlns="" xmlns:a16="http://schemas.microsoft.com/office/drawing/2014/main" id="{0B685838-A6CC-4290-BFCC-18AC6C57AED4}"/>
+                <a16:creationId xmlns:a16="http://schemas.microsoft.com/office/drawing/2014/main" xmlns="" id="{0B685838-A6CC-4290-BFCC-18AC6C57AED4}"/>
               </a:ext>
             </a:extLst>
           </p:cNvPr>
@@ -8202,7 +8202,7 @@
           <p:cNvPr id="14" name="Rounded Rectangle 1">
             <a:extLst>
               <a:ext uri="{FF2B5EF4-FFF2-40B4-BE49-F238E27FC236}">
-                <a16:creationId xmlns="" xmlns:a16="http://schemas.microsoft.com/office/drawing/2014/main" id="{1D88BA04-37F8-4190-B9AC-4509E00F37C4}"/>
+                <a16:creationId xmlns:a16="http://schemas.microsoft.com/office/drawing/2014/main" xmlns="" id="{1D88BA04-37F8-4190-B9AC-4509E00F37C4}"/>
               </a:ext>
             </a:extLst>
           </p:cNvPr>
@@ -8351,7 +8351,7 @@
           <p:cNvPr id="15" name="TextBox 2">
             <a:extLst>
               <a:ext uri="{FF2B5EF4-FFF2-40B4-BE49-F238E27FC236}">
-                <a16:creationId xmlns="" xmlns:a16="http://schemas.microsoft.com/office/drawing/2014/main" id="{93DB2D34-D0CD-4F15-9295-87DEFFA09350}"/>
+                <a16:creationId xmlns:a16="http://schemas.microsoft.com/office/drawing/2014/main" xmlns="" id="{93DB2D34-D0CD-4F15-9295-87DEFFA09350}"/>
               </a:ext>
             </a:extLst>
           </p:cNvPr>
@@ -8486,7 +8486,7 @@
           <p:cNvPr id="16" name="TextBox 3">
             <a:extLst>
               <a:ext uri="{FF2B5EF4-FFF2-40B4-BE49-F238E27FC236}">
-                <a16:creationId xmlns="" xmlns:a16="http://schemas.microsoft.com/office/drawing/2014/main" id="{D7B8F078-23D8-432B-8A62-D14FDCD14F4C}"/>
+                <a16:creationId xmlns:a16="http://schemas.microsoft.com/office/drawing/2014/main" xmlns="" id="{D7B8F078-23D8-432B-8A62-D14FDCD14F4C}"/>
               </a:ext>
             </a:extLst>
           </p:cNvPr>
@@ -8658,7 +8658,7 @@
           <p:cNvPr id="8" name="Rectangle 7">
             <a:extLst>
               <a:ext uri="{FF2B5EF4-FFF2-40B4-BE49-F238E27FC236}">
-                <a16:creationId xmlns="" xmlns:a16="http://schemas.microsoft.com/office/drawing/2014/main" id="{9572F161-00D8-1F47-8444-18B06D08E4FB}"/>
+                <a16:creationId xmlns:a16="http://schemas.microsoft.com/office/drawing/2014/main" xmlns="" id="{9572F161-00D8-1F47-8444-18B06D08E4FB}"/>
               </a:ext>
             </a:extLst>
           </p:cNvPr>
@@ -8719,7 +8719,7 @@
           <p:cNvPr id="9" name="Group 8">
             <a:extLst>
               <a:ext uri="{FF2B5EF4-FFF2-40B4-BE49-F238E27FC236}">
-                <a16:creationId xmlns="" xmlns:a16="http://schemas.microsoft.com/office/drawing/2014/main" id="{A624D1AD-5B64-614C-828D-60A83AA81013}"/>
+                <a16:creationId xmlns:a16="http://schemas.microsoft.com/office/drawing/2014/main" xmlns="" id="{A624D1AD-5B64-614C-828D-60A83AA81013}"/>
               </a:ext>
             </a:extLst>
           </p:cNvPr>
@@ -8739,7 +8739,7 @@
             <p:cNvPr id="10" name="TextBox 9">
               <a:extLst>
                 <a:ext uri="{FF2B5EF4-FFF2-40B4-BE49-F238E27FC236}">
-                  <a16:creationId xmlns="" xmlns:a16="http://schemas.microsoft.com/office/drawing/2014/main" id="{D1CD51C8-97BD-BE4B-8F9D-CB2C2D38E9DB}"/>
+                  <a16:creationId xmlns:a16="http://schemas.microsoft.com/office/drawing/2014/main" xmlns="" id="{D1CD51C8-97BD-BE4B-8F9D-CB2C2D38E9DB}"/>
                 </a:ext>
               </a:extLst>
             </p:cNvPr>
@@ -8783,7 +8783,7 @@
             <p:cNvPr id="11" name="Picture 10">
               <a:extLst>
                 <a:ext uri="{FF2B5EF4-FFF2-40B4-BE49-F238E27FC236}">
-                  <a16:creationId xmlns="" xmlns:a16="http://schemas.microsoft.com/office/drawing/2014/main" id="{A5B84310-A8FD-F240-AA87-570F3DCB83C6}"/>
+                  <a16:creationId xmlns:a16="http://schemas.microsoft.com/office/drawing/2014/main" xmlns="" id="{A5B84310-A8FD-F240-AA87-570F3DCB83C6}"/>
                 </a:ext>
               </a:extLst>
             </p:cNvPr>
@@ -8819,7 +8819,7 @@
             <p:cNvPr id="12" name="Picture 11">
               <a:extLst>
                 <a:ext uri="{FF2B5EF4-FFF2-40B4-BE49-F238E27FC236}">
-                  <a16:creationId xmlns="" xmlns:a16="http://schemas.microsoft.com/office/drawing/2014/main" id="{D6614CE8-901C-494E-AD09-124CF14C4D6D}"/>
+                  <a16:creationId xmlns:a16="http://schemas.microsoft.com/office/drawing/2014/main" xmlns="" id="{D6614CE8-901C-494E-AD09-124CF14C4D6D}"/>
                 </a:ext>
               </a:extLst>
             </p:cNvPr>
@@ -8855,7 +8855,7 @@
             <p:cNvPr id="13" name="Rectangle 12">
               <a:extLst>
                 <a:ext uri="{FF2B5EF4-FFF2-40B4-BE49-F238E27FC236}">
-                  <a16:creationId xmlns="" xmlns:a16="http://schemas.microsoft.com/office/drawing/2014/main" id="{B1CE826E-5A2F-6645-8CD9-E9D72E71E460}"/>
+                  <a16:creationId xmlns:a16="http://schemas.microsoft.com/office/drawing/2014/main" xmlns="" id="{B1CE826E-5A2F-6645-8CD9-E9D72E71E460}"/>
                 </a:ext>
               </a:extLst>
             </p:cNvPr>
@@ -8910,7 +8910,7 @@
           <p:cNvPr id="2" name="TextBox 1">
             <a:extLst>
               <a:ext uri="{FF2B5EF4-FFF2-40B4-BE49-F238E27FC236}">
-                <a16:creationId xmlns="" xmlns:a16="http://schemas.microsoft.com/office/drawing/2014/main" id="{0B685838-A6CC-4290-BFCC-18AC6C57AED4}"/>
+                <a16:creationId xmlns:a16="http://schemas.microsoft.com/office/drawing/2014/main" xmlns="" id="{0B685838-A6CC-4290-BFCC-18AC6C57AED4}"/>
               </a:ext>
             </a:extLst>
           </p:cNvPr>
@@ -8952,7 +8952,7 @@
           <p:cNvPr id="14" name="Straight Connector 13">
             <a:extLst>
               <a:ext uri="{FF2B5EF4-FFF2-40B4-BE49-F238E27FC236}">
-                <a16:creationId xmlns="" xmlns:a16="http://schemas.microsoft.com/office/drawing/2014/main" id="{4E8B1B49-3896-4907-9DCD-0A4C110A3FFF}"/>
+                <a16:creationId xmlns:a16="http://schemas.microsoft.com/office/drawing/2014/main" xmlns="" id="{4E8B1B49-3896-4907-9DCD-0A4C110A3FFF}"/>
               </a:ext>
             </a:extLst>
           </p:cNvPr>
@@ -8995,7 +8995,7 @@
           <p:cNvPr id="15" name="Straight Connector 14">
             <a:extLst>
               <a:ext uri="{FF2B5EF4-FFF2-40B4-BE49-F238E27FC236}">
-                <a16:creationId xmlns="" xmlns:a16="http://schemas.microsoft.com/office/drawing/2014/main" id="{AD34DBE1-6205-438E-BC36-53A0A0D2CB47}"/>
+                <a16:creationId xmlns:a16="http://schemas.microsoft.com/office/drawing/2014/main" xmlns="" id="{AD34DBE1-6205-438E-BC36-53A0A0D2CB47}"/>
               </a:ext>
             </a:extLst>
           </p:cNvPr>
@@ -9038,7 +9038,7 @@
           <p:cNvPr id="16" name="Straight Connector 15">
             <a:extLst>
               <a:ext uri="{FF2B5EF4-FFF2-40B4-BE49-F238E27FC236}">
-                <a16:creationId xmlns="" xmlns:a16="http://schemas.microsoft.com/office/drawing/2014/main" id="{7A2F3CF1-9D2B-4E4A-993E-1AEEEB4881BE}"/>
+                <a16:creationId xmlns:a16="http://schemas.microsoft.com/office/drawing/2014/main" xmlns="" id="{7A2F3CF1-9D2B-4E4A-993E-1AEEEB4881BE}"/>
               </a:ext>
             </a:extLst>
           </p:cNvPr>
@@ -9081,7 +9081,7 @@
           <p:cNvPr id="17" name="Straight Connector 16">
             <a:extLst>
               <a:ext uri="{FF2B5EF4-FFF2-40B4-BE49-F238E27FC236}">
-                <a16:creationId xmlns="" xmlns:a16="http://schemas.microsoft.com/office/drawing/2014/main" id="{DCADD901-5B8F-4418-9DA3-F6DB565CEC39}"/>
+                <a16:creationId xmlns:a16="http://schemas.microsoft.com/office/drawing/2014/main" xmlns="" id="{DCADD901-5B8F-4418-9DA3-F6DB565CEC39}"/>
               </a:ext>
             </a:extLst>
           </p:cNvPr>
@@ -9124,7 +9124,7 @@
           <p:cNvPr id="18" name="Straight Connector 17">
             <a:extLst>
               <a:ext uri="{FF2B5EF4-FFF2-40B4-BE49-F238E27FC236}">
-                <a16:creationId xmlns="" xmlns:a16="http://schemas.microsoft.com/office/drawing/2014/main" id="{A6014BE3-4DE9-445F-A334-EBDB8E74ACD9}"/>
+                <a16:creationId xmlns:a16="http://schemas.microsoft.com/office/drawing/2014/main" xmlns="" id="{A6014BE3-4DE9-445F-A334-EBDB8E74ACD9}"/>
               </a:ext>
             </a:extLst>
           </p:cNvPr>
@@ -9167,7 +9167,7 @@
           <p:cNvPr id="19" name="Straight Connector 18">
             <a:extLst>
               <a:ext uri="{FF2B5EF4-FFF2-40B4-BE49-F238E27FC236}">
-                <a16:creationId xmlns="" xmlns:a16="http://schemas.microsoft.com/office/drawing/2014/main" id="{BC77E601-CCF1-4133-85CC-4FAEB31DFD58}"/>
+                <a16:creationId xmlns:a16="http://schemas.microsoft.com/office/drawing/2014/main" xmlns="" id="{BC77E601-CCF1-4133-85CC-4FAEB31DFD58}"/>
               </a:ext>
             </a:extLst>
           </p:cNvPr>
@@ -9210,7 +9210,7 @@
           <p:cNvPr id="20" name="Rounded Rectangle 1">
             <a:extLst>
               <a:ext uri="{FF2B5EF4-FFF2-40B4-BE49-F238E27FC236}">
-                <a16:creationId xmlns="" xmlns:a16="http://schemas.microsoft.com/office/drawing/2014/main" id="{E635C123-07AE-4804-87F4-39DD1B1A6A7F}"/>
+                <a16:creationId xmlns:a16="http://schemas.microsoft.com/office/drawing/2014/main" xmlns="" id="{E635C123-07AE-4804-87F4-39DD1B1A6A7F}"/>
               </a:ext>
             </a:extLst>
           </p:cNvPr>
@@ -9359,7 +9359,7 @@
           <p:cNvPr id="21" name="Rounded Rectangle 13">
             <a:extLst>
               <a:ext uri="{FF2B5EF4-FFF2-40B4-BE49-F238E27FC236}">
-                <a16:creationId xmlns="" xmlns:a16="http://schemas.microsoft.com/office/drawing/2014/main" id="{518A2B50-3664-45F9-912E-0FEB28797BA3}"/>
+                <a16:creationId xmlns:a16="http://schemas.microsoft.com/office/drawing/2014/main" xmlns="" id="{518A2B50-3664-45F9-912E-0FEB28797BA3}"/>
               </a:ext>
             </a:extLst>
           </p:cNvPr>
@@ -9508,7 +9508,7 @@
           <p:cNvPr id="22" name="Rounded Rectangle 15">
             <a:extLst>
               <a:ext uri="{FF2B5EF4-FFF2-40B4-BE49-F238E27FC236}">
-                <a16:creationId xmlns="" xmlns:a16="http://schemas.microsoft.com/office/drawing/2014/main" id="{E3B28630-C861-445F-A586-E81D978B2E82}"/>
+                <a16:creationId xmlns:a16="http://schemas.microsoft.com/office/drawing/2014/main" xmlns="" id="{E3B28630-C861-445F-A586-E81D978B2E82}"/>
               </a:ext>
             </a:extLst>
           </p:cNvPr>
@@ -9657,7 +9657,7 @@
           <p:cNvPr id="23" name="Rounded Rectangle 16">
             <a:extLst>
               <a:ext uri="{FF2B5EF4-FFF2-40B4-BE49-F238E27FC236}">
-                <a16:creationId xmlns="" xmlns:a16="http://schemas.microsoft.com/office/drawing/2014/main" id="{7FA0EED2-22C4-433E-9B10-D92A760D4DDD}"/>
+                <a16:creationId xmlns:a16="http://schemas.microsoft.com/office/drawing/2014/main" xmlns="" id="{7FA0EED2-22C4-433E-9B10-D92A760D4DDD}"/>
               </a:ext>
             </a:extLst>
           </p:cNvPr>
@@ -9806,7 +9806,7 @@
           <p:cNvPr id="24" name="Rounded Rectangle 17">
             <a:extLst>
               <a:ext uri="{FF2B5EF4-FFF2-40B4-BE49-F238E27FC236}">
-                <a16:creationId xmlns="" xmlns:a16="http://schemas.microsoft.com/office/drawing/2014/main" id="{E3F0C7C4-02A7-49DD-B9DD-FCEC47A09A2B}"/>
+                <a16:creationId xmlns:a16="http://schemas.microsoft.com/office/drawing/2014/main" xmlns="" id="{E3F0C7C4-02A7-49DD-B9DD-FCEC47A09A2B}"/>
               </a:ext>
             </a:extLst>
           </p:cNvPr>
@@ -9955,7 +9955,7 @@
           <p:cNvPr id="25" name="Rounded Rectangle 18">
             <a:extLst>
               <a:ext uri="{FF2B5EF4-FFF2-40B4-BE49-F238E27FC236}">
-                <a16:creationId xmlns="" xmlns:a16="http://schemas.microsoft.com/office/drawing/2014/main" id="{72A2719F-0401-4214-A1AD-C98A7B78FB87}"/>
+                <a16:creationId xmlns:a16="http://schemas.microsoft.com/office/drawing/2014/main" xmlns="" id="{72A2719F-0401-4214-A1AD-C98A7B78FB87}"/>
               </a:ext>
             </a:extLst>
           </p:cNvPr>
@@ -10104,7 +10104,7 @@
           <p:cNvPr id="26" name="Rounded Rectangle 19">
             <a:extLst>
               <a:ext uri="{FF2B5EF4-FFF2-40B4-BE49-F238E27FC236}">
-                <a16:creationId xmlns="" xmlns:a16="http://schemas.microsoft.com/office/drawing/2014/main" id="{C6DFBF8E-C119-4764-945C-1D56679FFFAB}"/>
+                <a16:creationId xmlns:a16="http://schemas.microsoft.com/office/drawing/2014/main" xmlns="" id="{C6DFBF8E-C119-4764-945C-1D56679FFFAB}"/>
               </a:ext>
             </a:extLst>
           </p:cNvPr>
@@ -10290,7 +10290,7 @@
           <p:cNvPr id="8" name="Rectangle 7">
             <a:extLst>
               <a:ext uri="{FF2B5EF4-FFF2-40B4-BE49-F238E27FC236}">
-                <a16:creationId xmlns="" xmlns:a16="http://schemas.microsoft.com/office/drawing/2014/main" id="{9572F161-00D8-1F47-8444-18B06D08E4FB}"/>
+                <a16:creationId xmlns:a16="http://schemas.microsoft.com/office/drawing/2014/main" xmlns="" id="{9572F161-00D8-1F47-8444-18B06D08E4FB}"/>
               </a:ext>
             </a:extLst>
           </p:cNvPr>
@@ -10351,7 +10351,7 @@
           <p:cNvPr id="9" name="Group 8">
             <a:extLst>
               <a:ext uri="{FF2B5EF4-FFF2-40B4-BE49-F238E27FC236}">
-                <a16:creationId xmlns="" xmlns:a16="http://schemas.microsoft.com/office/drawing/2014/main" id="{A624D1AD-5B64-614C-828D-60A83AA81013}"/>
+                <a16:creationId xmlns:a16="http://schemas.microsoft.com/office/drawing/2014/main" xmlns="" id="{A624D1AD-5B64-614C-828D-60A83AA81013}"/>
               </a:ext>
             </a:extLst>
           </p:cNvPr>
@@ -10371,7 +10371,7 @@
             <p:cNvPr id="10" name="TextBox 9">
               <a:extLst>
                 <a:ext uri="{FF2B5EF4-FFF2-40B4-BE49-F238E27FC236}">
-                  <a16:creationId xmlns="" xmlns:a16="http://schemas.microsoft.com/office/drawing/2014/main" id="{D1CD51C8-97BD-BE4B-8F9D-CB2C2D38E9DB}"/>
+                  <a16:creationId xmlns:a16="http://schemas.microsoft.com/office/drawing/2014/main" xmlns="" id="{D1CD51C8-97BD-BE4B-8F9D-CB2C2D38E9DB}"/>
                 </a:ext>
               </a:extLst>
             </p:cNvPr>
@@ -10415,7 +10415,7 @@
             <p:cNvPr id="11" name="Picture 10">
               <a:extLst>
                 <a:ext uri="{FF2B5EF4-FFF2-40B4-BE49-F238E27FC236}">
-                  <a16:creationId xmlns="" xmlns:a16="http://schemas.microsoft.com/office/drawing/2014/main" id="{A5B84310-A8FD-F240-AA87-570F3DCB83C6}"/>
+                  <a16:creationId xmlns:a16="http://schemas.microsoft.com/office/drawing/2014/main" xmlns="" id="{A5B84310-A8FD-F240-AA87-570F3DCB83C6}"/>
                 </a:ext>
               </a:extLst>
             </p:cNvPr>
@@ -10451,7 +10451,7 @@
             <p:cNvPr id="12" name="Picture 11">
               <a:extLst>
                 <a:ext uri="{FF2B5EF4-FFF2-40B4-BE49-F238E27FC236}">
-                  <a16:creationId xmlns="" xmlns:a16="http://schemas.microsoft.com/office/drawing/2014/main" id="{D6614CE8-901C-494E-AD09-124CF14C4D6D}"/>
+                  <a16:creationId xmlns:a16="http://schemas.microsoft.com/office/drawing/2014/main" xmlns="" id="{D6614CE8-901C-494E-AD09-124CF14C4D6D}"/>
                 </a:ext>
               </a:extLst>
             </p:cNvPr>
@@ -10487,7 +10487,7 @@
             <p:cNvPr id="13" name="Rectangle 12">
               <a:extLst>
                 <a:ext uri="{FF2B5EF4-FFF2-40B4-BE49-F238E27FC236}">
-                  <a16:creationId xmlns="" xmlns:a16="http://schemas.microsoft.com/office/drawing/2014/main" id="{B1CE826E-5A2F-6645-8CD9-E9D72E71E460}"/>
+                  <a16:creationId xmlns:a16="http://schemas.microsoft.com/office/drawing/2014/main" xmlns="" id="{B1CE826E-5A2F-6645-8CD9-E9D72E71E460}"/>
                 </a:ext>
               </a:extLst>
             </p:cNvPr>
@@ -10542,7 +10542,7 @@
           <p:cNvPr id="2" name="TextBox 1">
             <a:extLst>
               <a:ext uri="{FF2B5EF4-FFF2-40B4-BE49-F238E27FC236}">
-                <a16:creationId xmlns="" xmlns:a16="http://schemas.microsoft.com/office/drawing/2014/main" id="{0B685838-A6CC-4290-BFCC-18AC6C57AED4}"/>
+                <a16:creationId xmlns:a16="http://schemas.microsoft.com/office/drawing/2014/main" xmlns="" id="{0B685838-A6CC-4290-BFCC-18AC6C57AED4}"/>
               </a:ext>
             </a:extLst>
           </p:cNvPr>
@@ -10584,7 +10584,7 @@
           <p:cNvPr id="14" name="Rounded Rectangle 1">
             <a:extLst>
               <a:ext uri="{FF2B5EF4-FFF2-40B4-BE49-F238E27FC236}">
-                <a16:creationId xmlns="" xmlns:a16="http://schemas.microsoft.com/office/drawing/2014/main" id="{CA407BFD-D8F6-43F8-A1FD-A53E30DCDD4B}"/>
+                <a16:creationId xmlns:a16="http://schemas.microsoft.com/office/drawing/2014/main" xmlns="" id="{CA407BFD-D8F6-43F8-A1FD-A53E30DCDD4B}"/>
               </a:ext>
             </a:extLst>
           </p:cNvPr>
@@ -10733,7 +10733,7 @@
           <p:cNvPr id="15" name="TextBox 2">
             <a:extLst>
               <a:ext uri="{FF2B5EF4-FFF2-40B4-BE49-F238E27FC236}">
-                <a16:creationId xmlns="" xmlns:a16="http://schemas.microsoft.com/office/drawing/2014/main" id="{0E24590E-DC50-45F6-81F5-78D3FD2C74F9}"/>
+                <a16:creationId xmlns:a16="http://schemas.microsoft.com/office/drawing/2014/main" xmlns="" id="{0E24590E-DC50-45F6-81F5-78D3FD2C74F9}"/>
               </a:ext>
             </a:extLst>
           </p:cNvPr>
@@ -10868,7 +10868,7 @@
           <p:cNvPr id="16" name="TextBox 3">
             <a:extLst>
               <a:ext uri="{FF2B5EF4-FFF2-40B4-BE49-F238E27FC236}">
-                <a16:creationId xmlns="" xmlns:a16="http://schemas.microsoft.com/office/drawing/2014/main" id="{7F08571D-F6E1-4E35-800B-56C89BB0741D}"/>
+                <a16:creationId xmlns:a16="http://schemas.microsoft.com/office/drawing/2014/main" xmlns="" id="{7F08571D-F6E1-4E35-800B-56C89BB0741D}"/>
               </a:ext>
             </a:extLst>
           </p:cNvPr>
@@ -11040,7 +11040,7 @@
           <p:cNvPr id="8" name="Rectangle 7">
             <a:extLst>
               <a:ext uri="{FF2B5EF4-FFF2-40B4-BE49-F238E27FC236}">
-                <a16:creationId xmlns="" xmlns:a16="http://schemas.microsoft.com/office/drawing/2014/main" id="{9572F161-00D8-1F47-8444-18B06D08E4FB}"/>
+                <a16:creationId xmlns:a16="http://schemas.microsoft.com/office/drawing/2014/main" xmlns="" id="{9572F161-00D8-1F47-8444-18B06D08E4FB}"/>
               </a:ext>
             </a:extLst>
           </p:cNvPr>
@@ -11101,7 +11101,7 @@
           <p:cNvPr id="9" name="Group 8">
             <a:extLst>
               <a:ext uri="{FF2B5EF4-FFF2-40B4-BE49-F238E27FC236}">
-                <a16:creationId xmlns="" xmlns:a16="http://schemas.microsoft.com/office/drawing/2014/main" id="{A624D1AD-5B64-614C-828D-60A83AA81013}"/>
+                <a16:creationId xmlns:a16="http://schemas.microsoft.com/office/drawing/2014/main" xmlns="" id="{A624D1AD-5B64-614C-828D-60A83AA81013}"/>
               </a:ext>
             </a:extLst>
           </p:cNvPr>
@@ -11121,7 +11121,7 @@
             <p:cNvPr id="10" name="TextBox 9">
               <a:extLst>
                 <a:ext uri="{FF2B5EF4-FFF2-40B4-BE49-F238E27FC236}">
-                  <a16:creationId xmlns="" xmlns:a16="http://schemas.microsoft.com/office/drawing/2014/main" id="{D1CD51C8-97BD-BE4B-8F9D-CB2C2D38E9DB}"/>
+                  <a16:creationId xmlns:a16="http://schemas.microsoft.com/office/drawing/2014/main" xmlns="" id="{D1CD51C8-97BD-BE4B-8F9D-CB2C2D38E9DB}"/>
                 </a:ext>
               </a:extLst>
             </p:cNvPr>
@@ -11165,7 +11165,7 @@
             <p:cNvPr id="11" name="Picture 10">
               <a:extLst>
                 <a:ext uri="{FF2B5EF4-FFF2-40B4-BE49-F238E27FC236}">
-                  <a16:creationId xmlns="" xmlns:a16="http://schemas.microsoft.com/office/drawing/2014/main" id="{A5B84310-A8FD-F240-AA87-570F3DCB83C6}"/>
+                  <a16:creationId xmlns:a16="http://schemas.microsoft.com/office/drawing/2014/main" xmlns="" id="{A5B84310-A8FD-F240-AA87-570F3DCB83C6}"/>
                 </a:ext>
               </a:extLst>
             </p:cNvPr>
@@ -11201,7 +11201,7 @@
             <p:cNvPr id="12" name="Picture 11">
               <a:extLst>
                 <a:ext uri="{FF2B5EF4-FFF2-40B4-BE49-F238E27FC236}">
-                  <a16:creationId xmlns="" xmlns:a16="http://schemas.microsoft.com/office/drawing/2014/main" id="{D6614CE8-901C-494E-AD09-124CF14C4D6D}"/>
+                  <a16:creationId xmlns:a16="http://schemas.microsoft.com/office/drawing/2014/main" xmlns="" id="{D6614CE8-901C-494E-AD09-124CF14C4D6D}"/>
                 </a:ext>
               </a:extLst>
             </p:cNvPr>
@@ -11237,7 +11237,7 @@
             <p:cNvPr id="13" name="Rectangle 12">
               <a:extLst>
                 <a:ext uri="{FF2B5EF4-FFF2-40B4-BE49-F238E27FC236}">
-                  <a16:creationId xmlns="" xmlns:a16="http://schemas.microsoft.com/office/drawing/2014/main" id="{B1CE826E-5A2F-6645-8CD9-E9D72E71E460}"/>
+                  <a16:creationId xmlns:a16="http://schemas.microsoft.com/office/drawing/2014/main" xmlns="" id="{B1CE826E-5A2F-6645-8CD9-E9D72E71E460}"/>
                 </a:ext>
               </a:extLst>
             </p:cNvPr>
@@ -11292,7 +11292,7 @@
           <p:cNvPr id="2" name="TextBox 1">
             <a:extLst>
               <a:ext uri="{FF2B5EF4-FFF2-40B4-BE49-F238E27FC236}">
-                <a16:creationId xmlns="" xmlns:a16="http://schemas.microsoft.com/office/drawing/2014/main" id="{0B685838-A6CC-4290-BFCC-18AC6C57AED4}"/>
+                <a16:creationId xmlns:a16="http://schemas.microsoft.com/office/drawing/2014/main" xmlns="" id="{0B685838-A6CC-4290-BFCC-18AC6C57AED4}"/>
               </a:ext>
             </a:extLst>
           </p:cNvPr>
@@ -11334,7 +11334,7 @@
           <p:cNvPr id="14" name="Straight Connector 13">
             <a:extLst>
               <a:ext uri="{FF2B5EF4-FFF2-40B4-BE49-F238E27FC236}">
-                <a16:creationId xmlns="" xmlns:a16="http://schemas.microsoft.com/office/drawing/2014/main" id="{FBC3F4B1-795B-47B5-A70E-E62A6AC0B4A7}"/>
+                <a16:creationId xmlns:a16="http://schemas.microsoft.com/office/drawing/2014/main" xmlns="" id="{FBC3F4B1-795B-47B5-A70E-E62A6AC0B4A7}"/>
               </a:ext>
             </a:extLst>
           </p:cNvPr>
@@ -11377,7 +11377,7 @@
           <p:cNvPr id="15" name="Straight Connector 14">
             <a:extLst>
               <a:ext uri="{FF2B5EF4-FFF2-40B4-BE49-F238E27FC236}">
-                <a16:creationId xmlns="" xmlns:a16="http://schemas.microsoft.com/office/drawing/2014/main" id="{6C2B63C2-1618-4727-B18F-F36B3466FC23}"/>
+                <a16:creationId xmlns:a16="http://schemas.microsoft.com/office/drawing/2014/main" xmlns="" id="{6C2B63C2-1618-4727-B18F-F36B3466FC23}"/>
               </a:ext>
             </a:extLst>
           </p:cNvPr>
@@ -11420,7 +11420,7 @@
           <p:cNvPr id="16" name="Straight Connector 15">
             <a:extLst>
               <a:ext uri="{FF2B5EF4-FFF2-40B4-BE49-F238E27FC236}">
-                <a16:creationId xmlns="" xmlns:a16="http://schemas.microsoft.com/office/drawing/2014/main" id="{59E8F5C4-DEDF-4057-90D5-97814337F823}"/>
+                <a16:creationId xmlns:a16="http://schemas.microsoft.com/office/drawing/2014/main" xmlns="" id="{59E8F5C4-DEDF-4057-90D5-97814337F823}"/>
               </a:ext>
             </a:extLst>
           </p:cNvPr>
@@ -11463,7 +11463,7 @@
           <p:cNvPr id="17" name="Straight Connector 16">
             <a:extLst>
               <a:ext uri="{FF2B5EF4-FFF2-40B4-BE49-F238E27FC236}">
-                <a16:creationId xmlns="" xmlns:a16="http://schemas.microsoft.com/office/drawing/2014/main" id="{0216345D-512D-4961-BC4F-F7ECC470C7D8}"/>
+                <a16:creationId xmlns:a16="http://schemas.microsoft.com/office/drawing/2014/main" xmlns="" id="{0216345D-512D-4961-BC4F-F7ECC470C7D8}"/>
               </a:ext>
             </a:extLst>
           </p:cNvPr>
@@ -11506,7 +11506,7 @@
           <p:cNvPr id="18" name="Straight Connector 17">
             <a:extLst>
               <a:ext uri="{FF2B5EF4-FFF2-40B4-BE49-F238E27FC236}">
-                <a16:creationId xmlns="" xmlns:a16="http://schemas.microsoft.com/office/drawing/2014/main" id="{376499A4-D0BB-40E7-A07B-0A6442A481BE}"/>
+                <a16:creationId xmlns:a16="http://schemas.microsoft.com/office/drawing/2014/main" xmlns="" id="{376499A4-D0BB-40E7-A07B-0A6442A481BE}"/>
               </a:ext>
             </a:extLst>
           </p:cNvPr>
@@ -11549,7 +11549,7 @@
           <p:cNvPr id="19" name="Straight Connector 18">
             <a:extLst>
               <a:ext uri="{FF2B5EF4-FFF2-40B4-BE49-F238E27FC236}">
-                <a16:creationId xmlns="" xmlns:a16="http://schemas.microsoft.com/office/drawing/2014/main" id="{62DA3706-A807-43AC-9473-D3C076F43FEB}"/>
+                <a16:creationId xmlns:a16="http://schemas.microsoft.com/office/drawing/2014/main" xmlns="" id="{62DA3706-A807-43AC-9473-D3C076F43FEB}"/>
               </a:ext>
             </a:extLst>
           </p:cNvPr>
@@ -11592,7 +11592,7 @@
           <p:cNvPr id="20" name="Straight Connector 19">
             <a:extLst>
               <a:ext uri="{FF2B5EF4-FFF2-40B4-BE49-F238E27FC236}">
-                <a16:creationId xmlns="" xmlns:a16="http://schemas.microsoft.com/office/drawing/2014/main" id="{06F9EE07-2F68-40B3-92B9-D5F656AF985D}"/>
+                <a16:creationId xmlns:a16="http://schemas.microsoft.com/office/drawing/2014/main" xmlns="" id="{06F9EE07-2F68-40B3-92B9-D5F656AF985D}"/>
               </a:ext>
             </a:extLst>
           </p:cNvPr>
@@ -11635,7 +11635,7 @@
           <p:cNvPr id="21" name="Rounded Rectangle 1">
             <a:extLst>
               <a:ext uri="{FF2B5EF4-FFF2-40B4-BE49-F238E27FC236}">
-                <a16:creationId xmlns="" xmlns:a16="http://schemas.microsoft.com/office/drawing/2014/main" id="{70A0E237-28CD-4775-8CA8-23F385847937}"/>
+                <a16:creationId xmlns:a16="http://schemas.microsoft.com/office/drawing/2014/main" xmlns="" id="{70A0E237-28CD-4775-8CA8-23F385847937}"/>
               </a:ext>
             </a:extLst>
           </p:cNvPr>
@@ -11784,7 +11784,7 @@
           <p:cNvPr id="22" name="Rounded Rectangle 13">
             <a:extLst>
               <a:ext uri="{FF2B5EF4-FFF2-40B4-BE49-F238E27FC236}">
-                <a16:creationId xmlns="" xmlns:a16="http://schemas.microsoft.com/office/drawing/2014/main" id="{575ABDA4-CD1C-482B-A55B-6FF2A64FFE02}"/>
+                <a16:creationId xmlns:a16="http://schemas.microsoft.com/office/drawing/2014/main" xmlns="" id="{575ABDA4-CD1C-482B-A55B-6FF2A64FFE02}"/>
               </a:ext>
             </a:extLst>
           </p:cNvPr>
@@ -11933,7 +11933,7 @@
           <p:cNvPr id="23" name="Rounded Rectangle 15">
             <a:extLst>
               <a:ext uri="{FF2B5EF4-FFF2-40B4-BE49-F238E27FC236}">
-                <a16:creationId xmlns="" xmlns:a16="http://schemas.microsoft.com/office/drawing/2014/main" id="{73AC0308-3BB6-4539-9670-38C9FDD32E9E}"/>
+                <a16:creationId xmlns:a16="http://schemas.microsoft.com/office/drawing/2014/main" xmlns="" id="{73AC0308-3BB6-4539-9670-38C9FDD32E9E}"/>
               </a:ext>
             </a:extLst>
           </p:cNvPr>
@@ -12082,7 +12082,7 @@
           <p:cNvPr id="24" name="Rounded Rectangle 16">
             <a:extLst>
               <a:ext uri="{FF2B5EF4-FFF2-40B4-BE49-F238E27FC236}">
-                <a16:creationId xmlns="" xmlns:a16="http://schemas.microsoft.com/office/drawing/2014/main" id="{0130E578-5FFB-4F99-BD1B-A79091DDB4D5}"/>
+                <a16:creationId xmlns:a16="http://schemas.microsoft.com/office/drawing/2014/main" xmlns="" id="{0130E578-5FFB-4F99-BD1B-A79091DDB4D5}"/>
               </a:ext>
             </a:extLst>
           </p:cNvPr>
@@ -12231,7 +12231,7 @@
           <p:cNvPr id="25" name="Rounded Rectangle 17">
             <a:extLst>
               <a:ext uri="{FF2B5EF4-FFF2-40B4-BE49-F238E27FC236}">
-                <a16:creationId xmlns="" xmlns:a16="http://schemas.microsoft.com/office/drawing/2014/main" id="{B41035B7-98CE-4ADF-95E4-1522D3F5D3DA}"/>
+                <a16:creationId xmlns:a16="http://schemas.microsoft.com/office/drawing/2014/main" xmlns="" id="{B41035B7-98CE-4ADF-95E4-1522D3F5D3DA}"/>
               </a:ext>
             </a:extLst>
           </p:cNvPr>
@@ -12380,7 +12380,7 @@
           <p:cNvPr id="26" name="Rounded Rectangle 18">
             <a:extLst>
               <a:ext uri="{FF2B5EF4-FFF2-40B4-BE49-F238E27FC236}">
-                <a16:creationId xmlns="" xmlns:a16="http://schemas.microsoft.com/office/drawing/2014/main" id="{6A4C3B61-49B5-490C-AD61-40503DCDF4CF}"/>
+                <a16:creationId xmlns:a16="http://schemas.microsoft.com/office/drawing/2014/main" xmlns="" id="{6A4C3B61-49B5-490C-AD61-40503DCDF4CF}"/>
               </a:ext>
             </a:extLst>
           </p:cNvPr>
@@ -12529,7 +12529,7 @@
           <p:cNvPr id="27" name="Rounded Rectangle 19">
             <a:extLst>
               <a:ext uri="{FF2B5EF4-FFF2-40B4-BE49-F238E27FC236}">
-                <a16:creationId xmlns="" xmlns:a16="http://schemas.microsoft.com/office/drawing/2014/main" id="{ECCC2D82-B2BE-481E-98B1-7547F0FB2937}"/>
+                <a16:creationId xmlns:a16="http://schemas.microsoft.com/office/drawing/2014/main" xmlns="" id="{ECCC2D82-B2BE-481E-98B1-7547F0FB2937}"/>
               </a:ext>
             </a:extLst>
           </p:cNvPr>
@@ -12678,7 +12678,7 @@
           <p:cNvPr id="28" name="Rounded Rectangle 24">
             <a:extLst>
               <a:ext uri="{FF2B5EF4-FFF2-40B4-BE49-F238E27FC236}">
-                <a16:creationId xmlns="" xmlns:a16="http://schemas.microsoft.com/office/drawing/2014/main" id="{D0FF0A10-3560-40CC-9240-203D3EDFD268}"/>
+                <a16:creationId xmlns:a16="http://schemas.microsoft.com/office/drawing/2014/main" xmlns="" id="{D0FF0A10-3560-40CC-9240-203D3EDFD268}"/>
               </a:ext>
             </a:extLst>
           </p:cNvPr>
@@ -12864,7 +12864,7 @@
           <p:cNvPr id="8" name="Rectangle 7">
             <a:extLst>
               <a:ext uri="{FF2B5EF4-FFF2-40B4-BE49-F238E27FC236}">
-                <a16:creationId xmlns="" xmlns:a16="http://schemas.microsoft.com/office/drawing/2014/main" id="{9572F161-00D8-1F47-8444-18B06D08E4FB}"/>
+                <a16:creationId xmlns:a16="http://schemas.microsoft.com/office/drawing/2014/main" xmlns="" id="{9572F161-00D8-1F47-8444-18B06D08E4FB}"/>
               </a:ext>
             </a:extLst>
           </p:cNvPr>
@@ -12925,7 +12925,7 @@
           <p:cNvPr id="9" name="Group 8">
             <a:extLst>
               <a:ext uri="{FF2B5EF4-FFF2-40B4-BE49-F238E27FC236}">
-                <a16:creationId xmlns="" xmlns:a16="http://schemas.microsoft.com/office/drawing/2014/main" id="{A624D1AD-5B64-614C-828D-60A83AA81013}"/>
+                <a16:creationId xmlns:a16="http://schemas.microsoft.com/office/drawing/2014/main" xmlns="" id="{A624D1AD-5B64-614C-828D-60A83AA81013}"/>
               </a:ext>
             </a:extLst>
           </p:cNvPr>
@@ -12945,7 +12945,7 @@
             <p:cNvPr id="10" name="TextBox 9">
               <a:extLst>
                 <a:ext uri="{FF2B5EF4-FFF2-40B4-BE49-F238E27FC236}">
-                  <a16:creationId xmlns="" xmlns:a16="http://schemas.microsoft.com/office/drawing/2014/main" id="{D1CD51C8-97BD-BE4B-8F9D-CB2C2D38E9DB}"/>
+                  <a16:creationId xmlns:a16="http://schemas.microsoft.com/office/drawing/2014/main" xmlns="" id="{D1CD51C8-97BD-BE4B-8F9D-CB2C2D38E9DB}"/>
                 </a:ext>
               </a:extLst>
             </p:cNvPr>
@@ -12989,7 +12989,7 @@
             <p:cNvPr id="11" name="Picture 10">
               <a:extLst>
                 <a:ext uri="{FF2B5EF4-FFF2-40B4-BE49-F238E27FC236}">
-                  <a16:creationId xmlns="" xmlns:a16="http://schemas.microsoft.com/office/drawing/2014/main" id="{A5B84310-A8FD-F240-AA87-570F3DCB83C6}"/>
+                  <a16:creationId xmlns:a16="http://schemas.microsoft.com/office/drawing/2014/main" xmlns="" id="{A5B84310-A8FD-F240-AA87-570F3DCB83C6}"/>
                 </a:ext>
               </a:extLst>
             </p:cNvPr>
@@ -13025,7 +13025,7 @@
             <p:cNvPr id="12" name="Picture 11">
               <a:extLst>
                 <a:ext uri="{FF2B5EF4-FFF2-40B4-BE49-F238E27FC236}">
-                  <a16:creationId xmlns="" xmlns:a16="http://schemas.microsoft.com/office/drawing/2014/main" id="{D6614CE8-901C-494E-AD09-124CF14C4D6D}"/>
+                  <a16:creationId xmlns:a16="http://schemas.microsoft.com/office/drawing/2014/main" xmlns="" id="{D6614CE8-901C-494E-AD09-124CF14C4D6D}"/>
                 </a:ext>
               </a:extLst>
             </p:cNvPr>
@@ -13061,7 +13061,7 @@
             <p:cNvPr id="13" name="Rectangle 12">
               <a:extLst>
                 <a:ext uri="{FF2B5EF4-FFF2-40B4-BE49-F238E27FC236}">
-                  <a16:creationId xmlns="" xmlns:a16="http://schemas.microsoft.com/office/drawing/2014/main" id="{B1CE826E-5A2F-6645-8CD9-E9D72E71E460}"/>
+                  <a16:creationId xmlns:a16="http://schemas.microsoft.com/office/drawing/2014/main" xmlns="" id="{B1CE826E-5A2F-6645-8CD9-E9D72E71E460}"/>
                 </a:ext>
               </a:extLst>
             </p:cNvPr>
@@ -13116,7 +13116,7 @@
           <p:cNvPr id="2" name="TextBox 1">
             <a:extLst>
               <a:ext uri="{FF2B5EF4-FFF2-40B4-BE49-F238E27FC236}">
-                <a16:creationId xmlns="" xmlns:a16="http://schemas.microsoft.com/office/drawing/2014/main" id="{0B685838-A6CC-4290-BFCC-18AC6C57AED4}"/>
+                <a16:creationId xmlns:a16="http://schemas.microsoft.com/office/drawing/2014/main" xmlns="" id="{0B685838-A6CC-4290-BFCC-18AC6C57AED4}"/>
               </a:ext>
             </a:extLst>
           </p:cNvPr>
@@ -13158,7 +13158,7 @@
           <p:cNvPr id="14" name="Rounded Rectangle 1">
             <a:extLst>
               <a:ext uri="{FF2B5EF4-FFF2-40B4-BE49-F238E27FC236}">
-                <a16:creationId xmlns="" xmlns:a16="http://schemas.microsoft.com/office/drawing/2014/main" id="{65B06B80-F167-4771-AC3E-61F3425A4EFB}"/>
+                <a16:creationId xmlns:a16="http://schemas.microsoft.com/office/drawing/2014/main" xmlns="" id="{65B06B80-F167-4771-AC3E-61F3425A4EFB}"/>
               </a:ext>
             </a:extLst>
           </p:cNvPr>
@@ -13307,7 +13307,7 @@
           <p:cNvPr id="15" name="TextBox 2">
             <a:extLst>
               <a:ext uri="{FF2B5EF4-FFF2-40B4-BE49-F238E27FC236}">
-                <a16:creationId xmlns="" xmlns:a16="http://schemas.microsoft.com/office/drawing/2014/main" id="{D69BAC0C-7A7B-4D8F-A253-084F381C9ED7}"/>
+                <a16:creationId xmlns:a16="http://schemas.microsoft.com/office/drawing/2014/main" xmlns="" id="{D69BAC0C-7A7B-4D8F-A253-084F381C9ED7}"/>
               </a:ext>
             </a:extLst>
           </p:cNvPr>
@@ -13442,7 +13442,7 @@
           <p:cNvPr id="16" name="TextBox 3">
             <a:extLst>
               <a:ext uri="{FF2B5EF4-FFF2-40B4-BE49-F238E27FC236}">
-                <a16:creationId xmlns="" xmlns:a16="http://schemas.microsoft.com/office/drawing/2014/main" id="{0BE380C1-86FB-49D9-95C6-D474C2F2975F}"/>
+                <a16:creationId xmlns:a16="http://schemas.microsoft.com/office/drawing/2014/main" xmlns="" id="{0BE380C1-86FB-49D9-95C6-D474C2F2975F}"/>
               </a:ext>
             </a:extLst>
           </p:cNvPr>
@@ -13614,7 +13614,7 @@
           <p:cNvPr id="8" name="Rectangle 7">
             <a:extLst>
               <a:ext uri="{FF2B5EF4-FFF2-40B4-BE49-F238E27FC236}">
-                <a16:creationId xmlns="" xmlns:a16="http://schemas.microsoft.com/office/drawing/2014/main" id="{9572F161-00D8-1F47-8444-18B06D08E4FB}"/>
+                <a16:creationId xmlns:a16="http://schemas.microsoft.com/office/drawing/2014/main" xmlns="" id="{9572F161-00D8-1F47-8444-18B06D08E4FB}"/>
               </a:ext>
             </a:extLst>
           </p:cNvPr>
@@ -13675,7 +13675,7 @@
           <p:cNvPr id="9" name="Group 8">
             <a:extLst>
               <a:ext uri="{FF2B5EF4-FFF2-40B4-BE49-F238E27FC236}">
-                <a16:creationId xmlns="" xmlns:a16="http://schemas.microsoft.com/office/drawing/2014/main" id="{A624D1AD-5B64-614C-828D-60A83AA81013}"/>
+                <a16:creationId xmlns:a16="http://schemas.microsoft.com/office/drawing/2014/main" xmlns="" id="{A624D1AD-5B64-614C-828D-60A83AA81013}"/>
               </a:ext>
             </a:extLst>
           </p:cNvPr>
@@ -13695,7 +13695,7 @@
             <p:cNvPr id="10" name="TextBox 9">
               <a:extLst>
                 <a:ext uri="{FF2B5EF4-FFF2-40B4-BE49-F238E27FC236}">
-                  <a16:creationId xmlns="" xmlns:a16="http://schemas.microsoft.com/office/drawing/2014/main" id="{D1CD51C8-97BD-BE4B-8F9D-CB2C2D38E9DB}"/>
+                  <a16:creationId xmlns:a16="http://schemas.microsoft.com/office/drawing/2014/main" xmlns="" id="{D1CD51C8-97BD-BE4B-8F9D-CB2C2D38E9DB}"/>
                 </a:ext>
               </a:extLst>
             </p:cNvPr>
@@ -13739,7 +13739,7 @@
             <p:cNvPr id="11" name="Picture 10">
               <a:extLst>
                 <a:ext uri="{FF2B5EF4-FFF2-40B4-BE49-F238E27FC236}">
-                  <a16:creationId xmlns="" xmlns:a16="http://schemas.microsoft.com/office/drawing/2014/main" id="{A5B84310-A8FD-F240-AA87-570F3DCB83C6}"/>
+                  <a16:creationId xmlns:a16="http://schemas.microsoft.com/office/drawing/2014/main" xmlns="" id="{A5B84310-A8FD-F240-AA87-570F3DCB83C6}"/>
                 </a:ext>
               </a:extLst>
             </p:cNvPr>
@@ -13775,7 +13775,7 @@
             <p:cNvPr id="12" name="Picture 11">
               <a:extLst>
                 <a:ext uri="{FF2B5EF4-FFF2-40B4-BE49-F238E27FC236}">
-                  <a16:creationId xmlns="" xmlns:a16="http://schemas.microsoft.com/office/drawing/2014/main" id="{D6614CE8-901C-494E-AD09-124CF14C4D6D}"/>
+                  <a16:creationId xmlns:a16="http://schemas.microsoft.com/office/drawing/2014/main" xmlns="" id="{D6614CE8-901C-494E-AD09-124CF14C4D6D}"/>
                 </a:ext>
               </a:extLst>
             </p:cNvPr>
@@ -13811,7 +13811,7 @@
             <p:cNvPr id="13" name="Rectangle 12">
               <a:extLst>
                 <a:ext uri="{FF2B5EF4-FFF2-40B4-BE49-F238E27FC236}">
-                  <a16:creationId xmlns="" xmlns:a16="http://schemas.microsoft.com/office/drawing/2014/main" id="{B1CE826E-5A2F-6645-8CD9-E9D72E71E460}"/>
+                  <a16:creationId xmlns:a16="http://schemas.microsoft.com/office/drawing/2014/main" xmlns="" id="{B1CE826E-5A2F-6645-8CD9-E9D72E71E460}"/>
                 </a:ext>
               </a:extLst>
             </p:cNvPr>
@@ -13866,7 +13866,7 @@
           <p:cNvPr id="2" name="TextBox 1">
             <a:extLst>
               <a:ext uri="{FF2B5EF4-FFF2-40B4-BE49-F238E27FC236}">
-                <a16:creationId xmlns="" xmlns:a16="http://schemas.microsoft.com/office/drawing/2014/main" id="{0B685838-A6CC-4290-BFCC-18AC6C57AED4}"/>
+                <a16:creationId xmlns:a16="http://schemas.microsoft.com/office/drawing/2014/main" xmlns="" id="{0B685838-A6CC-4290-BFCC-18AC6C57AED4}"/>
               </a:ext>
             </a:extLst>
           </p:cNvPr>
@@ -13908,7 +13908,7 @@
           <p:cNvPr id="14" name="Straight Connector 13">
             <a:extLst>
               <a:ext uri="{FF2B5EF4-FFF2-40B4-BE49-F238E27FC236}">
-                <a16:creationId xmlns="" xmlns:a16="http://schemas.microsoft.com/office/drawing/2014/main" id="{67C18F51-188E-4FFD-8DA4-2B37BFD2E597}"/>
+                <a16:creationId xmlns:a16="http://schemas.microsoft.com/office/drawing/2014/main" xmlns="" id="{67C18F51-188E-4FFD-8DA4-2B37BFD2E597}"/>
               </a:ext>
             </a:extLst>
           </p:cNvPr>
@@ -13951,7 +13951,7 @@
           <p:cNvPr id="15" name="Rounded Rectangle 25">
             <a:extLst>
               <a:ext uri="{FF2B5EF4-FFF2-40B4-BE49-F238E27FC236}">
-                <a16:creationId xmlns="" xmlns:a16="http://schemas.microsoft.com/office/drawing/2014/main" id="{A148753D-83C3-45AE-A51E-8B155CAD8779}"/>
+                <a16:creationId xmlns:a16="http://schemas.microsoft.com/office/drawing/2014/main" xmlns="" id="{A148753D-83C3-45AE-A51E-8B155CAD8779}"/>
               </a:ext>
             </a:extLst>
           </p:cNvPr>
@@ -14100,7 +14100,7 @@
           <p:cNvPr id="16" name="Straight Connector 15">
             <a:extLst>
               <a:ext uri="{FF2B5EF4-FFF2-40B4-BE49-F238E27FC236}">
-                <a16:creationId xmlns="" xmlns:a16="http://schemas.microsoft.com/office/drawing/2014/main" id="{7E82F3BD-D9EB-4D33-97D8-AD4E8A09AA0B}"/>
+                <a16:creationId xmlns:a16="http://schemas.microsoft.com/office/drawing/2014/main" xmlns="" id="{7E82F3BD-D9EB-4D33-97D8-AD4E8A09AA0B}"/>
               </a:ext>
             </a:extLst>
           </p:cNvPr>
@@ -14143,7 +14143,7 @@
           <p:cNvPr id="17" name="Straight Connector 16">
             <a:extLst>
               <a:ext uri="{FF2B5EF4-FFF2-40B4-BE49-F238E27FC236}">
-                <a16:creationId xmlns="" xmlns:a16="http://schemas.microsoft.com/office/drawing/2014/main" id="{173F0C5B-D873-48FC-86DC-2137CEDDF09F}"/>
+                <a16:creationId xmlns:a16="http://schemas.microsoft.com/office/drawing/2014/main" xmlns="" id="{173F0C5B-D873-48FC-86DC-2137CEDDF09F}"/>
               </a:ext>
             </a:extLst>
           </p:cNvPr>
@@ -14186,7 +14186,7 @@
           <p:cNvPr id="18" name="Straight Connector 17">
             <a:extLst>
               <a:ext uri="{FF2B5EF4-FFF2-40B4-BE49-F238E27FC236}">
-                <a16:creationId xmlns="" xmlns:a16="http://schemas.microsoft.com/office/drawing/2014/main" id="{931CDFB0-339F-4F90-BC02-1EF2BE2A0A91}"/>
+                <a16:creationId xmlns:a16="http://schemas.microsoft.com/office/drawing/2014/main" xmlns="" id="{931CDFB0-339F-4F90-BC02-1EF2BE2A0A91}"/>
               </a:ext>
             </a:extLst>
           </p:cNvPr>
@@ -14229,7 +14229,7 @@
           <p:cNvPr id="19" name="Straight Connector 18">
             <a:extLst>
               <a:ext uri="{FF2B5EF4-FFF2-40B4-BE49-F238E27FC236}">
-                <a16:creationId xmlns="" xmlns:a16="http://schemas.microsoft.com/office/drawing/2014/main" id="{3DAFF210-E738-4185-9016-6FC542ED291F}"/>
+                <a16:creationId xmlns:a16="http://schemas.microsoft.com/office/drawing/2014/main" xmlns="" id="{3DAFF210-E738-4185-9016-6FC542ED291F}"/>
               </a:ext>
             </a:extLst>
           </p:cNvPr>
@@ -14272,7 +14272,7 @@
           <p:cNvPr id="20" name="Straight Connector 19">
             <a:extLst>
               <a:ext uri="{FF2B5EF4-FFF2-40B4-BE49-F238E27FC236}">
-                <a16:creationId xmlns="" xmlns:a16="http://schemas.microsoft.com/office/drawing/2014/main" id="{5E407978-D43D-4316-B005-AD4691BCE978}"/>
+                <a16:creationId xmlns:a16="http://schemas.microsoft.com/office/drawing/2014/main" xmlns="" id="{5E407978-D43D-4316-B005-AD4691BCE978}"/>
               </a:ext>
             </a:extLst>
           </p:cNvPr>
@@ -14315,7 +14315,7 @@
           <p:cNvPr id="21" name="Straight Connector 20">
             <a:extLst>
               <a:ext uri="{FF2B5EF4-FFF2-40B4-BE49-F238E27FC236}">
-                <a16:creationId xmlns="" xmlns:a16="http://schemas.microsoft.com/office/drawing/2014/main" id="{2C59C43C-A6A4-4334-B937-9003634769C8}"/>
+                <a16:creationId xmlns:a16="http://schemas.microsoft.com/office/drawing/2014/main" xmlns="" id="{2C59C43C-A6A4-4334-B937-9003634769C8}"/>
               </a:ext>
             </a:extLst>
           </p:cNvPr>
@@ -14358,7 +14358,7 @@
           <p:cNvPr id="22" name="Straight Connector 21">
             <a:extLst>
               <a:ext uri="{FF2B5EF4-FFF2-40B4-BE49-F238E27FC236}">
-                <a16:creationId xmlns="" xmlns:a16="http://schemas.microsoft.com/office/drawing/2014/main" id="{04CE2375-4084-4DBC-8BCF-224E4CC072F8}"/>
+                <a16:creationId xmlns:a16="http://schemas.microsoft.com/office/drawing/2014/main" xmlns="" id="{04CE2375-4084-4DBC-8BCF-224E4CC072F8}"/>
               </a:ext>
             </a:extLst>
           </p:cNvPr>
@@ -14401,7 +14401,7 @@
           <p:cNvPr id="23" name="Rounded Rectangle 1">
             <a:extLst>
               <a:ext uri="{FF2B5EF4-FFF2-40B4-BE49-F238E27FC236}">
-                <a16:creationId xmlns="" xmlns:a16="http://schemas.microsoft.com/office/drawing/2014/main" id="{87396C44-0C26-431B-AA19-D3339B1736E2}"/>
+                <a16:creationId xmlns:a16="http://schemas.microsoft.com/office/drawing/2014/main" xmlns="" id="{87396C44-0C26-431B-AA19-D3339B1736E2}"/>
               </a:ext>
             </a:extLst>
           </p:cNvPr>
@@ -14550,7 +14550,7 @@
           <p:cNvPr id="24" name="Rounded Rectangle 13">
             <a:extLst>
               <a:ext uri="{FF2B5EF4-FFF2-40B4-BE49-F238E27FC236}">
-                <a16:creationId xmlns="" xmlns:a16="http://schemas.microsoft.com/office/drawing/2014/main" id="{9598B3AA-3C79-40BE-970A-A3DDD518E952}"/>
+                <a16:creationId xmlns:a16="http://schemas.microsoft.com/office/drawing/2014/main" xmlns="" id="{9598B3AA-3C79-40BE-970A-A3DDD518E952}"/>
               </a:ext>
             </a:extLst>
           </p:cNvPr>
@@ -14699,7 +14699,7 @@
           <p:cNvPr id="25" name="Rounded Rectangle 15">
             <a:extLst>
               <a:ext uri="{FF2B5EF4-FFF2-40B4-BE49-F238E27FC236}">
-                <a16:creationId xmlns="" xmlns:a16="http://schemas.microsoft.com/office/drawing/2014/main" id="{4DA81567-5DBD-41E7-AFFB-329297FFD6C0}"/>
+                <a16:creationId xmlns:a16="http://schemas.microsoft.com/office/drawing/2014/main" xmlns="" id="{4DA81567-5DBD-41E7-AFFB-329297FFD6C0}"/>
               </a:ext>
             </a:extLst>
           </p:cNvPr>
@@ -14848,7 +14848,7 @@
           <p:cNvPr id="26" name="Rounded Rectangle 16">
             <a:extLst>
               <a:ext uri="{FF2B5EF4-FFF2-40B4-BE49-F238E27FC236}">
-                <a16:creationId xmlns="" xmlns:a16="http://schemas.microsoft.com/office/drawing/2014/main" id="{6A7493D5-A65E-4A5D-9006-08249A3A4E77}"/>
+                <a16:creationId xmlns:a16="http://schemas.microsoft.com/office/drawing/2014/main" xmlns="" id="{6A7493D5-A65E-4A5D-9006-08249A3A4E77}"/>
               </a:ext>
             </a:extLst>
           </p:cNvPr>
@@ -14997,7 +14997,7 @@
           <p:cNvPr id="27" name="Rounded Rectangle 17">
             <a:extLst>
               <a:ext uri="{FF2B5EF4-FFF2-40B4-BE49-F238E27FC236}">
-                <a16:creationId xmlns="" xmlns:a16="http://schemas.microsoft.com/office/drawing/2014/main" id="{5B8C48F1-17C8-4479-BEC2-70815E9BD769}"/>
+                <a16:creationId xmlns:a16="http://schemas.microsoft.com/office/drawing/2014/main" xmlns="" id="{5B8C48F1-17C8-4479-BEC2-70815E9BD769}"/>
               </a:ext>
             </a:extLst>
           </p:cNvPr>
@@ -15146,7 +15146,7 @@
           <p:cNvPr id="28" name="Rounded Rectangle 18">
             <a:extLst>
               <a:ext uri="{FF2B5EF4-FFF2-40B4-BE49-F238E27FC236}">
-                <a16:creationId xmlns="" xmlns:a16="http://schemas.microsoft.com/office/drawing/2014/main" id="{863B2197-73E7-487E-B028-E8175978F643}"/>
+                <a16:creationId xmlns:a16="http://schemas.microsoft.com/office/drawing/2014/main" xmlns="" id="{863B2197-73E7-487E-B028-E8175978F643}"/>
               </a:ext>
             </a:extLst>
           </p:cNvPr>
@@ -15295,7 +15295,7 @@
           <p:cNvPr id="29" name="Rounded Rectangle 19">
             <a:extLst>
               <a:ext uri="{FF2B5EF4-FFF2-40B4-BE49-F238E27FC236}">
-                <a16:creationId xmlns="" xmlns:a16="http://schemas.microsoft.com/office/drawing/2014/main" id="{A72002EB-855E-4587-A0F2-52A7A0D157C7}"/>
+                <a16:creationId xmlns:a16="http://schemas.microsoft.com/office/drawing/2014/main" xmlns="" id="{A72002EB-855E-4587-A0F2-52A7A0D157C7}"/>
               </a:ext>
             </a:extLst>
           </p:cNvPr>
@@ -15444,7 +15444,7 @@
           <p:cNvPr id="30" name="Rounded Rectangle 24">
             <a:extLst>
               <a:ext uri="{FF2B5EF4-FFF2-40B4-BE49-F238E27FC236}">
-                <a16:creationId xmlns="" xmlns:a16="http://schemas.microsoft.com/office/drawing/2014/main" id="{BBF9931C-ADFA-492C-BC6D-54E33D665FE3}"/>
+                <a16:creationId xmlns:a16="http://schemas.microsoft.com/office/drawing/2014/main" xmlns="" id="{BBF9931C-ADFA-492C-BC6D-54E33D665FE3}"/>
               </a:ext>
             </a:extLst>
           </p:cNvPr>
@@ -15630,7 +15630,7 @@
           <p:cNvPr id="8" name="Rectangle 7">
             <a:extLst>
               <a:ext uri="{FF2B5EF4-FFF2-40B4-BE49-F238E27FC236}">
-                <a16:creationId xmlns="" xmlns:a16="http://schemas.microsoft.com/office/drawing/2014/main" id="{9572F161-00D8-1F47-8444-18B06D08E4FB}"/>
+                <a16:creationId xmlns:a16="http://schemas.microsoft.com/office/drawing/2014/main" xmlns="" id="{9572F161-00D8-1F47-8444-18B06D08E4FB}"/>
               </a:ext>
             </a:extLst>
           </p:cNvPr>
@@ -15691,7 +15691,7 @@
           <p:cNvPr id="9" name="Group 8">
             <a:extLst>
               <a:ext uri="{FF2B5EF4-FFF2-40B4-BE49-F238E27FC236}">
-                <a16:creationId xmlns="" xmlns:a16="http://schemas.microsoft.com/office/drawing/2014/main" id="{A624D1AD-5B64-614C-828D-60A83AA81013}"/>
+                <a16:creationId xmlns:a16="http://schemas.microsoft.com/office/drawing/2014/main" xmlns="" id="{A624D1AD-5B64-614C-828D-60A83AA81013}"/>
               </a:ext>
             </a:extLst>
           </p:cNvPr>
@@ -15711,7 +15711,7 @@
             <p:cNvPr id="10" name="TextBox 9">
               <a:extLst>
                 <a:ext uri="{FF2B5EF4-FFF2-40B4-BE49-F238E27FC236}">
-                  <a16:creationId xmlns="" xmlns:a16="http://schemas.microsoft.com/office/drawing/2014/main" id="{D1CD51C8-97BD-BE4B-8F9D-CB2C2D38E9DB}"/>
+                  <a16:creationId xmlns:a16="http://schemas.microsoft.com/office/drawing/2014/main" xmlns="" id="{D1CD51C8-97BD-BE4B-8F9D-CB2C2D38E9DB}"/>
                 </a:ext>
               </a:extLst>
             </p:cNvPr>
@@ -15755,7 +15755,7 @@
             <p:cNvPr id="11" name="Picture 10">
               <a:extLst>
                 <a:ext uri="{FF2B5EF4-FFF2-40B4-BE49-F238E27FC236}">
-                  <a16:creationId xmlns="" xmlns:a16="http://schemas.microsoft.com/office/drawing/2014/main" id="{A5B84310-A8FD-F240-AA87-570F3DCB83C6}"/>
+                  <a16:creationId xmlns:a16="http://schemas.microsoft.com/office/drawing/2014/main" xmlns="" id="{A5B84310-A8FD-F240-AA87-570F3DCB83C6}"/>
                 </a:ext>
               </a:extLst>
             </p:cNvPr>
@@ -15791,7 +15791,7 @@
             <p:cNvPr id="12" name="Picture 11">
               <a:extLst>
                 <a:ext uri="{FF2B5EF4-FFF2-40B4-BE49-F238E27FC236}">
-                  <a16:creationId xmlns="" xmlns:a16="http://schemas.microsoft.com/office/drawing/2014/main" id="{D6614CE8-901C-494E-AD09-124CF14C4D6D}"/>
+                  <a16:creationId xmlns:a16="http://schemas.microsoft.com/office/drawing/2014/main" xmlns="" id="{D6614CE8-901C-494E-AD09-124CF14C4D6D}"/>
                 </a:ext>
               </a:extLst>
             </p:cNvPr>
@@ -15827,7 +15827,7 @@
             <p:cNvPr id="13" name="Rectangle 12">
               <a:extLst>
                 <a:ext uri="{FF2B5EF4-FFF2-40B4-BE49-F238E27FC236}">
-                  <a16:creationId xmlns="" xmlns:a16="http://schemas.microsoft.com/office/drawing/2014/main" id="{B1CE826E-5A2F-6645-8CD9-E9D72E71E460}"/>
+                  <a16:creationId xmlns:a16="http://schemas.microsoft.com/office/drawing/2014/main" xmlns="" id="{B1CE826E-5A2F-6645-8CD9-E9D72E71E460}"/>
                 </a:ext>
               </a:extLst>
             </p:cNvPr>
@@ -15882,7 +15882,7 @@
           <p:cNvPr id="2" name="TextBox 1">
             <a:extLst>
               <a:ext uri="{FF2B5EF4-FFF2-40B4-BE49-F238E27FC236}">
-                <a16:creationId xmlns="" xmlns:a16="http://schemas.microsoft.com/office/drawing/2014/main" id="{0B685838-A6CC-4290-BFCC-18AC6C57AED4}"/>
+                <a16:creationId xmlns:a16="http://schemas.microsoft.com/office/drawing/2014/main" xmlns="" id="{0B685838-A6CC-4290-BFCC-18AC6C57AED4}"/>
               </a:ext>
             </a:extLst>
           </p:cNvPr>
@@ -15924,7 +15924,7 @@
           <p:cNvPr id="14" name="Rounded Rectangle 1">
             <a:extLst>
               <a:ext uri="{FF2B5EF4-FFF2-40B4-BE49-F238E27FC236}">
-                <a16:creationId xmlns="" xmlns:a16="http://schemas.microsoft.com/office/drawing/2014/main" id="{6E0276BD-DA78-4DD5-8635-C4480B9CECD8}"/>
+                <a16:creationId xmlns:a16="http://schemas.microsoft.com/office/drawing/2014/main" xmlns="" id="{6E0276BD-DA78-4DD5-8635-C4480B9CECD8}"/>
               </a:ext>
             </a:extLst>
           </p:cNvPr>
@@ -16073,7 +16073,7 @@
           <p:cNvPr id="15" name="TextBox 2">
             <a:extLst>
               <a:ext uri="{FF2B5EF4-FFF2-40B4-BE49-F238E27FC236}">
-                <a16:creationId xmlns="" xmlns:a16="http://schemas.microsoft.com/office/drawing/2014/main" id="{349161F5-62E3-4B70-BE81-FAA2575DC0F9}"/>
+                <a16:creationId xmlns:a16="http://schemas.microsoft.com/office/drawing/2014/main" xmlns="" id="{349161F5-62E3-4B70-BE81-FAA2575DC0F9}"/>
               </a:ext>
             </a:extLst>
           </p:cNvPr>
@@ -16208,7 +16208,7 @@
           <p:cNvPr id="16" name="TextBox 3">
             <a:extLst>
               <a:ext uri="{FF2B5EF4-FFF2-40B4-BE49-F238E27FC236}">
-                <a16:creationId xmlns="" xmlns:a16="http://schemas.microsoft.com/office/drawing/2014/main" id="{4E2CAC2C-2135-4CB2-88B8-A43901577760}"/>
+                <a16:creationId xmlns:a16="http://schemas.microsoft.com/office/drawing/2014/main" xmlns="" id="{4E2CAC2C-2135-4CB2-88B8-A43901577760}"/>
               </a:ext>
             </a:extLst>
           </p:cNvPr>
@@ -16380,7 +16380,7 @@
           <p:cNvPr id="8" name="Rectangle 7">
             <a:extLst>
               <a:ext uri="{FF2B5EF4-FFF2-40B4-BE49-F238E27FC236}">
-                <a16:creationId xmlns="" xmlns:a16="http://schemas.microsoft.com/office/drawing/2014/main" id="{9572F161-00D8-1F47-8444-18B06D08E4FB}"/>
+                <a16:creationId xmlns:a16="http://schemas.microsoft.com/office/drawing/2014/main" xmlns="" id="{9572F161-00D8-1F47-8444-18B06D08E4FB}"/>
               </a:ext>
             </a:extLst>
           </p:cNvPr>
@@ -16441,7 +16441,7 @@
           <p:cNvPr id="9" name="Group 8">
             <a:extLst>
               <a:ext uri="{FF2B5EF4-FFF2-40B4-BE49-F238E27FC236}">
-                <a16:creationId xmlns="" xmlns:a16="http://schemas.microsoft.com/office/drawing/2014/main" id="{A624D1AD-5B64-614C-828D-60A83AA81013}"/>
+                <a16:creationId xmlns:a16="http://schemas.microsoft.com/office/drawing/2014/main" xmlns="" id="{A624D1AD-5B64-614C-828D-60A83AA81013}"/>
               </a:ext>
             </a:extLst>
           </p:cNvPr>
@@ -16461,7 +16461,7 @@
             <p:cNvPr id="10" name="TextBox 9">
               <a:extLst>
                 <a:ext uri="{FF2B5EF4-FFF2-40B4-BE49-F238E27FC236}">
-                  <a16:creationId xmlns="" xmlns:a16="http://schemas.microsoft.com/office/drawing/2014/main" id="{D1CD51C8-97BD-BE4B-8F9D-CB2C2D38E9DB}"/>
+                  <a16:creationId xmlns:a16="http://schemas.microsoft.com/office/drawing/2014/main" xmlns="" id="{D1CD51C8-97BD-BE4B-8F9D-CB2C2D38E9DB}"/>
                 </a:ext>
               </a:extLst>
             </p:cNvPr>
@@ -16505,7 +16505,7 @@
             <p:cNvPr id="11" name="Picture 10">
               <a:extLst>
                 <a:ext uri="{FF2B5EF4-FFF2-40B4-BE49-F238E27FC236}">
-                  <a16:creationId xmlns="" xmlns:a16="http://schemas.microsoft.com/office/drawing/2014/main" id="{A5B84310-A8FD-F240-AA87-570F3DCB83C6}"/>
+                  <a16:creationId xmlns:a16="http://schemas.microsoft.com/office/drawing/2014/main" xmlns="" id="{A5B84310-A8FD-F240-AA87-570F3DCB83C6}"/>
                 </a:ext>
               </a:extLst>
             </p:cNvPr>
@@ -16541,7 +16541,7 @@
             <p:cNvPr id="12" name="Picture 11">
               <a:extLst>
                 <a:ext uri="{FF2B5EF4-FFF2-40B4-BE49-F238E27FC236}">
-                  <a16:creationId xmlns="" xmlns:a16="http://schemas.microsoft.com/office/drawing/2014/main" id="{D6614CE8-901C-494E-AD09-124CF14C4D6D}"/>
+                  <a16:creationId xmlns:a16="http://schemas.microsoft.com/office/drawing/2014/main" xmlns="" id="{D6614CE8-901C-494E-AD09-124CF14C4D6D}"/>
                 </a:ext>
               </a:extLst>
             </p:cNvPr>
@@ -16577,7 +16577,7 @@
             <p:cNvPr id="13" name="Rectangle 12">
               <a:extLst>
                 <a:ext uri="{FF2B5EF4-FFF2-40B4-BE49-F238E27FC236}">
-                  <a16:creationId xmlns="" xmlns:a16="http://schemas.microsoft.com/office/drawing/2014/main" id="{B1CE826E-5A2F-6645-8CD9-E9D72E71E460}"/>
+                  <a16:creationId xmlns:a16="http://schemas.microsoft.com/office/drawing/2014/main" xmlns="" id="{B1CE826E-5A2F-6645-8CD9-E9D72E71E460}"/>
                 </a:ext>
               </a:extLst>
             </p:cNvPr>
@@ -16632,7 +16632,7 @@
           <p:cNvPr id="2" name="TextBox 1">
             <a:extLst>
               <a:ext uri="{FF2B5EF4-FFF2-40B4-BE49-F238E27FC236}">
-                <a16:creationId xmlns="" xmlns:a16="http://schemas.microsoft.com/office/drawing/2014/main" id="{0B685838-A6CC-4290-BFCC-18AC6C57AED4}"/>
+                <a16:creationId xmlns:a16="http://schemas.microsoft.com/office/drawing/2014/main" xmlns="" id="{0B685838-A6CC-4290-BFCC-18AC6C57AED4}"/>
               </a:ext>
             </a:extLst>
           </p:cNvPr>
@@ -16674,7 +16674,7 @@
           <p:cNvPr id="14" name="Straight Connector 13">
             <a:extLst>
               <a:ext uri="{FF2B5EF4-FFF2-40B4-BE49-F238E27FC236}">
-                <a16:creationId xmlns="" xmlns:a16="http://schemas.microsoft.com/office/drawing/2014/main" id="{1666155D-4767-47ED-AFE3-3196099A60BB}"/>
+                <a16:creationId xmlns:a16="http://schemas.microsoft.com/office/drawing/2014/main" xmlns="" id="{1666155D-4767-47ED-AFE3-3196099A60BB}"/>
               </a:ext>
             </a:extLst>
           </p:cNvPr>
@@ -16717,7 +16717,7 @@
           <p:cNvPr id="15" name="Rounded Rectangle 25">
             <a:extLst>
               <a:ext uri="{FF2B5EF4-FFF2-40B4-BE49-F238E27FC236}">
-                <a16:creationId xmlns="" xmlns:a16="http://schemas.microsoft.com/office/drawing/2014/main" id="{1AD9CBEF-25CB-4C43-B63B-4CA6F05D2BF6}"/>
+                <a16:creationId xmlns:a16="http://schemas.microsoft.com/office/drawing/2014/main" xmlns="" id="{1AD9CBEF-25CB-4C43-B63B-4CA6F05D2BF6}"/>
               </a:ext>
             </a:extLst>
           </p:cNvPr>
@@ -16866,7 +16866,7 @@
           <p:cNvPr id="16" name="Straight Connector 15">
             <a:extLst>
               <a:ext uri="{FF2B5EF4-FFF2-40B4-BE49-F238E27FC236}">
-                <a16:creationId xmlns="" xmlns:a16="http://schemas.microsoft.com/office/drawing/2014/main" id="{C7AC37EA-54BE-4A4B-B206-B12DF93BEEFF}"/>
+                <a16:creationId xmlns:a16="http://schemas.microsoft.com/office/drawing/2014/main" xmlns="" id="{C7AC37EA-54BE-4A4B-B206-B12DF93BEEFF}"/>
               </a:ext>
             </a:extLst>
           </p:cNvPr>
@@ -16909,7 +16909,7 @@
           <p:cNvPr id="17" name="Straight Connector 16">
             <a:extLst>
               <a:ext uri="{FF2B5EF4-FFF2-40B4-BE49-F238E27FC236}">
-                <a16:creationId xmlns="" xmlns:a16="http://schemas.microsoft.com/office/drawing/2014/main" id="{5CEB4843-2665-4E3E-BE01-566A601B97FB}"/>
+                <a16:creationId xmlns:a16="http://schemas.microsoft.com/office/drawing/2014/main" xmlns="" id="{5CEB4843-2665-4E3E-BE01-566A601B97FB}"/>
               </a:ext>
             </a:extLst>
           </p:cNvPr>
@@ -16952,7 +16952,7 @@
           <p:cNvPr id="18" name="Straight Connector 17">
             <a:extLst>
               <a:ext uri="{FF2B5EF4-FFF2-40B4-BE49-F238E27FC236}">
-                <a16:creationId xmlns="" xmlns:a16="http://schemas.microsoft.com/office/drawing/2014/main" id="{D55750EB-2670-49CD-9128-1AC27065D48F}"/>
+                <a16:creationId xmlns:a16="http://schemas.microsoft.com/office/drawing/2014/main" xmlns="" id="{D55750EB-2670-49CD-9128-1AC27065D48F}"/>
               </a:ext>
             </a:extLst>
           </p:cNvPr>
@@ -16995,7 +16995,7 @@
           <p:cNvPr id="19" name="Straight Connector 18">
             <a:extLst>
               <a:ext uri="{FF2B5EF4-FFF2-40B4-BE49-F238E27FC236}">
-                <a16:creationId xmlns="" xmlns:a16="http://schemas.microsoft.com/office/drawing/2014/main" id="{4B66C1CC-ABFB-4FE7-925C-448C32D32B49}"/>
+                <a16:creationId xmlns:a16="http://schemas.microsoft.com/office/drawing/2014/main" xmlns="" id="{4B66C1CC-ABFB-4FE7-925C-448C32D32B49}"/>
               </a:ext>
             </a:extLst>
           </p:cNvPr>
@@ -17038,7 +17038,7 @@
           <p:cNvPr id="20" name="Straight Connector 19">
             <a:extLst>
               <a:ext uri="{FF2B5EF4-FFF2-40B4-BE49-F238E27FC236}">
-                <a16:creationId xmlns="" xmlns:a16="http://schemas.microsoft.com/office/drawing/2014/main" id="{AF39478C-3FB6-4066-92FA-C1E35D0A6CFA}"/>
+                <a16:creationId xmlns:a16="http://schemas.microsoft.com/office/drawing/2014/main" xmlns="" id="{AF39478C-3FB6-4066-92FA-C1E35D0A6CFA}"/>
               </a:ext>
             </a:extLst>
           </p:cNvPr>
@@ -17081,7 +17081,7 @@
           <p:cNvPr id="21" name="Straight Connector 20">
             <a:extLst>
               <a:ext uri="{FF2B5EF4-FFF2-40B4-BE49-F238E27FC236}">
-                <a16:creationId xmlns="" xmlns:a16="http://schemas.microsoft.com/office/drawing/2014/main" id="{D5A8F8CB-FB56-4DDF-A714-4BC8845B8B66}"/>
+                <a16:creationId xmlns:a16="http://schemas.microsoft.com/office/drawing/2014/main" xmlns="" id="{D5A8F8CB-FB56-4DDF-A714-4BC8845B8B66}"/>
               </a:ext>
             </a:extLst>
           </p:cNvPr>
@@ -17124,7 +17124,7 @@
           <p:cNvPr id="22" name="Straight Connector 21">
             <a:extLst>
               <a:ext uri="{FF2B5EF4-FFF2-40B4-BE49-F238E27FC236}">
-                <a16:creationId xmlns="" xmlns:a16="http://schemas.microsoft.com/office/drawing/2014/main" id="{B1EEFF55-3CB3-469E-9FB1-BC76252FD611}"/>
+                <a16:creationId xmlns:a16="http://schemas.microsoft.com/office/drawing/2014/main" xmlns="" id="{B1EEFF55-3CB3-469E-9FB1-BC76252FD611}"/>
               </a:ext>
             </a:extLst>
           </p:cNvPr>
@@ -17167,7 +17167,7 @@
           <p:cNvPr id="23" name="Rounded Rectangle 1">
             <a:extLst>
               <a:ext uri="{FF2B5EF4-FFF2-40B4-BE49-F238E27FC236}">
-                <a16:creationId xmlns="" xmlns:a16="http://schemas.microsoft.com/office/drawing/2014/main" id="{ED715F6F-2F2B-4B8C-986B-ED50CA6525B4}"/>
+                <a16:creationId xmlns:a16="http://schemas.microsoft.com/office/drawing/2014/main" xmlns="" id="{ED715F6F-2F2B-4B8C-986B-ED50CA6525B4}"/>
               </a:ext>
             </a:extLst>
           </p:cNvPr>
@@ -17316,7 +17316,7 @@
           <p:cNvPr id="24" name="Rounded Rectangle 13">
             <a:extLst>
               <a:ext uri="{FF2B5EF4-FFF2-40B4-BE49-F238E27FC236}">
-                <a16:creationId xmlns="" xmlns:a16="http://schemas.microsoft.com/office/drawing/2014/main" id="{75855294-2B89-475B-959C-AF44016D82B6}"/>
+                <a16:creationId xmlns:a16="http://schemas.microsoft.com/office/drawing/2014/main" xmlns="" id="{75855294-2B89-475B-959C-AF44016D82B6}"/>
               </a:ext>
             </a:extLst>
           </p:cNvPr>
@@ -17465,7 +17465,7 @@
           <p:cNvPr id="25" name="Rounded Rectangle 15">
             <a:extLst>
               <a:ext uri="{FF2B5EF4-FFF2-40B4-BE49-F238E27FC236}">
-                <a16:creationId xmlns="" xmlns:a16="http://schemas.microsoft.com/office/drawing/2014/main" id="{15C32E2F-CAC1-482B-B65B-58033EFB2E1D}"/>
+                <a16:creationId xmlns:a16="http://schemas.microsoft.com/office/drawing/2014/main" xmlns="" id="{15C32E2F-CAC1-482B-B65B-58033EFB2E1D}"/>
               </a:ext>
             </a:extLst>
           </p:cNvPr>
@@ -17614,7 +17614,7 @@
           <p:cNvPr id="26" name="Rounded Rectangle 16">
             <a:extLst>
               <a:ext uri="{FF2B5EF4-FFF2-40B4-BE49-F238E27FC236}">
-                <a16:creationId xmlns="" xmlns:a16="http://schemas.microsoft.com/office/drawing/2014/main" id="{746A6C1F-0C36-420A-9ACD-70C07C2178D1}"/>
+                <a16:creationId xmlns:a16="http://schemas.microsoft.com/office/drawing/2014/main" xmlns="" id="{746A6C1F-0C36-420A-9ACD-70C07C2178D1}"/>
               </a:ext>
             </a:extLst>
           </p:cNvPr>
@@ -17763,7 +17763,7 @@
           <p:cNvPr id="27" name="Rounded Rectangle 17">
             <a:extLst>
               <a:ext uri="{FF2B5EF4-FFF2-40B4-BE49-F238E27FC236}">
-                <a16:creationId xmlns="" xmlns:a16="http://schemas.microsoft.com/office/drawing/2014/main" id="{7B24912C-75C0-4853-A76F-DA954CE6AF84}"/>
+                <a16:creationId xmlns:a16="http://schemas.microsoft.com/office/drawing/2014/main" xmlns="" id="{7B24912C-75C0-4853-A76F-DA954CE6AF84}"/>
               </a:ext>
             </a:extLst>
           </p:cNvPr>
@@ -17912,7 +17912,7 @@
           <p:cNvPr id="28" name="Rounded Rectangle 18">
             <a:extLst>
               <a:ext uri="{FF2B5EF4-FFF2-40B4-BE49-F238E27FC236}">
-                <a16:creationId xmlns="" xmlns:a16="http://schemas.microsoft.com/office/drawing/2014/main" id="{5813742B-48CE-4C22-ACF2-ADC214F9FAB3}"/>
+                <a16:creationId xmlns:a16="http://schemas.microsoft.com/office/drawing/2014/main" xmlns="" id="{5813742B-48CE-4C22-ACF2-ADC214F9FAB3}"/>
               </a:ext>
             </a:extLst>
           </p:cNvPr>
@@ -18061,7 +18061,7 @@
           <p:cNvPr id="29" name="Rounded Rectangle 19">
             <a:extLst>
               <a:ext uri="{FF2B5EF4-FFF2-40B4-BE49-F238E27FC236}">
-                <a16:creationId xmlns="" xmlns:a16="http://schemas.microsoft.com/office/drawing/2014/main" id="{5600522C-B3C8-410E-B982-2DC5172B8F6F}"/>
+                <a16:creationId xmlns:a16="http://schemas.microsoft.com/office/drawing/2014/main" xmlns="" id="{5600522C-B3C8-410E-B982-2DC5172B8F6F}"/>
               </a:ext>
             </a:extLst>
           </p:cNvPr>
@@ -18210,7 +18210,7 @@
           <p:cNvPr id="30" name="Rounded Rectangle 24">
             <a:extLst>
               <a:ext uri="{FF2B5EF4-FFF2-40B4-BE49-F238E27FC236}">
-                <a16:creationId xmlns="" xmlns:a16="http://schemas.microsoft.com/office/drawing/2014/main" id="{A97BF3EC-AD32-4701-A9C6-B234E7A2AE43}"/>
+                <a16:creationId xmlns:a16="http://schemas.microsoft.com/office/drawing/2014/main" xmlns="" id="{A97BF3EC-AD32-4701-A9C6-B234E7A2AE43}"/>
               </a:ext>
             </a:extLst>
           </p:cNvPr>
@@ -18396,7 +18396,7 @@
           <p:cNvPr id="8" name="Rectangle 7">
             <a:extLst>
               <a:ext uri="{FF2B5EF4-FFF2-40B4-BE49-F238E27FC236}">
-                <a16:creationId xmlns="" xmlns:a16="http://schemas.microsoft.com/office/drawing/2014/main" id="{9572F161-00D8-1F47-8444-18B06D08E4FB}"/>
+                <a16:creationId xmlns:a16="http://schemas.microsoft.com/office/drawing/2014/main" xmlns="" id="{9572F161-00D8-1F47-8444-18B06D08E4FB}"/>
               </a:ext>
             </a:extLst>
           </p:cNvPr>
@@ -18457,7 +18457,7 @@
           <p:cNvPr id="9" name="Group 8">
             <a:extLst>
               <a:ext uri="{FF2B5EF4-FFF2-40B4-BE49-F238E27FC236}">
-                <a16:creationId xmlns="" xmlns:a16="http://schemas.microsoft.com/office/drawing/2014/main" id="{A624D1AD-5B64-614C-828D-60A83AA81013}"/>
+                <a16:creationId xmlns:a16="http://schemas.microsoft.com/office/drawing/2014/main" xmlns="" id="{A624D1AD-5B64-614C-828D-60A83AA81013}"/>
               </a:ext>
             </a:extLst>
           </p:cNvPr>
@@ -18477,7 +18477,7 @@
             <p:cNvPr id="10" name="TextBox 9">
               <a:extLst>
                 <a:ext uri="{FF2B5EF4-FFF2-40B4-BE49-F238E27FC236}">
-                  <a16:creationId xmlns="" xmlns:a16="http://schemas.microsoft.com/office/drawing/2014/main" id="{D1CD51C8-97BD-BE4B-8F9D-CB2C2D38E9DB}"/>
+                  <a16:creationId xmlns:a16="http://schemas.microsoft.com/office/drawing/2014/main" xmlns="" id="{D1CD51C8-97BD-BE4B-8F9D-CB2C2D38E9DB}"/>
                 </a:ext>
               </a:extLst>
             </p:cNvPr>
@@ -18521,7 +18521,7 @@
             <p:cNvPr id="11" name="Picture 10">
               <a:extLst>
                 <a:ext uri="{FF2B5EF4-FFF2-40B4-BE49-F238E27FC236}">
-                  <a16:creationId xmlns="" xmlns:a16="http://schemas.microsoft.com/office/drawing/2014/main" id="{A5B84310-A8FD-F240-AA87-570F3DCB83C6}"/>
+                  <a16:creationId xmlns:a16="http://schemas.microsoft.com/office/drawing/2014/main" xmlns="" id="{A5B84310-A8FD-F240-AA87-570F3DCB83C6}"/>
                 </a:ext>
               </a:extLst>
             </p:cNvPr>
@@ -18557,7 +18557,7 @@
             <p:cNvPr id="12" name="Picture 11">
               <a:extLst>
                 <a:ext uri="{FF2B5EF4-FFF2-40B4-BE49-F238E27FC236}">
-                  <a16:creationId xmlns="" xmlns:a16="http://schemas.microsoft.com/office/drawing/2014/main" id="{D6614CE8-901C-494E-AD09-124CF14C4D6D}"/>
+                  <a16:creationId xmlns:a16="http://schemas.microsoft.com/office/drawing/2014/main" xmlns="" id="{D6614CE8-901C-494E-AD09-124CF14C4D6D}"/>
                 </a:ext>
               </a:extLst>
             </p:cNvPr>
@@ -18593,7 +18593,7 @@
             <p:cNvPr id="13" name="Rectangle 12">
               <a:extLst>
                 <a:ext uri="{FF2B5EF4-FFF2-40B4-BE49-F238E27FC236}">
-                  <a16:creationId xmlns="" xmlns:a16="http://schemas.microsoft.com/office/drawing/2014/main" id="{B1CE826E-5A2F-6645-8CD9-E9D72E71E460}"/>
+                  <a16:creationId xmlns:a16="http://schemas.microsoft.com/office/drawing/2014/main" xmlns="" id="{B1CE826E-5A2F-6645-8CD9-E9D72E71E460}"/>
                 </a:ext>
               </a:extLst>
             </p:cNvPr>
@@ -18648,7 +18648,7 @@
           <p:cNvPr id="2" name="TextBox 1">
             <a:extLst>
               <a:ext uri="{FF2B5EF4-FFF2-40B4-BE49-F238E27FC236}">
-                <a16:creationId xmlns="" xmlns:a16="http://schemas.microsoft.com/office/drawing/2014/main" id="{0B685838-A6CC-4290-BFCC-18AC6C57AED4}"/>
+                <a16:creationId xmlns:a16="http://schemas.microsoft.com/office/drawing/2014/main" xmlns="" id="{0B685838-A6CC-4290-BFCC-18AC6C57AED4}"/>
               </a:ext>
             </a:extLst>
           </p:cNvPr>
@@ -18721,7 +18721,7 @@
           <p:cNvPr id="8" name="Rectangle 7">
             <a:extLst>
               <a:ext uri="{FF2B5EF4-FFF2-40B4-BE49-F238E27FC236}">
-                <a16:creationId xmlns="" xmlns:a16="http://schemas.microsoft.com/office/drawing/2014/main" id="{9572F161-00D8-1F47-8444-18B06D08E4FB}"/>
+                <a16:creationId xmlns:a16="http://schemas.microsoft.com/office/drawing/2014/main" xmlns="" id="{9572F161-00D8-1F47-8444-18B06D08E4FB}"/>
               </a:ext>
             </a:extLst>
           </p:cNvPr>
@@ -18782,7 +18782,7 @@
           <p:cNvPr id="9" name="Group 8">
             <a:extLst>
               <a:ext uri="{FF2B5EF4-FFF2-40B4-BE49-F238E27FC236}">
-                <a16:creationId xmlns="" xmlns:a16="http://schemas.microsoft.com/office/drawing/2014/main" id="{A624D1AD-5B64-614C-828D-60A83AA81013}"/>
+                <a16:creationId xmlns:a16="http://schemas.microsoft.com/office/drawing/2014/main" xmlns="" id="{A624D1AD-5B64-614C-828D-60A83AA81013}"/>
               </a:ext>
             </a:extLst>
           </p:cNvPr>
@@ -18802,7 +18802,7 @@
             <p:cNvPr id="10" name="TextBox 9">
               <a:extLst>
                 <a:ext uri="{FF2B5EF4-FFF2-40B4-BE49-F238E27FC236}">
-                  <a16:creationId xmlns="" xmlns:a16="http://schemas.microsoft.com/office/drawing/2014/main" id="{D1CD51C8-97BD-BE4B-8F9D-CB2C2D38E9DB}"/>
+                  <a16:creationId xmlns:a16="http://schemas.microsoft.com/office/drawing/2014/main" xmlns="" id="{D1CD51C8-97BD-BE4B-8F9D-CB2C2D38E9DB}"/>
                 </a:ext>
               </a:extLst>
             </p:cNvPr>
@@ -18846,7 +18846,7 @@
             <p:cNvPr id="11" name="Picture 10">
               <a:extLst>
                 <a:ext uri="{FF2B5EF4-FFF2-40B4-BE49-F238E27FC236}">
-                  <a16:creationId xmlns="" xmlns:a16="http://schemas.microsoft.com/office/drawing/2014/main" id="{A5B84310-A8FD-F240-AA87-570F3DCB83C6}"/>
+                  <a16:creationId xmlns:a16="http://schemas.microsoft.com/office/drawing/2014/main" xmlns="" id="{A5B84310-A8FD-F240-AA87-570F3DCB83C6}"/>
                 </a:ext>
               </a:extLst>
             </p:cNvPr>
@@ -18882,7 +18882,7 @@
             <p:cNvPr id="12" name="Picture 11">
               <a:extLst>
                 <a:ext uri="{FF2B5EF4-FFF2-40B4-BE49-F238E27FC236}">
-                  <a16:creationId xmlns="" xmlns:a16="http://schemas.microsoft.com/office/drawing/2014/main" id="{D6614CE8-901C-494E-AD09-124CF14C4D6D}"/>
+                  <a16:creationId xmlns:a16="http://schemas.microsoft.com/office/drawing/2014/main" xmlns="" id="{D6614CE8-901C-494E-AD09-124CF14C4D6D}"/>
                 </a:ext>
               </a:extLst>
             </p:cNvPr>
@@ -18918,7 +18918,7 @@
             <p:cNvPr id="13" name="Rectangle 12">
               <a:extLst>
                 <a:ext uri="{FF2B5EF4-FFF2-40B4-BE49-F238E27FC236}">
-                  <a16:creationId xmlns="" xmlns:a16="http://schemas.microsoft.com/office/drawing/2014/main" id="{B1CE826E-5A2F-6645-8CD9-E9D72E71E460}"/>
+                  <a16:creationId xmlns:a16="http://schemas.microsoft.com/office/drawing/2014/main" xmlns="" id="{B1CE826E-5A2F-6645-8CD9-E9D72E71E460}"/>
                 </a:ext>
               </a:extLst>
             </p:cNvPr>
@@ -18973,7 +18973,7 @@
           <p:cNvPr id="2" name="TextBox 1">
             <a:extLst>
               <a:ext uri="{FF2B5EF4-FFF2-40B4-BE49-F238E27FC236}">
-                <a16:creationId xmlns="" xmlns:a16="http://schemas.microsoft.com/office/drawing/2014/main" id="{0B685838-A6CC-4290-BFCC-18AC6C57AED4}"/>
+                <a16:creationId xmlns:a16="http://schemas.microsoft.com/office/drawing/2014/main" xmlns="" id="{0B685838-A6CC-4290-BFCC-18AC6C57AED4}"/>
               </a:ext>
             </a:extLst>
           </p:cNvPr>
@@ -19133,7 +19133,7 @@
           <p:cNvPr id="8" name="Rectangle 7">
             <a:extLst>
               <a:ext uri="{FF2B5EF4-FFF2-40B4-BE49-F238E27FC236}">
-                <a16:creationId xmlns="" xmlns:a16="http://schemas.microsoft.com/office/drawing/2014/main" id="{9572F161-00D8-1F47-8444-18B06D08E4FB}"/>
+                <a16:creationId xmlns:a16="http://schemas.microsoft.com/office/drawing/2014/main" xmlns="" id="{9572F161-00D8-1F47-8444-18B06D08E4FB}"/>
               </a:ext>
             </a:extLst>
           </p:cNvPr>
@@ -19194,7 +19194,7 @@
           <p:cNvPr id="9" name="Group 8">
             <a:extLst>
               <a:ext uri="{FF2B5EF4-FFF2-40B4-BE49-F238E27FC236}">
-                <a16:creationId xmlns="" xmlns:a16="http://schemas.microsoft.com/office/drawing/2014/main" id="{A624D1AD-5B64-614C-828D-60A83AA81013}"/>
+                <a16:creationId xmlns:a16="http://schemas.microsoft.com/office/drawing/2014/main" xmlns="" id="{A624D1AD-5B64-614C-828D-60A83AA81013}"/>
               </a:ext>
             </a:extLst>
           </p:cNvPr>
@@ -19214,7 +19214,7 @@
             <p:cNvPr id="10" name="TextBox 9">
               <a:extLst>
                 <a:ext uri="{FF2B5EF4-FFF2-40B4-BE49-F238E27FC236}">
-                  <a16:creationId xmlns="" xmlns:a16="http://schemas.microsoft.com/office/drawing/2014/main" id="{D1CD51C8-97BD-BE4B-8F9D-CB2C2D38E9DB}"/>
+                  <a16:creationId xmlns:a16="http://schemas.microsoft.com/office/drawing/2014/main" xmlns="" id="{D1CD51C8-97BD-BE4B-8F9D-CB2C2D38E9DB}"/>
                 </a:ext>
               </a:extLst>
             </p:cNvPr>
@@ -19258,7 +19258,7 @@
             <p:cNvPr id="11" name="Picture 10">
               <a:extLst>
                 <a:ext uri="{FF2B5EF4-FFF2-40B4-BE49-F238E27FC236}">
-                  <a16:creationId xmlns="" xmlns:a16="http://schemas.microsoft.com/office/drawing/2014/main" id="{A5B84310-A8FD-F240-AA87-570F3DCB83C6}"/>
+                  <a16:creationId xmlns:a16="http://schemas.microsoft.com/office/drawing/2014/main" xmlns="" id="{A5B84310-A8FD-F240-AA87-570F3DCB83C6}"/>
                 </a:ext>
               </a:extLst>
             </p:cNvPr>
@@ -19294,7 +19294,7 @@
             <p:cNvPr id="12" name="Picture 11">
               <a:extLst>
                 <a:ext uri="{FF2B5EF4-FFF2-40B4-BE49-F238E27FC236}">
-                  <a16:creationId xmlns="" xmlns:a16="http://schemas.microsoft.com/office/drawing/2014/main" id="{D6614CE8-901C-494E-AD09-124CF14C4D6D}"/>
+                  <a16:creationId xmlns:a16="http://schemas.microsoft.com/office/drawing/2014/main" xmlns="" id="{D6614CE8-901C-494E-AD09-124CF14C4D6D}"/>
                 </a:ext>
               </a:extLst>
             </p:cNvPr>
@@ -19330,7 +19330,7 @@
             <p:cNvPr id="13" name="Rectangle 12">
               <a:extLst>
                 <a:ext uri="{FF2B5EF4-FFF2-40B4-BE49-F238E27FC236}">
-                  <a16:creationId xmlns="" xmlns:a16="http://schemas.microsoft.com/office/drawing/2014/main" id="{B1CE826E-5A2F-6645-8CD9-E9D72E71E460}"/>
+                  <a16:creationId xmlns:a16="http://schemas.microsoft.com/office/drawing/2014/main" xmlns="" id="{B1CE826E-5A2F-6645-8CD9-E9D72E71E460}"/>
                 </a:ext>
               </a:extLst>
             </p:cNvPr>
@@ -19385,7 +19385,7 @@
           <p:cNvPr id="2" name="TextBox 1">
             <a:extLst>
               <a:ext uri="{FF2B5EF4-FFF2-40B4-BE49-F238E27FC236}">
-                <a16:creationId xmlns="" xmlns:a16="http://schemas.microsoft.com/office/drawing/2014/main" id="{0B685838-A6CC-4290-BFCC-18AC6C57AED4}"/>
+                <a16:creationId xmlns:a16="http://schemas.microsoft.com/office/drawing/2014/main" xmlns="" id="{0B685838-A6CC-4290-BFCC-18AC6C57AED4}"/>
               </a:ext>
             </a:extLst>
           </p:cNvPr>
@@ -19427,7 +19427,7 @@
           <p:cNvPr id="19460" name="Picture 4" descr="Logo Node.js">
             <a:extLst>
               <a:ext uri="{FF2B5EF4-FFF2-40B4-BE49-F238E27FC236}">
-                <a16:creationId xmlns="" xmlns:a16="http://schemas.microsoft.com/office/drawing/2014/main" id="{A8D13D35-7001-4927-8300-78D94489BD7C}"/>
+                <a16:creationId xmlns:a16="http://schemas.microsoft.com/office/drawing/2014/main" xmlns="" id="{A8D13D35-7001-4927-8300-78D94489BD7C}"/>
               </a:ext>
             </a:extLst>
           </p:cNvPr>
@@ -19474,7 +19474,7 @@
           <p:cNvPr id="19462" name="Picture 6" descr="Resultat d'imatges de visual studio code">
             <a:extLst>
               <a:ext uri="{FF2B5EF4-FFF2-40B4-BE49-F238E27FC236}">
-                <a16:creationId xmlns="" xmlns:a16="http://schemas.microsoft.com/office/drawing/2014/main" id="{3F237E9E-7879-4D01-9010-D136C008558C}"/>
+                <a16:creationId xmlns:a16="http://schemas.microsoft.com/office/drawing/2014/main" xmlns="" id="{3F237E9E-7879-4D01-9010-D136C008558C}"/>
               </a:ext>
             </a:extLst>
           </p:cNvPr>
@@ -19521,7 +19521,7 @@
           <p:cNvPr id="17" name="Rectangle 16">
             <a:extLst>
               <a:ext uri="{FF2B5EF4-FFF2-40B4-BE49-F238E27FC236}">
-                <a16:creationId xmlns="" xmlns:a16="http://schemas.microsoft.com/office/drawing/2014/main" id="{5473F009-9E38-4AA0-87C7-56F3E731FF9E}"/>
+                <a16:creationId xmlns:a16="http://schemas.microsoft.com/office/drawing/2014/main" xmlns="" id="{5473F009-9E38-4AA0-87C7-56F3E731FF9E}"/>
               </a:ext>
             </a:extLst>
           </p:cNvPr>
@@ -19780,7 +19780,7 @@
           <p:cNvPr id="8" name="Rectangle 7">
             <a:extLst>
               <a:ext uri="{FF2B5EF4-FFF2-40B4-BE49-F238E27FC236}">
-                <a16:creationId xmlns="" xmlns:a16="http://schemas.microsoft.com/office/drawing/2014/main" id="{9572F161-00D8-1F47-8444-18B06D08E4FB}"/>
+                <a16:creationId xmlns:a16="http://schemas.microsoft.com/office/drawing/2014/main" xmlns="" id="{9572F161-00D8-1F47-8444-18B06D08E4FB}"/>
               </a:ext>
             </a:extLst>
           </p:cNvPr>
@@ -19841,7 +19841,7 @@
           <p:cNvPr id="9" name="Group 8">
             <a:extLst>
               <a:ext uri="{FF2B5EF4-FFF2-40B4-BE49-F238E27FC236}">
-                <a16:creationId xmlns="" xmlns:a16="http://schemas.microsoft.com/office/drawing/2014/main" id="{A624D1AD-5B64-614C-828D-60A83AA81013}"/>
+                <a16:creationId xmlns:a16="http://schemas.microsoft.com/office/drawing/2014/main" xmlns="" id="{A624D1AD-5B64-614C-828D-60A83AA81013}"/>
               </a:ext>
             </a:extLst>
           </p:cNvPr>
@@ -19861,7 +19861,7 @@
             <p:cNvPr id="10" name="TextBox 9">
               <a:extLst>
                 <a:ext uri="{FF2B5EF4-FFF2-40B4-BE49-F238E27FC236}">
-                  <a16:creationId xmlns="" xmlns:a16="http://schemas.microsoft.com/office/drawing/2014/main" id="{D1CD51C8-97BD-BE4B-8F9D-CB2C2D38E9DB}"/>
+                  <a16:creationId xmlns:a16="http://schemas.microsoft.com/office/drawing/2014/main" xmlns="" id="{D1CD51C8-97BD-BE4B-8F9D-CB2C2D38E9DB}"/>
                 </a:ext>
               </a:extLst>
             </p:cNvPr>
@@ -19905,7 +19905,7 @@
             <p:cNvPr id="11" name="Picture 10">
               <a:extLst>
                 <a:ext uri="{FF2B5EF4-FFF2-40B4-BE49-F238E27FC236}">
-                  <a16:creationId xmlns="" xmlns:a16="http://schemas.microsoft.com/office/drawing/2014/main" id="{A5B84310-A8FD-F240-AA87-570F3DCB83C6}"/>
+                  <a16:creationId xmlns:a16="http://schemas.microsoft.com/office/drawing/2014/main" xmlns="" id="{A5B84310-A8FD-F240-AA87-570F3DCB83C6}"/>
                 </a:ext>
               </a:extLst>
             </p:cNvPr>
@@ -19941,7 +19941,7 @@
             <p:cNvPr id="12" name="Picture 11">
               <a:extLst>
                 <a:ext uri="{FF2B5EF4-FFF2-40B4-BE49-F238E27FC236}">
-                  <a16:creationId xmlns="" xmlns:a16="http://schemas.microsoft.com/office/drawing/2014/main" id="{D6614CE8-901C-494E-AD09-124CF14C4D6D}"/>
+                  <a16:creationId xmlns:a16="http://schemas.microsoft.com/office/drawing/2014/main" xmlns="" id="{D6614CE8-901C-494E-AD09-124CF14C4D6D}"/>
                 </a:ext>
               </a:extLst>
             </p:cNvPr>
@@ -19977,7 +19977,7 @@
             <p:cNvPr id="13" name="Rectangle 12">
               <a:extLst>
                 <a:ext uri="{FF2B5EF4-FFF2-40B4-BE49-F238E27FC236}">
-                  <a16:creationId xmlns="" xmlns:a16="http://schemas.microsoft.com/office/drawing/2014/main" id="{B1CE826E-5A2F-6645-8CD9-E9D72E71E460}"/>
+                  <a16:creationId xmlns:a16="http://schemas.microsoft.com/office/drawing/2014/main" xmlns="" id="{B1CE826E-5A2F-6645-8CD9-E9D72E71E460}"/>
                 </a:ext>
               </a:extLst>
             </p:cNvPr>
@@ -20032,7 +20032,7 @@
           <p:cNvPr id="15" name="TextBox 14">
             <a:extLst>
               <a:ext uri="{FF2B5EF4-FFF2-40B4-BE49-F238E27FC236}">
-                <a16:creationId xmlns="" xmlns:a16="http://schemas.microsoft.com/office/drawing/2014/main" id="{C76BE2F8-D330-45FC-8C7C-1DB92802D000}"/>
+                <a16:creationId xmlns:a16="http://schemas.microsoft.com/office/drawing/2014/main" xmlns="" id="{C76BE2F8-D330-45FC-8C7C-1DB92802D000}"/>
               </a:ext>
             </a:extLst>
           </p:cNvPr>
@@ -20074,7 +20074,7 @@
           <p:cNvPr id="4" name="Picture 3">
             <a:extLst>
               <a:ext uri="{FF2B5EF4-FFF2-40B4-BE49-F238E27FC236}">
-                <a16:creationId xmlns="" xmlns:a16="http://schemas.microsoft.com/office/drawing/2014/main" id="{D64F43F2-761B-432F-B24B-BEE52D3235DF}"/>
+                <a16:creationId xmlns:a16="http://schemas.microsoft.com/office/drawing/2014/main" xmlns="" id="{D64F43F2-761B-432F-B24B-BEE52D3235DF}"/>
               </a:ext>
             </a:extLst>
           </p:cNvPr>
@@ -20109,7 +20109,7 @@
           <p:cNvPr id="5" name="Rectangle 4">
             <a:extLst>
               <a:ext uri="{FF2B5EF4-FFF2-40B4-BE49-F238E27FC236}">
-                <a16:creationId xmlns="" xmlns:a16="http://schemas.microsoft.com/office/drawing/2014/main" id="{BA486C5A-06CD-4C04-9E72-A09E00710F01}"/>
+                <a16:creationId xmlns:a16="http://schemas.microsoft.com/office/drawing/2014/main" xmlns="" id="{BA486C5A-06CD-4C04-9E72-A09E00710F01}"/>
               </a:ext>
             </a:extLst>
           </p:cNvPr>
@@ -20161,7 +20161,7 @@
           <p:cNvPr id="16" name="Rectangle 15">
             <a:extLst>
               <a:ext uri="{FF2B5EF4-FFF2-40B4-BE49-F238E27FC236}">
-                <a16:creationId xmlns="" xmlns:a16="http://schemas.microsoft.com/office/drawing/2014/main" id="{55AD66B5-4969-4E5E-A0AA-085AF606A185}"/>
+                <a16:creationId xmlns:a16="http://schemas.microsoft.com/office/drawing/2014/main" xmlns="" id="{55AD66B5-4969-4E5E-A0AA-085AF606A185}"/>
               </a:ext>
             </a:extLst>
           </p:cNvPr>
@@ -20250,7 +20250,7 @@
           <p:cNvPr id="8" name="Rectangle 7">
             <a:extLst>
               <a:ext uri="{FF2B5EF4-FFF2-40B4-BE49-F238E27FC236}">
-                <a16:creationId xmlns="" xmlns:a16="http://schemas.microsoft.com/office/drawing/2014/main" id="{9572F161-00D8-1F47-8444-18B06D08E4FB}"/>
+                <a16:creationId xmlns:a16="http://schemas.microsoft.com/office/drawing/2014/main" xmlns="" id="{9572F161-00D8-1F47-8444-18B06D08E4FB}"/>
               </a:ext>
             </a:extLst>
           </p:cNvPr>
@@ -20311,7 +20311,7 @@
           <p:cNvPr id="9" name="Group 8">
             <a:extLst>
               <a:ext uri="{FF2B5EF4-FFF2-40B4-BE49-F238E27FC236}">
-                <a16:creationId xmlns="" xmlns:a16="http://schemas.microsoft.com/office/drawing/2014/main" id="{A624D1AD-5B64-614C-828D-60A83AA81013}"/>
+                <a16:creationId xmlns:a16="http://schemas.microsoft.com/office/drawing/2014/main" xmlns="" id="{A624D1AD-5B64-614C-828D-60A83AA81013}"/>
               </a:ext>
             </a:extLst>
           </p:cNvPr>
@@ -20331,7 +20331,7 @@
             <p:cNvPr id="10" name="TextBox 9">
               <a:extLst>
                 <a:ext uri="{FF2B5EF4-FFF2-40B4-BE49-F238E27FC236}">
-                  <a16:creationId xmlns="" xmlns:a16="http://schemas.microsoft.com/office/drawing/2014/main" id="{D1CD51C8-97BD-BE4B-8F9D-CB2C2D38E9DB}"/>
+                  <a16:creationId xmlns:a16="http://schemas.microsoft.com/office/drawing/2014/main" xmlns="" id="{D1CD51C8-97BD-BE4B-8F9D-CB2C2D38E9DB}"/>
                 </a:ext>
               </a:extLst>
             </p:cNvPr>
@@ -20375,7 +20375,7 @@
             <p:cNvPr id="11" name="Picture 10">
               <a:extLst>
                 <a:ext uri="{FF2B5EF4-FFF2-40B4-BE49-F238E27FC236}">
-                  <a16:creationId xmlns="" xmlns:a16="http://schemas.microsoft.com/office/drawing/2014/main" id="{A5B84310-A8FD-F240-AA87-570F3DCB83C6}"/>
+                  <a16:creationId xmlns:a16="http://schemas.microsoft.com/office/drawing/2014/main" xmlns="" id="{A5B84310-A8FD-F240-AA87-570F3DCB83C6}"/>
                 </a:ext>
               </a:extLst>
             </p:cNvPr>
@@ -20411,7 +20411,7 @@
             <p:cNvPr id="12" name="Picture 11">
               <a:extLst>
                 <a:ext uri="{FF2B5EF4-FFF2-40B4-BE49-F238E27FC236}">
-                  <a16:creationId xmlns="" xmlns:a16="http://schemas.microsoft.com/office/drawing/2014/main" id="{D6614CE8-901C-494E-AD09-124CF14C4D6D}"/>
+                  <a16:creationId xmlns:a16="http://schemas.microsoft.com/office/drawing/2014/main" xmlns="" id="{D6614CE8-901C-494E-AD09-124CF14C4D6D}"/>
                 </a:ext>
               </a:extLst>
             </p:cNvPr>
@@ -20447,7 +20447,7 @@
             <p:cNvPr id="13" name="Rectangle 12">
               <a:extLst>
                 <a:ext uri="{FF2B5EF4-FFF2-40B4-BE49-F238E27FC236}">
-                  <a16:creationId xmlns="" xmlns:a16="http://schemas.microsoft.com/office/drawing/2014/main" id="{B1CE826E-5A2F-6645-8CD9-E9D72E71E460}"/>
+                  <a16:creationId xmlns:a16="http://schemas.microsoft.com/office/drawing/2014/main" xmlns="" id="{B1CE826E-5A2F-6645-8CD9-E9D72E71E460}"/>
                 </a:ext>
               </a:extLst>
             </p:cNvPr>
@@ -20502,7 +20502,7 @@
           <p:cNvPr id="4" name="Picture 3">
             <a:extLst>
               <a:ext uri="{FF2B5EF4-FFF2-40B4-BE49-F238E27FC236}">
-                <a16:creationId xmlns="" xmlns:a16="http://schemas.microsoft.com/office/drawing/2014/main" id="{2A82D7CB-27D5-40C6-8194-4F853BA4DDB4}"/>
+                <a16:creationId xmlns:a16="http://schemas.microsoft.com/office/drawing/2014/main" xmlns="" id="{2A82D7CB-27D5-40C6-8194-4F853BA4DDB4}"/>
               </a:ext>
             </a:extLst>
           </p:cNvPr>
@@ -20537,7 +20537,7 @@
           <p:cNvPr id="15" name="TextBox 14">
             <a:extLst>
               <a:ext uri="{FF2B5EF4-FFF2-40B4-BE49-F238E27FC236}">
-                <a16:creationId xmlns="" xmlns:a16="http://schemas.microsoft.com/office/drawing/2014/main" id="{26250C0A-E641-4C2B-9281-A5D17CDF2C1B}"/>
+                <a16:creationId xmlns:a16="http://schemas.microsoft.com/office/drawing/2014/main" xmlns="" id="{26250C0A-E641-4C2B-9281-A5D17CDF2C1B}"/>
               </a:ext>
             </a:extLst>
           </p:cNvPr>
@@ -20579,7 +20579,7 @@
           <p:cNvPr id="16" name="Rectangle 15">
             <a:extLst>
               <a:ext uri="{FF2B5EF4-FFF2-40B4-BE49-F238E27FC236}">
-                <a16:creationId xmlns="" xmlns:a16="http://schemas.microsoft.com/office/drawing/2014/main" id="{DAD8F8FB-9946-4EC9-B630-B4D1A4D7D408}"/>
+                <a16:creationId xmlns:a16="http://schemas.microsoft.com/office/drawing/2014/main" xmlns="" id="{DAD8F8FB-9946-4EC9-B630-B4D1A4D7D408}"/>
               </a:ext>
             </a:extLst>
           </p:cNvPr>
@@ -20668,7 +20668,7 @@
           <p:cNvPr id="8" name="Rectangle 7">
             <a:extLst>
               <a:ext uri="{FF2B5EF4-FFF2-40B4-BE49-F238E27FC236}">
-                <a16:creationId xmlns="" xmlns:a16="http://schemas.microsoft.com/office/drawing/2014/main" id="{9572F161-00D8-1F47-8444-18B06D08E4FB}"/>
+                <a16:creationId xmlns:a16="http://schemas.microsoft.com/office/drawing/2014/main" xmlns="" id="{9572F161-00D8-1F47-8444-18B06D08E4FB}"/>
               </a:ext>
             </a:extLst>
           </p:cNvPr>
@@ -20729,7 +20729,7 @@
           <p:cNvPr id="9" name="Group 8">
             <a:extLst>
               <a:ext uri="{FF2B5EF4-FFF2-40B4-BE49-F238E27FC236}">
-                <a16:creationId xmlns="" xmlns:a16="http://schemas.microsoft.com/office/drawing/2014/main" id="{A624D1AD-5B64-614C-828D-60A83AA81013}"/>
+                <a16:creationId xmlns:a16="http://schemas.microsoft.com/office/drawing/2014/main" xmlns="" id="{A624D1AD-5B64-614C-828D-60A83AA81013}"/>
               </a:ext>
             </a:extLst>
           </p:cNvPr>
@@ -20749,7 +20749,7 @@
             <p:cNvPr id="10" name="TextBox 9">
               <a:extLst>
                 <a:ext uri="{FF2B5EF4-FFF2-40B4-BE49-F238E27FC236}">
-                  <a16:creationId xmlns="" xmlns:a16="http://schemas.microsoft.com/office/drawing/2014/main" id="{D1CD51C8-97BD-BE4B-8F9D-CB2C2D38E9DB}"/>
+                  <a16:creationId xmlns:a16="http://schemas.microsoft.com/office/drawing/2014/main" xmlns="" id="{D1CD51C8-97BD-BE4B-8F9D-CB2C2D38E9DB}"/>
                 </a:ext>
               </a:extLst>
             </p:cNvPr>
@@ -20793,7 +20793,7 @@
             <p:cNvPr id="11" name="Picture 10">
               <a:extLst>
                 <a:ext uri="{FF2B5EF4-FFF2-40B4-BE49-F238E27FC236}">
-                  <a16:creationId xmlns="" xmlns:a16="http://schemas.microsoft.com/office/drawing/2014/main" id="{A5B84310-A8FD-F240-AA87-570F3DCB83C6}"/>
+                  <a16:creationId xmlns:a16="http://schemas.microsoft.com/office/drawing/2014/main" xmlns="" id="{A5B84310-A8FD-F240-AA87-570F3DCB83C6}"/>
                 </a:ext>
               </a:extLst>
             </p:cNvPr>
@@ -20829,7 +20829,7 @@
             <p:cNvPr id="12" name="Picture 11">
               <a:extLst>
                 <a:ext uri="{FF2B5EF4-FFF2-40B4-BE49-F238E27FC236}">
-                  <a16:creationId xmlns="" xmlns:a16="http://schemas.microsoft.com/office/drawing/2014/main" id="{D6614CE8-901C-494E-AD09-124CF14C4D6D}"/>
+                  <a16:creationId xmlns:a16="http://schemas.microsoft.com/office/drawing/2014/main" xmlns="" id="{D6614CE8-901C-494E-AD09-124CF14C4D6D}"/>
                 </a:ext>
               </a:extLst>
             </p:cNvPr>
@@ -20865,7 +20865,7 @@
             <p:cNvPr id="13" name="Rectangle 12">
               <a:extLst>
                 <a:ext uri="{FF2B5EF4-FFF2-40B4-BE49-F238E27FC236}">
-                  <a16:creationId xmlns="" xmlns:a16="http://schemas.microsoft.com/office/drawing/2014/main" id="{B1CE826E-5A2F-6645-8CD9-E9D72E71E460}"/>
+                  <a16:creationId xmlns:a16="http://schemas.microsoft.com/office/drawing/2014/main" xmlns="" id="{B1CE826E-5A2F-6645-8CD9-E9D72E71E460}"/>
                 </a:ext>
               </a:extLst>
             </p:cNvPr>
@@ -20920,7 +20920,7 @@
           <p:cNvPr id="14" name="Rectangle 13">
             <a:extLst>
               <a:ext uri="{FF2B5EF4-FFF2-40B4-BE49-F238E27FC236}">
-                <a16:creationId xmlns="" xmlns:a16="http://schemas.microsoft.com/office/drawing/2014/main" id="{64174399-0DA1-4117-8DD4-3DB56A20FF2C}"/>
+                <a16:creationId xmlns:a16="http://schemas.microsoft.com/office/drawing/2014/main" xmlns="" id="{64174399-0DA1-4117-8DD4-3DB56A20FF2C}"/>
               </a:ext>
             </a:extLst>
           </p:cNvPr>
@@ -21118,7 +21118,7 @@
           <p:cNvPr id="15" name="TextBox 14">
             <a:extLst>
               <a:ext uri="{FF2B5EF4-FFF2-40B4-BE49-F238E27FC236}">
-                <a16:creationId xmlns="" xmlns:a16="http://schemas.microsoft.com/office/drawing/2014/main" id="{6CF3ED2F-2E9E-4319-97D6-06BE6E525547}"/>
+                <a16:creationId xmlns:a16="http://schemas.microsoft.com/office/drawing/2014/main" xmlns="" id="{6CF3ED2F-2E9E-4319-97D6-06BE6E525547}"/>
               </a:ext>
             </a:extLst>
           </p:cNvPr>
@@ -21197,7 +21197,7 @@
           <p:cNvPr id="8" name="Rectangle 7">
             <a:extLst>
               <a:ext uri="{FF2B5EF4-FFF2-40B4-BE49-F238E27FC236}">
-                <a16:creationId xmlns="" xmlns:a16="http://schemas.microsoft.com/office/drawing/2014/main" id="{9572F161-00D8-1F47-8444-18B06D08E4FB}"/>
+                <a16:creationId xmlns:a16="http://schemas.microsoft.com/office/drawing/2014/main" xmlns="" id="{9572F161-00D8-1F47-8444-18B06D08E4FB}"/>
               </a:ext>
             </a:extLst>
           </p:cNvPr>
@@ -21258,7 +21258,7 @@
           <p:cNvPr id="9" name="Group 8">
             <a:extLst>
               <a:ext uri="{FF2B5EF4-FFF2-40B4-BE49-F238E27FC236}">
-                <a16:creationId xmlns="" xmlns:a16="http://schemas.microsoft.com/office/drawing/2014/main" id="{A624D1AD-5B64-614C-828D-60A83AA81013}"/>
+                <a16:creationId xmlns:a16="http://schemas.microsoft.com/office/drawing/2014/main" xmlns="" id="{A624D1AD-5B64-614C-828D-60A83AA81013}"/>
               </a:ext>
             </a:extLst>
           </p:cNvPr>
@@ -21278,7 +21278,7 @@
             <p:cNvPr id="10" name="TextBox 9">
               <a:extLst>
                 <a:ext uri="{FF2B5EF4-FFF2-40B4-BE49-F238E27FC236}">
-                  <a16:creationId xmlns="" xmlns:a16="http://schemas.microsoft.com/office/drawing/2014/main" id="{D1CD51C8-97BD-BE4B-8F9D-CB2C2D38E9DB}"/>
+                  <a16:creationId xmlns:a16="http://schemas.microsoft.com/office/drawing/2014/main" xmlns="" id="{D1CD51C8-97BD-BE4B-8F9D-CB2C2D38E9DB}"/>
                 </a:ext>
               </a:extLst>
             </p:cNvPr>
@@ -21322,7 +21322,7 @@
             <p:cNvPr id="11" name="Picture 10">
               <a:extLst>
                 <a:ext uri="{FF2B5EF4-FFF2-40B4-BE49-F238E27FC236}">
-                  <a16:creationId xmlns="" xmlns:a16="http://schemas.microsoft.com/office/drawing/2014/main" id="{A5B84310-A8FD-F240-AA87-570F3DCB83C6}"/>
+                  <a16:creationId xmlns:a16="http://schemas.microsoft.com/office/drawing/2014/main" xmlns="" id="{A5B84310-A8FD-F240-AA87-570F3DCB83C6}"/>
                 </a:ext>
               </a:extLst>
             </p:cNvPr>
@@ -21358,7 +21358,7 @@
             <p:cNvPr id="12" name="Picture 11">
               <a:extLst>
                 <a:ext uri="{FF2B5EF4-FFF2-40B4-BE49-F238E27FC236}">
-                  <a16:creationId xmlns="" xmlns:a16="http://schemas.microsoft.com/office/drawing/2014/main" id="{D6614CE8-901C-494E-AD09-124CF14C4D6D}"/>
+                  <a16:creationId xmlns:a16="http://schemas.microsoft.com/office/drawing/2014/main" xmlns="" id="{D6614CE8-901C-494E-AD09-124CF14C4D6D}"/>
                 </a:ext>
               </a:extLst>
             </p:cNvPr>
@@ -21394,7 +21394,7 @@
             <p:cNvPr id="13" name="Rectangle 12">
               <a:extLst>
                 <a:ext uri="{FF2B5EF4-FFF2-40B4-BE49-F238E27FC236}">
-                  <a16:creationId xmlns="" xmlns:a16="http://schemas.microsoft.com/office/drawing/2014/main" id="{B1CE826E-5A2F-6645-8CD9-E9D72E71E460}"/>
+                  <a16:creationId xmlns:a16="http://schemas.microsoft.com/office/drawing/2014/main" xmlns="" id="{B1CE826E-5A2F-6645-8CD9-E9D72E71E460}"/>
                 </a:ext>
               </a:extLst>
             </p:cNvPr>
@@ -21449,7 +21449,7 @@
           <p:cNvPr id="14" name="TextBox 13">
             <a:extLst>
               <a:ext uri="{FF2B5EF4-FFF2-40B4-BE49-F238E27FC236}">
-                <a16:creationId xmlns="" xmlns:a16="http://schemas.microsoft.com/office/drawing/2014/main" id="{54245D60-866D-4D1F-9CF6-1E55CAFF8628}"/>
+                <a16:creationId xmlns:a16="http://schemas.microsoft.com/office/drawing/2014/main" xmlns="" id="{54245D60-866D-4D1F-9CF6-1E55CAFF8628}"/>
               </a:ext>
             </a:extLst>
           </p:cNvPr>
@@ -21491,7 +21491,7 @@
           <p:cNvPr id="4" name="Picture 3">
             <a:extLst>
               <a:ext uri="{FF2B5EF4-FFF2-40B4-BE49-F238E27FC236}">
-                <a16:creationId xmlns="" xmlns:a16="http://schemas.microsoft.com/office/drawing/2014/main" id="{046BEA95-9247-47A7-8F85-B1393DD549C8}"/>
+                <a16:creationId xmlns:a16="http://schemas.microsoft.com/office/drawing/2014/main" xmlns="" id="{046BEA95-9247-47A7-8F85-B1393DD549C8}"/>
               </a:ext>
             </a:extLst>
           </p:cNvPr>
@@ -21564,7 +21564,7 @@
           <p:cNvPr id="8" name="Rectangle 7">
             <a:extLst>
               <a:ext uri="{FF2B5EF4-FFF2-40B4-BE49-F238E27FC236}">
-                <a16:creationId xmlns="" xmlns:a16="http://schemas.microsoft.com/office/drawing/2014/main" id="{9572F161-00D8-1F47-8444-18B06D08E4FB}"/>
+                <a16:creationId xmlns:a16="http://schemas.microsoft.com/office/drawing/2014/main" xmlns="" id="{9572F161-00D8-1F47-8444-18B06D08E4FB}"/>
               </a:ext>
             </a:extLst>
           </p:cNvPr>
@@ -21625,7 +21625,7 @@
           <p:cNvPr id="9" name="Group 8">
             <a:extLst>
               <a:ext uri="{FF2B5EF4-FFF2-40B4-BE49-F238E27FC236}">
-                <a16:creationId xmlns="" xmlns:a16="http://schemas.microsoft.com/office/drawing/2014/main" id="{A624D1AD-5B64-614C-828D-60A83AA81013}"/>
+                <a16:creationId xmlns:a16="http://schemas.microsoft.com/office/drawing/2014/main" xmlns="" id="{A624D1AD-5B64-614C-828D-60A83AA81013}"/>
               </a:ext>
             </a:extLst>
           </p:cNvPr>
@@ -21645,7 +21645,7 @@
             <p:cNvPr id="10" name="TextBox 9">
               <a:extLst>
                 <a:ext uri="{FF2B5EF4-FFF2-40B4-BE49-F238E27FC236}">
-                  <a16:creationId xmlns="" xmlns:a16="http://schemas.microsoft.com/office/drawing/2014/main" id="{D1CD51C8-97BD-BE4B-8F9D-CB2C2D38E9DB}"/>
+                  <a16:creationId xmlns:a16="http://schemas.microsoft.com/office/drawing/2014/main" xmlns="" id="{D1CD51C8-97BD-BE4B-8F9D-CB2C2D38E9DB}"/>
                 </a:ext>
               </a:extLst>
             </p:cNvPr>
@@ -21689,7 +21689,7 @@
             <p:cNvPr id="11" name="Picture 10">
               <a:extLst>
                 <a:ext uri="{FF2B5EF4-FFF2-40B4-BE49-F238E27FC236}">
-                  <a16:creationId xmlns="" xmlns:a16="http://schemas.microsoft.com/office/drawing/2014/main" id="{A5B84310-A8FD-F240-AA87-570F3DCB83C6}"/>
+                  <a16:creationId xmlns:a16="http://schemas.microsoft.com/office/drawing/2014/main" xmlns="" id="{A5B84310-A8FD-F240-AA87-570F3DCB83C6}"/>
                 </a:ext>
               </a:extLst>
             </p:cNvPr>
@@ -21725,7 +21725,7 @@
             <p:cNvPr id="12" name="Picture 11">
               <a:extLst>
                 <a:ext uri="{FF2B5EF4-FFF2-40B4-BE49-F238E27FC236}">
-                  <a16:creationId xmlns="" xmlns:a16="http://schemas.microsoft.com/office/drawing/2014/main" id="{D6614CE8-901C-494E-AD09-124CF14C4D6D}"/>
+                  <a16:creationId xmlns:a16="http://schemas.microsoft.com/office/drawing/2014/main" xmlns="" id="{D6614CE8-901C-494E-AD09-124CF14C4D6D}"/>
                 </a:ext>
               </a:extLst>
             </p:cNvPr>
@@ -21761,7 +21761,7 @@
             <p:cNvPr id="13" name="Rectangle 12">
               <a:extLst>
                 <a:ext uri="{FF2B5EF4-FFF2-40B4-BE49-F238E27FC236}">
-                  <a16:creationId xmlns="" xmlns:a16="http://schemas.microsoft.com/office/drawing/2014/main" id="{B1CE826E-5A2F-6645-8CD9-E9D72E71E460}"/>
+                  <a16:creationId xmlns:a16="http://schemas.microsoft.com/office/drawing/2014/main" xmlns="" id="{B1CE826E-5A2F-6645-8CD9-E9D72E71E460}"/>
                 </a:ext>
               </a:extLst>
             </p:cNvPr>
@@ -21816,7 +21816,7 @@
           <p:cNvPr id="14" name="TextBox 13">
             <a:extLst>
               <a:ext uri="{FF2B5EF4-FFF2-40B4-BE49-F238E27FC236}">
-                <a16:creationId xmlns="" xmlns:a16="http://schemas.microsoft.com/office/drawing/2014/main" id="{54245D60-866D-4D1F-9CF6-1E55CAFF8628}"/>
+                <a16:creationId xmlns:a16="http://schemas.microsoft.com/office/drawing/2014/main" xmlns="" id="{54245D60-866D-4D1F-9CF6-1E55CAFF8628}"/>
               </a:ext>
             </a:extLst>
           </p:cNvPr>
@@ -21888,7 +21888,7 @@
           <p:cNvPr id="16" name="TextBox 3">
             <a:extLst>
               <a:ext uri="{FF2B5EF4-FFF2-40B4-BE49-F238E27FC236}">
-                <a16:creationId xmlns="" xmlns:a16="http://schemas.microsoft.com/office/drawing/2014/main" id="{4E2CAC2C-2135-4CB2-88B8-A43901577760}"/>
+                <a16:creationId xmlns:a16="http://schemas.microsoft.com/office/drawing/2014/main" xmlns="" id="{4E2CAC2C-2135-4CB2-88B8-A43901577760}"/>
               </a:ext>
             </a:extLst>
           </p:cNvPr>
@@ -22077,7 +22077,7 @@
           <p:cNvPr id="8" name="Rectangle 7">
             <a:extLst>
               <a:ext uri="{FF2B5EF4-FFF2-40B4-BE49-F238E27FC236}">
-                <a16:creationId xmlns="" xmlns:a16="http://schemas.microsoft.com/office/drawing/2014/main" id="{9572F161-00D8-1F47-8444-18B06D08E4FB}"/>
+                <a16:creationId xmlns:a16="http://schemas.microsoft.com/office/drawing/2014/main" xmlns="" id="{9572F161-00D8-1F47-8444-18B06D08E4FB}"/>
               </a:ext>
             </a:extLst>
           </p:cNvPr>
@@ -22138,7 +22138,7 @@
           <p:cNvPr id="9" name="Group 8">
             <a:extLst>
               <a:ext uri="{FF2B5EF4-FFF2-40B4-BE49-F238E27FC236}">
-                <a16:creationId xmlns="" xmlns:a16="http://schemas.microsoft.com/office/drawing/2014/main" id="{A624D1AD-5B64-614C-828D-60A83AA81013}"/>
+                <a16:creationId xmlns:a16="http://schemas.microsoft.com/office/drawing/2014/main" xmlns="" id="{A624D1AD-5B64-614C-828D-60A83AA81013}"/>
               </a:ext>
             </a:extLst>
           </p:cNvPr>
@@ -22158,7 +22158,7 @@
             <p:cNvPr id="10" name="TextBox 9">
               <a:extLst>
                 <a:ext uri="{FF2B5EF4-FFF2-40B4-BE49-F238E27FC236}">
-                  <a16:creationId xmlns="" xmlns:a16="http://schemas.microsoft.com/office/drawing/2014/main" id="{D1CD51C8-97BD-BE4B-8F9D-CB2C2D38E9DB}"/>
+                  <a16:creationId xmlns:a16="http://schemas.microsoft.com/office/drawing/2014/main" xmlns="" id="{D1CD51C8-97BD-BE4B-8F9D-CB2C2D38E9DB}"/>
                 </a:ext>
               </a:extLst>
             </p:cNvPr>
@@ -22202,7 +22202,7 @@
             <p:cNvPr id="11" name="Picture 10">
               <a:extLst>
                 <a:ext uri="{FF2B5EF4-FFF2-40B4-BE49-F238E27FC236}">
-                  <a16:creationId xmlns="" xmlns:a16="http://schemas.microsoft.com/office/drawing/2014/main" id="{A5B84310-A8FD-F240-AA87-570F3DCB83C6}"/>
+                  <a16:creationId xmlns:a16="http://schemas.microsoft.com/office/drawing/2014/main" xmlns="" id="{A5B84310-A8FD-F240-AA87-570F3DCB83C6}"/>
                 </a:ext>
               </a:extLst>
             </p:cNvPr>
@@ -22238,7 +22238,7 @@
             <p:cNvPr id="12" name="Picture 11">
               <a:extLst>
                 <a:ext uri="{FF2B5EF4-FFF2-40B4-BE49-F238E27FC236}">
-                  <a16:creationId xmlns="" xmlns:a16="http://schemas.microsoft.com/office/drawing/2014/main" id="{D6614CE8-901C-494E-AD09-124CF14C4D6D}"/>
+                  <a16:creationId xmlns:a16="http://schemas.microsoft.com/office/drawing/2014/main" xmlns="" id="{D6614CE8-901C-494E-AD09-124CF14C4D6D}"/>
                 </a:ext>
               </a:extLst>
             </p:cNvPr>
@@ -22274,7 +22274,7 @@
             <p:cNvPr id="13" name="Rectangle 12">
               <a:extLst>
                 <a:ext uri="{FF2B5EF4-FFF2-40B4-BE49-F238E27FC236}">
-                  <a16:creationId xmlns="" xmlns:a16="http://schemas.microsoft.com/office/drawing/2014/main" id="{B1CE826E-5A2F-6645-8CD9-E9D72E71E460}"/>
+                  <a16:creationId xmlns:a16="http://schemas.microsoft.com/office/drawing/2014/main" xmlns="" id="{B1CE826E-5A2F-6645-8CD9-E9D72E71E460}"/>
                 </a:ext>
               </a:extLst>
             </p:cNvPr>
@@ -22329,7 +22329,7 @@
           <p:cNvPr id="14" name="TextBox 13">
             <a:extLst>
               <a:ext uri="{FF2B5EF4-FFF2-40B4-BE49-F238E27FC236}">
-                <a16:creationId xmlns="" xmlns:a16="http://schemas.microsoft.com/office/drawing/2014/main" id="{54245D60-866D-4D1F-9CF6-1E55CAFF8628}"/>
+                <a16:creationId xmlns:a16="http://schemas.microsoft.com/office/drawing/2014/main" xmlns="" id="{54245D60-866D-4D1F-9CF6-1E55CAFF8628}"/>
               </a:ext>
             </a:extLst>
           </p:cNvPr>
@@ -22401,7 +22401,7 @@
           <p:cNvPr id="15" name="TextBox 3">
             <a:extLst>
               <a:ext uri="{FF2B5EF4-FFF2-40B4-BE49-F238E27FC236}">
-                <a16:creationId xmlns="" xmlns:a16="http://schemas.microsoft.com/office/drawing/2014/main" id="{4E2CAC2C-2135-4CB2-88B8-A43901577760}"/>
+                <a16:creationId xmlns:a16="http://schemas.microsoft.com/office/drawing/2014/main" xmlns="" id="{4E2CAC2C-2135-4CB2-88B8-A43901577760}"/>
               </a:ext>
             </a:extLst>
           </p:cNvPr>
@@ -22611,7 +22611,7 @@
           <p:cNvPr id="8" name="Rectangle 7">
             <a:extLst>
               <a:ext uri="{FF2B5EF4-FFF2-40B4-BE49-F238E27FC236}">
-                <a16:creationId xmlns="" xmlns:a16="http://schemas.microsoft.com/office/drawing/2014/main" id="{9572F161-00D8-1F47-8444-18B06D08E4FB}"/>
+                <a16:creationId xmlns:a16="http://schemas.microsoft.com/office/drawing/2014/main" xmlns="" id="{9572F161-00D8-1F47-8444-18B06D08E4FB}"/>
               </a:ext>
             </a:extLst>
           </p:cNvPr>
@@ -22672,7 +22672,7 @@
           <p:cNvPr id="9" name="Group 8">
             <a:extLst>
               <a:ext uri="{FF2B5EF4-FFF2-40B4-BE49-F238E27FC236}">
-                <a16:creationId xmlns="" xmlns:a16="http://schemas.microsoft.com/office/drawing/2014/main" id="{A624D1AD-5B64-614C-828D-60A83AA81013}"/>
+                <a16:creationId xmlns:a16="http://schemas.microsoft.com/office/drawing/2014/main" xmlns="" id="{A624D1AD-5B64-614C-828D-60A83AA81013}"/>
               </a:ext>
             </a:extLst>
           </p:cNvPr>
@@ -22692,7 +22692,7 @@
             <p:cNvPr id="10" name="TextBox 9">
               <a:extLst>
                 <a:ext uri="{FF2B5EF4-FFF2-40B4-BE49-F238E27FC236}">
-                  <a16:creationId xmlns="" xmlns:a16="http://schemas.microsoft.com/office/drawing/2014/main" id="{D1CD51C8-97BD-BE4B-8F9D-CB2C2D38E9DB}"/>
+                  <a16:creationId xmlns:a16="http://schemas.microsoft.com/office/drawing/2014/main" xmlns="" id="{D1CD51C8-97BD-BE4B-8F9D-CB2C2D38E9DB}"/>
                 </a:ext>
               </a:extLst>
             </p:cNvPr>
@@ -22736,7 +22736,7 @@
             <p:cNvPr id="11" name="Picture 10">
               <a:extLst>
                 <a:ext uri="{FF2B5EF4-FFF2-40B4-BE49-F238E27FC236}">
-                  <a16:creationId xmlns="" xmlns:a16="http://schemas.microsoft.com/office/drawing/2014/main" id="{A5B84310-A8FD-F240-AA87-570F3DCB83C6}"/>
+                  <a16:creationId xmlns:a16="http://schemas.microsoft.com/office/drawing/2014/main" xmlns="" id="{A5B84310-A8FD-F240-AA87-570F3DCB83C6}"/>
                 </a:ext>
               </a:extLst>
             </p:cNvPr>
@@ -22772,7 +22772,7 @@
             <p:cNvPr id="12" name="Picture 11">
               <a:extLst>
                 <a:ext uri="{FF2B5EF4-FFF2-40B4-BE49-F238E27FC236}">
-                  <a16:creationId xmlns="" xmlns:a16="http://schemas.microsoft.com/office/drawing/2014/main" id="{D6614CE8-901C-494E-AD09-124CF14C4D6D}"/>
+                  <a16:creationId xmlns:a16="http://schemas.microsoft.com/office/drawing/2014/main" xmlns="" id="{D6614CE8-901C-494E-AD09-124CF14C4D6D}"/>
                 </a:ext>
               </a:extLst>
             </p:cNvPr>
@@ -22808,7 +22808,7 @@
             <p:cNvPr id="13" name="Rectangle 12">
               <a:extLst>
                 <a:ext uri="{FF2B5EF4-FFF2-40B4-BE49-F238E27FC236}">
-                  <a16:creationId xmlns="" xmlns:a16="http://schemas.microsoft.com/office/drawing/2014/main" id="{B1CE826E-5A2F-6645-8CD9-E9D72E71E460}"/>
+                  <a16:creationId xmlns:a16="http://schemas.microsoft.com/office/drawing/2014/main" xmlns="" id="{B1CE826E-5A2F-6645-8CD9-E9D72E71E460}"/>
                 </a:ext>
               </a:extLst>
             </p:cNvPr>
@@ -22863,7 +22863,7 @@
           <p:cNvPr id="14" name="TextBox 13">
             <a:extLst>
               <a:ext uri="{FF2B5EF4-FFF2-40B4-BE49-F238E27FC236}">
-                <a16:creationId xmlns="" xmlns:a16="http://schemas.microsoft.com/office/drawing/2014/main" id="{54245D60-866D-4D1F-9CF6-1E55CAFF8628}"/>
+                <a16:creationId xmlns:a16="http://schemas.microsoft.com/office/drawing/2014/main" xmlns="" id="{54245D60-866D-4D1F-9CF6-1E55CAFF8628}"/>
               </a:ext>
             </a:extLst>
           </p:cNvPr>
@@ -22935,7 +22935,7 @@
           <p:cNvPr id="15" name="TextBox 3">
             <a:extLst>
               <a:ext uri="{FF2B5EF4-FFF2-40B4-BE49-F238E27FC236}">
-                <a16:creationId xmlns="" xmlns:a16="http://schemas.microsoft.com/office/drawing/2014/main" id="{4E2CAC2C-2135-4CB2-88B8-A43901577760}"/>
+                <a16:creationId xmlns:a16="http://schemas.microsoft.com/office/drawing/2014/main" xmlns="" id="{4E2CAC2C-2135-4CB2-88B8-A43901577760}"/>
               </a:ext>
             </a:extLst>
           </p:cNvPr>
@@ -23174,7 +23174,7 @@
           <p:cNvPr id="8" name="Rectangle 7">
             <a:extLst>
               <a:ext uri="{FF2B5EF4-FFF2-40B4-BE49-F238E27FC236}">
-                <a16:creationId xmlns="" xmlns:a16="http://schemas.microsoft.com/office/drawing/2014/main" id="{9572F161-00D8-1F47-8444-18B06D08E4FB}"/>
+                <a16:creationId xmlns:a16="http://schemas.microsoft.com/office/drawing/2014/main" xmlns="" id="{9572F161-00D8-1F47-8444-18B06D08E4FB}"/>
               </a:ext>
             </a:extLst>
           </p:cNvPr>
@@ -23235,7 +23235,7 @@
           <p:cNvPr id="9" name="Group 8">
             <a:extLst>
               <a:ext uri="{FF2B5EF4-FFF2-40B4-BE49-F238E27FC236}">
-                <a16:creationId xmlns="" xmlns:a16="http://schemas.microsoft.com/office/drawing/2014/main" id="{A624D1AD-5B64-614C-828D-60A83AA81013}"/>
+                <a16:creationId xmlns:a16="http://schemas.microsoft.com/office/drawing/2014/main" xmlns="" id="{A624D1AD-5B64-614C-828D-60A83AA81013}"/>
               </a:ext>
             </a:extLst>
           </p:cNvPr>
@@ -23255,7 +23255,7 @@
             <p:cNvPr id="10" name="TextBox 9">
               <a:extLst>
                 <a:ext uri="{FF2B5EF4-FFF2-40B4-BE49-F238E27FC236}">
-                  <a16:creationId xmlns="" xmlns:a16="http://schemas.microsoft.com/office/drawing/2014/main" id="{D1CD51C8-97BD-BE4B-8F9D-CB2C2D38E9DB}"/>
+                  <a16:creationId xmlns:a16="http://schemas.microsoft.com/office/drawing/2014/main" xmlns="" id="{D1CD51C8-97BD-BE4B-8F9D-CB2C2D38E9DB}"/>
                 </a:ext>
               </a:extLst>
             </p:cNvPr>
@@ -23299,7 +23299,7 @@
             <p:cNvPr id="11" name="Picture 10">
               <a:extLst>
                 <a:ext uri="{FF2B5EF4-FFF2-40B4-BE49-F238E27FC236}">
-                  <a16:creationId xmlns="" xmlns:a16="http://schemas.microsoft.com/office/drawing/2014/main" id="{A5B84310-A8FD-F240-AA87-570F3DCB83C6}"/>
+                  <a16:creationId xmlns:a16="http://schemas.microsoft.com/office/drawing/2014/main" xmlns="" id="{A5B84310-A8FD-F240-AA87-570F3DCB83C6}"/>
                 </a:ext>
               </a:extLst>
             </p:cNvPr>
@@ -23335,7 +23335,7 @@
             <p:cNvPr id="12" name="Picture 11">
               <a:extLst>
                 <a:ext uri="{FF2B5EF4-FFF2-40B4-BE49-F238E27FC236}">
-                  <a16:creationId xmlns="" xmlns:a16="http://schemas.microsoft.com/office/drawing/2014/main" id="{D6614CE8-901C-494E-AD09-124CF14C4D6D}"/>
+                  <a16:creationId xmlns:a16="http://schemas.microsoft.com/office/drawing/2014/main" xmlns="" id="{D6614CE8-901C-494E-AD09-124CF14C4D6D}"/>
                 </a:ext>
               </a:extLst>
             </p:cNvPr>
@@ -23371,7 +23371,7 @@
             <p:cNvPr id="13" name="Rectangle 12">
               <a:extLst>
                 <a:ext uri="{FF2B5EF4-FFF2-40B4-BE49-F238E27FC236}">
-                  <a16:creationId xmlns="" xmlns:a16="http://schemas.microsoft.com/office/drawing/2014/main" id="{B1CE826E-5A2F-6645-8CD9-E9D72E71E460}"/>
+                  <a16:creationId xmlns:a16="http://schemas.microsoft.com/office/drawing/2014/main" xmlns="" id="{B1CE826E-5A2F-6645-8CD9-E9D72E71E460}"/>
                 </a:ext>
               </a:extLst>
             </p:cNvPr>
@@ -23426,7 +23426,7 @@
           <p:cNvPr id="2" name="TextBox 1">
             <a:extLst>
               <a:ext uri="{FF2B5EF4-FFF2-40B4-BE49-F238E27FC236}">
-                <a16:creationId xmlns="" xmlns:a16="http://schemas.microsoft.com/office/drawing/2014/main" id="{0B685838-A6CC-4290-BFCC-18AC6C57AED4}"/>
+                <a16:creationId xmlns:a16="http://schemas.microsoft.com/office/drawing/2014/main" xmlns="" id="{0B685838-A6CC-4290-BFCC-18AC6C57AED4}"/>
               </a:ext>
             </a:extLst>
           </p:cNvPr>
@@ -23503,7 +23503,7 @@
           <p:cNvPr id="8" name="Rectangle 7">
             <a:extLst>
               <a:ext uri="{FF2B5EF4-FFF2-40B4-BE49-F238E27FC236}">
-                <a16:creationId xmlns="" xmlns:a16="http://schemas.microsoft.com/office/drawing/2014/main" id="{9572F161-00D8-1F47-8444-18B06D08E4FB}"/>
+                <a16:creationId xmlns:a16="http://schemas.microsoft.com/office/drawing/2014/main" xmlns="" id="{9572F161-00D8-1F47-8444-18B06D08E4FB}"/>
               </a:ext>
             </a:extLst>
           </p:cNvPr>
@@ -23564,7 +23564,7 @@
           <p:cNvPr id="9" name="Group 8">
             <a:extLst>
               <a:ext uri="{FF2B5EF4-FFF2-40B4-BE49-F238E27FC236}">
-                <a16:creationId xmlns="" xmlns:a16="http://schemas.microsoft.com/office/drawing/2014/main" id="{A624D1AD-5B64-614C-828D-60A83AA81013}"/>
+                <a16:creationId xmlns:a16="http://schemas.microsoft.com/office/drawing/2014/main" xmlns="" id="{A624D1AD-5B64-614C-828D-60A83AA81013}"/>
               </a:ext>
             </a:extLst>
           </p:cNvPr>
@@ -23584,7 +23584,7 @@
             <p:cNvPr id="10" name="TextBox 9">
               <a:extLst>
                 <a:ext uri="{FF2B5EF4-FFF2-40B4-BE49-F238E27FC236}">
-                  <a16:creationId xmlns="" xmlns:a16="http://schemas.microsoft.com/office/drawing/2014/main" id="{D1CD51C8-97BD-BE4B-8F9D-CB2C2D38E9DB}"/>
+                  <a16:creationId xmlns:a16="http://schemas.microsoft.com/office/drawing/2014/main" xmlns="" id="{D1CD51C8-97BD-BE4B-8F9D-CB2C2D38E9DB}"/>
                 </a:ext>
               </a:extLst>
             </p:cNvPr>
@@ -23628,7 +23628,7 @@
             <p:cNvPr id="11" name="Picture 10">
               <a:extLst>
                 <a:ext uri="{FF2B5EF4-FFF2-40B4-BE49-F238E27FC236}">
-                  <a16:creationId xmlns="" xmlns:a16="http://schemas.microsoft.com/office/drawing/2014/main" id="{A5B84310-A8FD-F240-AA87-570F3DCB83C6}"/>
+                  <a16:creationId xmlns:a16="http://schemas.microsoft.com/office/drawing/2014/main" xmlns="" id="{A5B84310-A8FD-F240-AA87-570F3DCB83C6}"/>
                 </a:ext>
               </a:extLst>
             </p:cNvPr>
@@ -23664,7 +23664,7 @@
             <p:cNvPr id="12" name="Picture 11">
               <a:extLst>
                 <a:ext uri="{FF2B5EF4-FFF2-40B4-BE49-F238E27FC236}">
-                  <a16:creationId xmlns="" xmlns:a16="http://schemas.microsoft.com/office/drawing/2014/main" id="{D6614CE8-901C-494E-AD09-124CF14C4D6D}"/>
+                  <a16:creationId xmlns:a16="http://schemas.microsoft.com/office/drawing/2014/main" xmlns="" id="{D6614CE8-901C-494E-AD09-124CF14C4D6D}"/>
                 </a:ext>
               </a:extLst>
             </p:cNvPr>
@@ -23700,7 +23700,7 @@
             <p:cNvPr id="13" name="Rectangle 12">
               <a:extLst>
                 <a:ext uri="{FF2B5EF4-FFF2-40B4-BE49-F238E27FC236}">
-                  <a16:creationId xmlns="" xmlns:a16="http://schemas.microsoft.com/office/drawing/2014/main" id="{B1CE826E-5A2F-6645-8CD9-E9D72E71E460}"/>
+                  <a16:creationId xmlns:a16="http://schemas.microsoft.com/office/drawing/2014/main" xmlns="" id="{B1CE826E-5A2F-6645-8CD9-E9D72E71E460}"/>
                 </a:ext>
               </a:extLst>
             </p:cNvPr>
@@ -23755,7 +23755,7 @@
           <p:cNvPr id="2" name="TextBox 1">
             <a:extLst>
               <a:ext uri="{FF2B5EF4-FFF2-40B4-BE49-F238E27FC236}">
-                <a16:creationId xmlns="" xmlns:a16="http://schemas.microsoft.com/office/drawing/2014/main" id="{0B685838-A6CC-4290-BFCC-18AC6C57AED4}"/>
+                <a16:creationId xmlns:a16="http://schemas.microsoft.com/office/drawing/2014/main" xmlns="" id="{0B685838-A6CC-4290-BFCC-18AC6C57AED4}"/>
               </a:ext>
             </a:extLst>
           </p:cNvPr>
@@ -23902,7 +23902,7 @@
           <p:cNvPr id="8" name="Rectangle 7">
             <a:extLst>
               <a:ext uri="{FF2B5EF4-FFF2-40B4-BE49-F238E27FC236}">
-                <a16:creationId xmlns="" xmlns:a16="http://schemas.microsoft.com/office/drawing/2014/main" id="{9572F161-00D8-1F47-8444-18B06D08E4FB}"/>
+                <a16:creationId xmlns:a16="http://schemas.microsoft.com/office/drawing/2014/main" xmlns="" id="{9572F161-00D8-1F47-8444-18B06D08E4FB}"/>
               </a:ext>
             </a:extLst>
           </p:cNvPr>
@@ -23963,7 +23963,7 @@
           <p:cNvPr id="9" name="Group 8">
             <a:extLst>
               <a:ext uri="{FF2B5EF4-FFF2-40B4-BE49-F238E27FC236}">
-                <a16:creationId xmlns="" xmlns:a16="http://schemas.microsoft.com/office/drawing/2014/main" id="{A624D1AD-5B64-614C-828D-60A83AA81013}"/>
+                <a16:creationId xmlns:a16="http://schemas.microsoft.com/office/drawing/2014/main" xmlns="" id="{A624D1AD-5B64-614C-828D-60A83AA81013}"/>
               </a:ext>
             </a:extLst>
           </p:cNvPr>
@@ -23983,7 +23983,7 @@
             <p:cNvPr id="10" name="TextBox 9">
               <a:extLst>
                 <a:ext uri="{FF2B5EF4-FFF2-40B4-BE49-F238E27FC236}">
-                  <a16:creationId xmlns="" xmlns:a16="http://schemas.microsoft.com/office/drawing/2014/main" id="{D1CD51C8-97BD-BE4B-8F9D-CB2C2D38E9DB}"/>
+                  <a16:creationId xmlns:a16="http://schemas.microsoft.com/office/drawing/2014/main" xmlns="" id="{D1CD51C8-97BD-BE4B-8F9D-CB2C2D38E9DB}"/>
                 </a:ext>
               </a:extLst>
             </p:cNvPr>
@@ -24027,7 +24027,7 @@
             <p:cNvPr id="11" name="Picture 10">
               <a:extLst>
                 <a:ext uri="{FF2B5EF4-FFF2-40B4-BE49-F238E27FC236}">
-                  <a16:creationId xmlns="" xmlns:a16="http://schemas.microsoft.com/office/drawing/2014/main" id="{A5B84310-A8FD-F240-AA87-570F3DCB83C6}"/>
+                  <a16:creationId xmlns:a16="http://schemas.microsoft.com/office/drawing/2014/main" xmlns="" id="{A5B84310-A8FD-F240-AA87-570F3DCB83C6}"/>
                 </a:ext>
               </a:extLst>
             </p:cNvPr>
@@ -24063,7 +24063,7 @@
             <p:cNvPr id="12" name="Picture 11">
               <a:extLst>
                 <a:ext uri="{FF2B5EF4-FFF2-40B4-BE49-F238E27FC236}">
-                  <a16:creationId xmlns="" xmlns:a16="http://schemas.microsoft.com/office/drawing/2014/main" id="{D6614CE8-901C-494E-AD09-124CF14C4D6D}"/>
+                  <a16:creationId xmlns:a16="http://schemas.microsoft.com/office/drawing/2014/main" xmlns="" id="{D6614CE8-901C-494E-AD09-124CF14C4D6D}"/>
                 </a:ext>
               </a:extLst>
             </p:cNvPr>
@@ -24099,7 +24099,7 @@
             <p:cNvPr id="13" name="Rectangle 12">
               <a:extLst>
                 <a:ext uri="{FF2B5EF4-FFF2-40B4-BE49-F238E27FC236}">
-                  <a16:creationId xmlns="" xmlns:a16="http://schemas.microsoft.com/office/drawing/2014/main" id="{B1CE826E-5A2F-6645-8CD9-E9D72E71E460}"/>
+                  <a16:creationId xmlns:a16="http://schemas.microsoft.com/office/drawing/2014/main" xmlns="" id="{B1CE826E-5A2F-6645-8CD9-E9D72E71E460}"/>
                 </a:ext>
               </a:extLst>
             </p:cNvPr>
@@ -24154,7 +24154,7 @@
           <p:cNvPr id="2" name="TextBox 1">
             <a:extLst>
               <a:ext uri="{FF2B5EF4-FFF2-40B4-BE49-F238E27FC236}">
-                <a16:creationId xmlns="" xmlns:a16="http://schemas.microsoft.com/office/drawing/2014/main" id="{0B685838-A6CC-4290-BFCC-18AC6C57AED4}"/>
+                <a16:creationId xmlns:a16="http://schemas.microsoft.com/office/drawing/2014/main" xmlns="" id="{0B685838-A6CC-4290-BFCC-18AC6C57AED4}"/>
               </a:ext>
             </a:extLst>
           </p:cNvPr>
@@ -24226,7 +24226,7 @@
           <p:cNvPr id="8" name="Rectangle 7">
             <a:extLst>
               <a:ext uri="{FF2B5EF4-FFF2-40B4-BE49-F238E27FC236}">
-                <a16:creationId xmlns="" xmlns:a16="http://schemas.microsoft.com/office/drawing/2014/main" id="{9572F161-00D8-1F47-8444-18B06D08E4FB}"/>
+                <a16:creationId xmlns:a16="http://schemas.microsoft.com/office/drawing/2014/main" xmlns="" id="{9572F161-00D8-1F47-8444-18B06D08E4FB}"/>
               </a:ext>
             </a:extLst>
           </p:cNvPr>
@@ -24287,7 +24287,7 @@
           <p:cNvPr id="9" name="Group 8">
             <a:extLst>
               <a:ext uri="{FF2B5EF4-FFF2-40B4-BE49-F238E27FC236}">
-                <a16:creationId xmlns="" xmlns:a16="http://schemas.microsoft.com/office/drawing/2014/main" id="{A624D1AD-5B64-614C-828D-60A83AA81013}"/>
+                <a16:creationId xmlns:a16="http://schemas.microsoft.com/office/drawing/2014/main" xmlns="" id="{A624D1AD-5B64-614C-828D-60A83AA81013}"/>
               </a:ext>
             </a:extLst>
           </p:cNvPr>
@@ -24307,7 +24307,7 @@
             <p:cNvPr id="10" name="TextBox 9">
               <a:extLst>
                 <a:ext uri="{FF2B5EF4-FFF2-40B4-BE49-F238E27FC236}">
-                  <a16:creationId xmlns="" xmlns:a16="http://schemas.microsoft.com/office/drawing/2014/main" id="{D1CD51C8-97BD-BE4B-8F9D-CB2C2D38E9DB}"/>
+                  <a16:creationId xmlns:a16="http://schemas.microsoft.com/office/drawing/2014/main" xmlns="" id="{D1CD51C8-97BD-BE4B-8F9D-CB2C2D38E9DB}"/>
                 </a:ext>
               </a:extLst>
             </p:cNvPr>
@@ -24351,7 +24351,7 @@
             <p:cNvPr id="11" name="Picture 10">
               <a:extLst>
                 <a:ext uri="{FF2B5EF4-FFF2-40B4-BE49-F238E27FC236}">
-                  <a16:creationId xmlns="" xmlns:a16="http://schemas.microsoft.com/office/drawing/2014/main" id="{A5B84310-A8FD-F240-AA87-570F3DCB83C6}"/>
+                  <a16:creationId xmlns:a16="http://schemas.microsoft.com/office/drawing/2014/main" xmlns="" id="{A5B84310-A8FD-F240-AA87-570F3DCB83C6}"/>
                 </a:ext>
               </a:extLst>
             </p:cNvPr>
@@ -24387,7 +24387,7 @@
             <p:cNvPr id="12" name="Picture 11">
               <a:extLst>
                 <a:ext uri="{FF2B5EF4-FFF2-40B4-BE49-F238E27FC236}">
-                  <a16:creationId xmlns="" xmlns:a16="http://schemas.microsoft.com/office/drawing/2014/main" id="{D6614CE8-901C-494E-AD09-124CF14C4D6D}"/>
+                  <a16:creationId xmlns:a16="http://schemas.microsoft.com/office/drawing/2014/main" xmlns="" id="{D6614CE8-901C-494E-AD09-124CF14C4D6D}"/>
                 </a:ext>
               </a:extLst>
             </p:cNvPr>
@@ -24423,7 +24423,7 @@
             <p:cNvPr id="13" name="Rectangle 12">
               <a:extLst>
                 <a:ext uri="{FF2B5EF4-FFF2-40B4-BE49-F238E27FC236}">
-                  <a16:creationId xmlns="" xmlns:a16="http://schemas.microsoft.com/office/drawing/2014/main" id="{B1CE826E-5A2F-6645-8CD9-E9D72E71E460}"/>
+                  <a16:creationId xmlns:a16="http://schemas.microsoft.com/office/drawing/2014/main" xmlns="" id="{B1CE826E-5A2F-6645-8CD9-E9D72E71E460}"/>
                 </a:ext>
               </a:extLst>
             </p:cNvPr>
@@ -24478,7 +24478,7 @@
           <p:cNvPr id="14" name="TextBox 13">
             <a:extLst>
               <a:ext uri="{FF2B5EF4-FFF2-40B4-BE49-F238E27FC236}">
-                <a16:creationId xmlns="" xmlns:a16="http://schemas.microsoft.com/office/drawing/2014/main" id="{0B685838-A6CC-4290-BFCC-18AC6C57AED4}"/>
+                <a16:creationId xmlns:a16="http://schemas.microsoft.com/office/drawing/2014/main" xmlns="" id="{0B685838-A6CC-4290-BFCC-18AC6C57AED4}"/>
               </a:ext>
             </a:extLst>
           </p:cNvPr>
@@ -24625,7 +24625,7 @@
           <p:cNvPr id="8" name="Rectangle 7">
             <a:extLst>
               <a:ext uri="{FF2B5EF4-FFF2-40B4-BE49-F238E27FC236}">
-                <a16:creationId xmlns="" xmlns:a16="http://schemas.microsoft.com/office/drawing/2014/main" id="{9572F161-00D8-1F47-8444-18B06D08E4FB}"/>
+                <a16:creationId xmlns:a16="http://schemas.microsoft.com/office/drawing/2014/main" xmlns="" id="{9572F161-00D8-1F47-8444-18B06D08E4FB}"/>
               </a:ext>
             </a:extLst>
           </p:cNvPr>
@@ -24686,7 +24686,7 @@
           <p:cNvPr id="9" name="Group 8">
             <a:extLst>
               <a:ext uri="{FF2B5EF4-FFF2-40B4-BE49-F238E27FC236}">
-                <a16:creationId xmlns="" xmlns:a16="http://schemas.microsoft.com/office/drawing/2014/main" id="{A624D1AD-5B64-614C-828D-60A83AA81013}"/>
+                <a16:creationId xmlns:a16="http://schemas.microsoft.com/office/drawing/2014/main" xmlns="" id="{A624D1AD-5B64-614C-828D-60A83AA81013}"/>
               </a:ext>
             </a:extLst>
           </p:cNvPr>
@@ -24706,7 +24706,7 @@
             <p:cNvPr id="10" name="TextBox 9">
               <a:extLst>
                 <a:ext uri="{FF2B5EF4-FFF2-40B4-BE49-F238E27FC236}">
-                  <a16:creationId xmlns="" xmlns:a16="http://schemas.microsoft.com/office/drawing/2014/main" id="{D1CD51C8-97BD-BE4B-8F9D-CB2C2D38E9DB}"/>
+                  <a16:creationId xmlns:a16="http://schemas.microsoft.com/office/drawing/2014/main" xmlns="" id="{D1CD51C8-97BD-BE4B-8F9D-CB2C2D38E9DB}"/>
                 </a:ext>
               </a:extLst>
             </p:cNvPr>
@@ -24750,7 +24750,7 @@
             <p:cNvPr id="11" name="Picture 10">
               <a:extLst>
                 <a:ext uri="{FF2B5EF4-FFF2-40B4-BE49-F238E27FC236}">
-                  <a16:creationId xmlns="" xmlns:a16="http://schemas.microsoft.com/office/drawing/2014/main" id="{A5B84310-A8FD-F240-AA87-570F3DCB83C6}"/>
+                  <a16:creationId xmlns:a16="http://schemas.microsoft.com/office/drawing/2014/main" xmlns="" id="{A5B84310-A8FD-F240-AA87-570F3DCB83C6}"/>
                 </a:ext>
               </a:extLst>
             </p:cNvPr>
@@ -24786,7 +24786,7 @@
             <p:cNvPr id="12" name="Picture 11">
               <a:extLst>
                 <a:ext uri="{FF2B5EF4-FFF2-40B4-BE49-F238E27FC236}">
-                  <a16:creationId xmlns="" xmlns:a16="http://schemas.microsoft.com/office/drawing/2014/main" id="{D6614CE8-901C-494E-AD09-124CF14C4D6D}"/>
+                  <a16:creationId xmlns:a16="http://schemas.microsoft.com/office/drawing/2014/main" xmlns="" id="{D6614CE8-901C-494E-AD09-124CF14C4D6D}"/>
                 </a:ext>
               </a:extLst>
             </p:cNvPr>
@@ -24822,7 +24822,7 @@
             <p:cNvPr id="13" name="Rectangle 12">
               <a:extLst>
                 <a:ext uri="{FF2B5EF4-FFF2-40B4-BE49-F238E27FC236}">
-                  <a16:creationId xmlns="" xmlns:a16="http://schemas.microsoft.com/office/drawing/2014/main" id="{B1CE826E-5A2F-6645-8CD9-E9D72E71E460}"/>
+                  <a16:creationId xmlns:a16="http://schemas.microsoft.com/office/drawing/2014/main" xmlns="" id="{B1CE826E-5A2F-6645-8CD9-E9D72E71E460}"/>
                 </a:ext>
               </a:extLst>
             </p:cNvPr>
@@ -24877,7 +24877,7 @@
           <p:cNvPr id="14" name="TextBox 13">
             <a:extLst>
               <a:ext uri="{FF2B5EF4-FFF2-40B4-BE49-F238E27FC236}">
-                <a16:creationId xmlns="" xmlns:a16="http://schemas.microsoft.com/office/drawing/2014/main" id="{0B685838-A6CC-4290-BFCC-18AC6C57AED4}"/>
+                <a16:creationId xmlns:a16="http://schemas.microsoft.com/office/drawing/2014/main" xmlns="" id="{0B685838-A6CC-4290-BFCC-18AC6C57AED4}"/>
               </a:ext>
             </a:extLst>
           </p:cNvPr>
@@ -25024,7 +25024,7 @@
           <p:cNvPr id="8" name="Rectangle 7">
             <a:extLst>
               <a:ext uri="{FF2B5EF4-FFF2-40B4-BE49-F238E27FC236}">
-                <a16:creationId xmlns="" xmlns:a16="http://schemas.microsoft.com/office/drawing/2014/main" id="{9572F161-00D8-1F47-8444-18B06D08E4FB}"/>
+                <a16:creationId xmlns:a16="http://schemas.microsoft.com/office/drawing/2014/main" xmlns="" id="{9572F161-00D8-1F47-8444-18B06D08E4FB}"/>
               </a:ext>
             </a:extLst>
           </p:cNvPr>
@@ -25085,7 +25085,7 @@
           <p:cNvPr id="9" name="Group 8">
             <a:extLst>
               <a:ext uri="{FF2B5EF4-FFF2-40B4-BE49-F238E27FC236}">
-                <a16:creationId xmlns="" xmlns:a16="http://schemas.microsoft.com/office/drawing/2014/main" id="{A624D1AD-5B64-614C-828D-60A83AA81013}"/>
+                <a16:creationId xmlns:a16="http://schemas.microsoft.com/office/drawing/2014/main" xmlns="" id="{A624D1AD-5B64-614C-828D-60A83AA81013}"/>
               </a:ext>
             </a:extLst>
           </p:cNvPr>
@@ -25105,7 +25105,7 @@
             <p:cNvPr id="10" name="TextBox 9">
               <a:extLst>
                 <a:ext uri="{FF2B5EF4-FFF2-40B4-BE49-F238E27FC236}">
-                  <a16:creationId xmlns="" xmlns:a16="http://schemas.microsoft.com/office/drawing/2014/main" id="{D1CD51C8-97BD-BE4B-8F9D-CB2C2D38E9DB}"/>
+                  <a16:creationId xmlns:a16="http://schemas.microsoft.com/office/drawing/2014/main" xmlns="" id="{D1CD51C8-97BD-BE4B-8F9D-CB2C2D38E9DB}"/>
                 </a:ext>
               </a:extLst>
             </p:cNvPr>
@@ -25149,7 +25149,7 @@
             <p:cNvPr id="11" name="Picture 10">
               <a:extLst>
                 <a:ext uri="{FF2B5EF4-FFF2-40B4-BE49-F238E27FC236}">
-                  <a16:creationId xmlns="" xmlns:a16="http://schemas.microsoft.com/office/drawing/2014/main" id="{A5B84310-A8FD-F240-AA87-570F3DCB83C6}"/>
+                  <a16:creationId xmlns:a16="http://schemas.microsoft.com/office/drawing/2014/main" xmlns="" id="{A5B84310-A8FD-F240-AA87-570F3DCB83C6}"/>
                 </a:ext>
               </a:extLst>
             </p:cNvPr>
@@ -25185,7 +25185,7 @@
             <p:cNvPr id="12" name="Picture 11">
               <a:extLst>
                 <a:ext uri="{FF2B5EF4-FFF2-40B4-BE49-F238E27FC236}">
-                  <a16:creationId xmlns="" xmlns:a16="http://schemas.microsoft.com/office/drawing/2014/main" id="{D6614CE8-901C-494E-AD09-124CF14C4D6D}"/>
+                  <a16:creationId xmlns:a16="http://schemas.microsoft.com/office/drawing/2014/main" xmlns="" id="{D6614CE8-901C-494E-AD09-124CF14C4D6D}"/>
                 </a:ext>
               </a:extLst>
             </p:cNvPr>
@@ -25221,7 +25221,7 @@
             <p:cNvPr id="13" name="Rectangle 12">
               <a:extLst>
                 <a:ext uri="{FF2B5EF4-FFF2-40B4-BE49-F238E27FC236}">
-                  <a16:creationId xmlns="" xmlns:a16="http://schemas.microsoft.com/office/drawing/2014/main" id="{B1CE826E-5A2F-6645-8CD9-E9D72E71E460}"/>
+                  <a16:creationId xmlns:a16="http://schemas.microsoft.com/office/drawing/2014/main" xmlns="" id="{B1CE826E-5A2F-6645-8CD9-E9D72E71E460}"/>
                 </a:ext>
               </a:extLst>
             </p:cNvPr>
@@ -25276,7 +25276,7 @@
           <p:cNvPr id="14" name="TextBox 13">
             <a:extLst>
               <a:ext uri="{FF2B5EF4-FFF2-40B4-BE49-F238E27FC236}">
-                <a16:creationId xmlns="" xmlns:a16="http://schemas.microsoft.com/office/drawing/2014/main" id="{0B685838-A6CC-4290-BFCC-18AC6C57AED4}"/>
+                <a16:creationId xmlns:a16="http://schemas.microsoft.com/office/drawing/2014/main" xmlns="" id="{0B685838-A6CC-4290-BFCC-18AC6C57AED4}"/>
               </a:ext>
             </a:extLst>
           </p:cNvPr>
@@ -25423,7 +25423,7 @@
           <p:cNvPr id="8" name="Rectangle 7">
             <a:extLst>
               <a:ext uri="{FF2B5EF4-FFF2-40B4-BE49-F238E27FC236}">
-                <a16:creationId xmlns="" xmlns:a16="http://schemas.microsoft.com/office/drawing/2014/main" id="{9572F161-00D8-1F47-8444-18B06D08E4FB}"/>
+                <a16:creationId xmlns:a16="http://schemas.microsoft.com/office/drawing/2014/main" xmlns="" id="{9572F161-00D8-1F47-8444-18B06D08E4FB}"/>
               </a:ext>
             </a:extLst>
           </p:cNvPr>
@@ -25484,7 +25484,7 @@
           <p:cNvPr id="9" name="Group 8">
             <a:extLst>
               <a:ext uri="{FF2B5EF4-FFF2-40B4-BE49-F238E27FC236}">
-                <a16:creationId xmlns="" xmlns:a16="http://schemas.microsoft.com/office/drawing/2014/main" id="{A624D1AD-5B64-614C-828D-60A83AA81013}"/>
+                <a16:creationId xmlns:a16="http://schemas.microsoft.com/office/drawing/2014/main" xmlns="" id="{A624D1AD-5B64-614C-828D-60A83AA81013}"/>
               </a:ext>
             </a:extLst>
           </p:cNvPr>
@@ -25504,7 +25504,7 @@
             <p:cNvPr id="10" name="TextBox 9">
               <a:extLst>
                 <a:ext uri="{FF2B5EF4-FFF2-40B4-BE49-F238E27FC236}">
-                  <a16:creationId xmlns="" xmlns:a16="http://schemas.microsoft.com/office/drawing/2014/main" id="{D1CD51C8-97BD-BE4B-8F9D-CB2C2D38E9DB}"/>
+                  <a16:creationId xmlns:a16="http://schemas.microsoft.com/office/drawing/2014/main" xmlns="" id="{D1CD51C8-97BD-BE4B-8F9D-CB2C2D38E9DB}"/>
                 </a:ext>
               </a:extLst>
             </p:cNvPr>
@@ -25548,7 +25548,7 @@
             <p:cNvPr id="11" name="Picture 10">
               <a:extLst>
                 <a:ext uri="{FF2B5EF4-FFF2-40B4-BE49-F238E27FC236}">
-                  <a16:creationId xmlns="" xmlns:a16="http://schemas.microsoft.com/office/drawing/2014/main" id="{A5B84310-A8FD-F240-AA87-570F3DCB83C6}"/>
+                  <a16:creationId xmlns:a16="http://schemas.microsoft.com/office/drawing/2014/main" xmlns="" id="{A5B84310-A8FD-F240-AA87-570F3DCB83C6}"/>
                 </a:ext>
               </a:extLst>
             </p:cNvPr>
@@ -25584,7 +25584,7 @@
             <p:cNvPr id="12" name="Picture 11">
               <a:extLst>
                 <a:ext uri="{FF2B5EF4-FFF2-40B4-BE49-F238E27FC236}">
-                  <a16:creationId xmlns="" xmlns:a16="http://schemas.microsoft.com/office/drawing/2014/main" id="{D6614CE8-901C-494E-AD09-124CF14C4D6D}"/>
+                  <a16:creationId xmlns:a16="http://schemas.microsoft.com/office/drawing/2014/main" xmlns="" id="{D6614CE8-901C-494E-AD09-124CF14C4D6D}"/>
                 </a:ext>
               </a:extLst>
             </p:cNvPr>
@@ -25620,7 +25620,7 @@
             <p:cNvPr id="13" name="Rectangle 12">
               <a:extLst>
                 <a:ext uri="{FF2B5EF4-FFF2-40B4-BE49-F238E27FC236}">
-                  <a16:creationId xmlns="" xmlns:a16="http://schemas.microsoft.com/office/drawing/2014/main" id="{B1CE826E-5A2F-6645-8CD9-E9D72E71E460}"/>
+                  <a16:creationId xmlns:a16="http://schemas.microsoft.com/office/drawing/2014/main" xmlns="" id="{B1CE826E-5A2F-6645-8CD9-E9D72E71E460}"/>
                 </a:ext>
               </a:extLst>
             </p:cNvPr>
@@ -25675,7 +25675,7 @@
           <p:cNvPr id="14" name="TextBox 13">
             <a:extLst>
               <a:ext uri="{FF2B5EF4-FFF2-40B4-BE49-F238E27FC236}">
-                <a16:creationId xmlns="" xmlns:a16="http://schemas.microsoft.com/office/drawing/2014/main" id="{0B685838-A6CC-4290-BFCC-18AC6C57AED4}"/>
+                <a16:creationId xmlns:a16="http://schemas.microsoft.com/office/drawing/2014/main" xmlns="" id="{0B685838-A6CC-4290-BFCC-18AC6C57AED4}"/>
               </a:ext>
             </a:extLst>
           </p:cNvPr>
@@ -25792,7 +25792,7 @@
           <p:cNvPr id="8" name="Rectangle 7">
             <a:extLst>
               <a:ext uri="{FF2B5EF4-FFF2-40B4-BE49-F238E27FC236}">
-                <a16:creationId xmlns="" xmlns:a16="http://schemas.microsoft.com/office/drawing/2014/main" id="{9572F161-00D8-1F47-8444-18B06D08E4FB}"/>
+                <a16:creationId xmlns:a16="http://schemas.microsoft.com/office/drawing/2014/main" xmlns="" id="{9572F161-00D8-1F47-8444-18B06D08E4FB}"/>
               </a:ext>
             </a:extLst>
           </p:cNvPr>
@@ -25853,7 +25853,7 @@
           <p:cNvPr id="9" name="Group 8">
             <a:extLst>
               <a:ext uri="{FF2B5EF4-FFF2-40B4-BE49-F238E27FC236}">
-                <a16:creationId xmlns="" xmlns:a16="http://schemas.microsoft.com/office/drawing/2014/main" id="{A624D1AD-5B64-614C-828D-60A83AA81013}"/>
+                <a16:creationId xmlns:a16="http://schemas.microsoft.com/office/drawing/2014/main" xmlns="" id="{A624D1AD-5B64-614C-828D-60A83AA81013}"/>
               </a:ext>
             </a:extLst>
           </p:cNvPr>
@@ -25873,7 +25873,7 @@
             <p:cNvPr id="10" name="TextBox 9">
               <a:extLst>
                 <a:ext uri="{FF2B5EF4-FFF2-40B4-BE49-F238E27FC236}">
-                  <a16:creationId xmlns="" xmlns:a16="http://schemas.microsoft.com/office/drawing/2014/main" id="{D1CD51C8-97BD-BE4B-8F9D-CB2C2D38E9DB}"/>
+                  <a16:creationId xmlns:a16="http://schemas.microsoft.com/office/drawing/2014/main" xmlns="" id="{D1CD51C8-97BD-BE4B-8F9D-CB2C2D38E9DB}"/>
                 </a:ext>
               </a:extLst>
             </p:cNvPr>
@@ -25917,7 +25917,7 @@
             <p:cNvPr id="11" name="Picture 10">
               <a:extLst>
                 <a:ext uri="{FF2B5EF4-FFF2-40B4-BE49-F238E27FC236}">
-                  <a16:creationId xmlns="" xmlns:a16="http://schemas.microsoft.com/office/drawing/2014/main" id="{A5B84310-A8FD-F240-AA87-570F3DCB83C6}"/>
+                  <a16:creationId xmlns:a16="http://schemas.microsoft.com/office/drawing/2014/main" xmlns="" id="{A5B84310-A8FD-F240-AA87-570F3DCB83C6}"/>
                 </a:ext>
               </a:extLst>
             </p:cNvPr>
@@ -25953,7 +25953,7 @@
             <p:cNvPr id="12" name="Picture 11">
               <a:extLst>
                 <a:ext uri="{FF2B5EF4-FFF2-40B4-BE49-F238E27FC236}">
-                  <a16:creationId xmlns="" xmlns:a16="http://schemas.microsoft.com/office/drawing/2014/main" id="{D6614CE8-901C-494E-AD09-124CF14C4D6D}"/>
+                  <a16:creationId xmlns:a16="http://schemas.microsoft.com/office/drawing/2014/main" xmlns="" id="{D6614CE8-901C-494E-AD09-124CF14C4D6D}"/>
                 </a:ext>
               </a:extLst>
             </p:cNvPr>
@@ -25989,7 +25989,7 @@
             <p:cNvPr id="13" name="Rectangle 12">
               <a:extLst>
                 <a:ext uri="{FF2B5EF4-FFF2-40B4-BE49-F238E27FC236}">
-                  <a16:creationId xmlns="" xmlns:a16="http://schemas.microsoft.com/office/drawing/2014/main" id="{B1CE826E-5A2F-6645-8CD9-E9D72E71E460}"/>
+                  <a16:creationId xmlns:a16="http://schemas.microsoft.com/office/drawing/2014/main" xmlns="" id="{B1CE826E-5A2F-6645-8CD9-E9D72E71E460}"/>
                 </a:ext>
               </a:extLst>
             </p:cNvPr>
@@ -26044,7 +26044,7 @@
           <p:cNvPr id="14" name="TextBox 13">
             <a:extLst>
               <a:ext uri="{FF2B5EF4-FFF2-40B4-BE49-F238E27FC236}">
-                <a16:creationId xmlns="" xmlns:a16="http://schemas.microsoft.com/office/drawing/2014/main" id="{0B685838-A6CC-4290-BFCC-18AC6C57AED4}"/>
+                <a16:creationId xmlns:a16="http://schemas.microsoft.com/office/drawing/2014/main" xmlns="" id="{0B685838-A6CC-4290-BFCC-18AC6C57AED4}"/>
               </a:ext>
             </a:extLst>
           </p:cNvPr>
@@ -26191,7 +26191,7 @@
           <p:cNvPr id="8" name="Rectangle 7">
             <a:extLst>
               <a:ext uri="{FF2B5EF4-FFF2-40B4-BE49-F238E27FC236}">
-                <a16:creationId xmlns="" xmlns:a16="http://schemas.microsoft.com/office/drawing/2014/main" id="{9572F161-00D8-1F47-8444-18B06D08E4FB}"/>
+                <a16:creationId xmlns:a16="http://schemas.microsoft.com/office/drawing/2014/main" xmlns="" id="{9572F161-00D8-1F47-8444-18B06D08E4FB}"/>
               </a:ext>
             </a:extLst>
           </p:cNvPr>
@@ -26252,7 +26252,7 @@
           <p:cNvPr id="9" name="Group 8">
             <a:extLst>
               <a:ext uri="{FF2B5EF4-FFF2-40B4-BE49-F238E27FC236}">
-                <a16:creationId xmlns="" xmlns:a16="http://schemas.microsoft.com/office/drawing/2014/main" id="{A624D1AD-5B64-614C-828D-60A83AA81013}"/>
+                <a16:creationId xmlns:a16="http://schemas.microsoft.com/office/drawing/2014/main" xmlns="" id="{A624D1AD-5B64-614C-828D-60A83AA81013}"/>
               </a:ext>
             </a:extLst>
           </p:cNvPr>
@@ -26272,7 +26272,7 @@
             <p:cNvPr id="10" name="TextBox 9">
               <a:extLst>
                 <a:ext uri="{FF2B5EF4-FFF2-40B4-BE49-F238E27FC236}">
-                  <a16:creationId xmlns="" xmlns:a16="http://schemas.microsoft.com/office/drawing/2014/main" id="{D1CD51C8-97BD-BE4B-8F9D-CB2C2D38E9DB}"/>
+                  <a16:creationId xmlns:a16="http://schemas.microsoft.com/office/drawing/2014/main" xmlns="" id="{D1CD51C8-97BD-BE4B-8F9D-CB2C2D38E9DB}"/>
                 </a:ext>
               </a:extLst>
             </p:cNvPr>
@@ -26316,7 +26316,7 @@
             <p:cNvPr id="11" name="Picture 10">
               <a:extLst>
                 <a:ext uri="{FF2B5EF4-FFF2-40B4-BE49-F238E27FC236}">
-                  <a16:creationId xmlns="" xmlns:a16="http://schemas.microsoft.com/office/drawing/2014/main" id="{A5B84310-A8FD-F240-AA87-570F3DCB83C6}"/>
+                  <a16:creationId xmlns:a16="http://schemas.microsoft.com/office/drawing/2014/main" xmlns="" id="{A5B84310-A8FD-F240-AA87-570F3DCB83C6}"/>
                 </a:ext>
               </a:extLst>
             </p:cNvPr>
@@ -26352,7 +26352,7 @@
             <p:cNvPr id="12" name="Picture 11">
               <a:extLst>
                 <a:ext uri="{FF2B5EF4-FFF2-40B4-BE49-F238E27FC236}">
-                  <a16:creationId xmlns="" xmlns:a16="http://schemas.microsoft.com/office/drawing/2014/main" id="{D6614CE8-901C-494E-AD09-124CF14C4D6D}"/>
+                  <a16:creationId xmlns:a16="http://schemas.microsoft.com/office/drawing/2014/main" xmlns="" id="{D6614CE8-901C-494E-AD09-124CF14C4D6D}"/>
                 </a:ext>
               </a:extLst>
             </p:cNvPr>
@@ -26388,7 +26388,7 @@
             <p:cNvPr id="13" name="Rectangle 12">
               <a:extLst>
                 <a:ext uri="{FF2B5EF4-FFF2-40B4-BE49-F238E27FC236}">
-                  <a16:creationId xmlns="" xmlns:a16="http://schemas.microsoft.com/office/drawing/2014/main" id="{B1CE826E-5A2F-6645-8CD9-E9D72E71E460}"/>
+                  <a16:creationId xmlns:a16="http://schemas.microsoft.com/office/drawing/2014/main" xmlns="" id="{B1CE826E-5A2F-6645-8CD9-E9D72E71E460}"/>
                 </a:ext>
               </a:extLst>
             </p:cNvPr>
@@ -26443,7 +26443,7 @@
           <p:cNvPr id="14" name="TextBox 13">
             <a:extLst>
               <a:ext uri="{FF2B5EF4-FFF2-40B4-BE49-F238E27FC236}">
-                <a16:creationId xmlns="" xmlns:a16="http://schemas.microsoft.com/office/drawing/2014/main" id="{0B685838-A6CC-4290-BFCC-18AC6C57AED4}"/>
+                <a16:creationId xmlns:a16="http://schemas.microsoft.com/office/drawing/2014/main" xmlns="" id="{0B685838-A6CC-4290-BFCC-18AC6C57AED4}"/>
               </a:ext>
             </a:extLst>
           </p:cNvPr>
@@ -26588,7 +26588,7 @@
           <p:cNvPr id="8" name="Rectangle 7">
             <a:extLst>
               <a:ext uri="{FF2B5EF4-FFF2-40B4-BE49-F238E27FC236}">
-                <a16:creationId xmlns="" xmlns:a16="http://schemas.microsoft.com/office/drawing/2014/main" id="{9572F161-00D8-1F47-8444-18B06D08E4FB}"/>
+                <a16:creationId xmlns:a16="http://schemas.microsoft.com/office/drawing/2014/main" xmlns="" id="{9572F161-00D8-1F47-8444-18B06D08E4FB}"/>
               </a:ext>
             </a:extLst>
           </p:cNvPr>
@@ -26649,7 +26649,7 @@
           <p:cNvPr id="9" name="Group 8">
             <a:extLst>
               <a:ext uri="{FF2B5EF4-FFF2-40B4-BE49-F238E27FC236}">
-                <a16:creationId xmlns="" xmlns:a16="http://schemas.microsoft.com/office/drawing/2014/main" id="{A624D1AD-5B64-614C-828D-60A83AA81013}"/>
+                <a16:creationId xmlns:a16="http://schemas.microsoft.com/office/drawing/2014/main" xmlns="" id="{A624D1AD-5B64-614C-828D-60A83AA81013}"/>
               </a:ext>
             </a:extLst>
           </p:cNvPr>
@@ -26669,7 +26669,7 @@
             <p:cNvPr id="10" name="TextBox 9">
               <a:extLst>
                 <a:ext uri="{FF2B5EF4-FFF2-40B4-BE49-F238E27FC236}">
-                  <a16:creationId xmlns="" xmlns:a16="http://schemas.microsoft.com/office/drawing/2014/main" id="{D1CD51C8-97BD-BE4B-8F9D-CB2C2D38E9DB}"/>
+                  <a16:creationId xmlns:a16="http://schemas.microsoft.com/office/drawing/2014/main" xmlns="" id="{D1CD51C8-97BD-BE4B-8F9D-CB2C2D38E9DB}"/>
                 </a:ext>
               </a:extLst>
             </p:cNvPr>
@@ -26713,7 +26713,7 @@
             <p:cNvPr id="11" name="Picture 10">
               <a:extLst>
                 <a:ext uri="{FF2B5EF4-FFF2-40B4-BE49-F238E27FC236}">
-                  <a16:creationId xmlns="" xmlns:a16="http://schemas.microsoft.com/office/drawing/2014/main" id="{A5B84310-A8FD-F240-AA87-570F3DCB83C6}"/>
+                  <a16:creationId xmlns:a16="http://schemas.microsoft.com/office/drawing/2014/main" xmlns="" id="{A5B84310-A8FD-F240-AA87-570F3DCB83C6}"/>
                 </a:ext>
               </a:extLst>
             </p:cNvPr>
@@ -26749,7 +26749,7 @@
             <p:cNvPr id="12" name="Picture 11">
               <a:extLst>
                 <a:ext uri="{FF2B5EF4-FFF2-40B4-BE49-F238E27FC236}">
-                  <a16:creationId xmlns="" xmlns:a16="http://schemas.microsoft.com/office/drawing/2014/main" id="{D6614CE8-901C-494E-AD09-124CF14C4D6D}"/>
+                  <a16:creationId xmlns:a16="http://schemas.microsoft.com/office/drawing/2014/main" xmlns="" id="{D6614CE8-901C-494E-AD09-124CF14C4D6D}"/>
                 </a:ext>
               </a:extLst>
             </p:cNvPr>
@@ -26785,7 +26785,7 @@
             <p:cNvPr id="13" name="Rectangle 12">
               <a:extLst>
                 <a:ext uri="{FF2B5EF4-FFF2-40B4-BE49-F238E27FC236}">
-                  <a16:creationId xmlns="" xmlns:a16="http://schemas.microsoft.com/office/drawing/2014/main" id="{B1CE826E-5A2F-6645-8CD9-E9D72E71E460}"/>
+                  <a16:creationId xmlns:a16="http://schemas.microsoft.com/office/drawing/2014/main" xmlns="" id="{B1CE826E-5A2F-6645-8CD9-E9D72E71E460}"/>
                 </a:ext>
               </a:extLst>
             </p:cNvPr>
@@ -26840,7 +26840,7 @@
           <p:cNvPr id="14" name="TextBox 13">
             <a:extLst>
               <a:ext uri="{FF2B5EF4-FFF2-40B4-BE49-F238E27FC236}">
-                <a16:creationId xmlns="" xmlns:a16="http://schemas.microsoft.com/office/drawing/2014/main" id="{0B685838-A6CC-4290-BFCC-18AC6C57AED4}"/>
+                <a16:creationId xmlns:a16="http://schemas.microsoft.com/office/drawing/2014/main" xmlns="" id="{0B685838-A6CC-4290-BFCC-18AC6C57AED4}"/>
               </a:ext>
             </a:extLst>
           </p:cNvPr>
@@ -26957,7 +26957,7 @@
           <p:cNvPr id="8" name="Rectangle 7">
             <a:extLst>
               <a:ext uri="{FF2B5EF4-FFF2-40B4-BE49-F238E27FC236}">
-                <a16:creationId xmlns="" xmlns:a16="http://schemas.microsoft.com/office/drawing/2014/main" id="{9572F161-00D8-1F47-8444-18B06D08E4FB}"/>
+                <a16:creationId xmlns:a16="http://schemas.microsoft.com/office/drawing/2014/main" xmlns="" id="{9572F161-00D8-1F47-8444-18B06D08E4FB}"/>
               </a:ext>
             </a:extLst>
           </p:cNvPr>
@@ -27018,7 +27018,7 @@
           <p:cNvPr id="9" name="Group 8">
             <a:extLst>
               <a:ext uri="{FF2B5EF4-FFF2-40B4-BE49-F238E27FC236}">
-                <a16:creationId xmlns="" xmlns:a16="http://schemas.microsoft.com/office/drawing/2014/main" id="{A624D1AD-5B64-614C-828D-60A83AA81013}"/>
+                <a16:creationId xmlns:a16="http://schemas.microsoft.com/office/drawing/2014/main" xmlns="" id="{A624D1AD-5B64-614C-828D-60A83AA81013}"/>
               </a:ext>
             </a:extLst>
           </p:cNvPr>
@@ -27038,7 +27038,7 @@
             <p:cNvPr id="10" name="TextBox 9">
               <a:extLst>
                 <a:ext uri="{FF2B5EF4-FFF2-40B4-BE49-F238E27FC236}">
-                  <a16:creationId xmlns="" xmlns:a16="http://schemas.microsoft.com/office/drawing/2014/main" id="{D1CD51C8-97BD-BE4B-8F9D-CB2C2D38E9DB}"/>
+                  <a16:creationId xmlns:a16="http://schemas.microsoft.com/office/drawing/2014/main" xmlns="" id="{D1CD51C8-97BD-BE4B-8F9D-CB2C2D38E9DB}"/>
                 </a:ext>
               </a:extLst>
             </p:cNvPr>
@@ -27082,7 +27082,7 @@
             <p:cNvPr id="11" name="Picture 10">
               <a:extLst>
                 <a:ext uri="{FF2B5EF4-FFF2-40B4-BE49-F238E27FC236}">
-                  <a16:creationId xmlns="" xmlns:a16="http://schemas.microsoft.com/office/drawing/2014/main" id="{A5B84310-A8FD-F240-AA87-570F3DCB83C6}"/>
+                  <a16:creationId xmlns:a16="http://schemas.microsoft.com/office/drawing/2014/main" xmlns="" id="{A5B84310-A8FD-F240-AA87-570F3DCB83C6}"/>
                 </a:ext>
               </a:extLst>
             </p:cNvPr>
@@ -27118,7 +27118,7 @@
             <p:cNvPr id="12" name="Picture 11">
               <a:extLst>
                 <a:ext uri="{FF2B5EF4-FFF2-40B4-BE49-F238E27FC236}">
-                  <a16:creationId xmlns="" xmlns:a16="http://schemas.microsoft.com/office/drawing/2014/main" id="{D6614CE8-901C-494E-AD09-124CF14C4D6D}"/>
+                  <a16:creationId xmlns:a16="http://schemas.microsoft.com/office/drawing/2014/main" xmlns="" id="{D6614CE8-901C-494E-AD09-124CF14C4D6D}"/>
                 </a:ext>
               </a:extLst>
             </p:cNvPr>
@@ -27154,7 +27154,7 @@
             <p:cNvPr id="13" name="Rectangle 12">
               <a:extLst>
                 <a:ext uri="{FF2B5EF4-FFF2-40B4-BE49-F238E27FC236}">
-                  <a16:creationId xmlns="" xmlns:a16="http://schemas.microsoft.com/office/drawing/2014/main" id="{B1CE826E-5A2F-6645-8CD9-E9D72E71E460}"/>
+                  <a16:creationId xmlns:a16="http://schemas.microsoft.com/office/drawing/2014/main" xmlns="" id="{B1CE826E-5A2F-6645-8CD9-E9D72E71E460}"/>
                 </a:ext>
               </a:extLst>
             </p:cNvPr>
@@ -27209,7 +27209,7 @@
           <p:cNvPr id="14" name="TextBox 13">
             <a:extLst>
               <a:ext uri="{FF2B5EF4-FFF2-40B4-BE49-F238E27FC236}">
-                <a16:creationId xmlns="" xmlns:a16="http://schemas.microsoft.com/office/drawing/2014/main" id="{0B685838-A6CC-4290-BFCC-18AC6C57AED4}"/>
+                <a16:creationId xmlns:a16="http://schemas.microsoft.com/office/drawing/2014/main" xmlns="" id="{0B685838-A6CC-4290-BFCC-18AC6C57AED4}"/>
               </a:ext>
             </a:extLst>
           </p:cNvPr>
@@ -27296,7 +27296,7 @@
           <p:cNvPr id="8" name="Rectangle 7">
             <a:extLst>
               <a:ext uri="{FF2B5EF4-FFF2-40B4-BE49-F238E27FC236}">
-                <a16:creationId xmlns="" xmlns:a16="http://schemas.microsoft.com/office/drawing/2014/main" id="{9572F161-00D8-1F47-8444-18B06D08E4FB}"/>
+                <a16:creationId xmlns:a16="http://schemas.microsoft.com/office/drawing/2014/main" xmlns="" id="{9572F161-00D8-1F47-8444-18B06D08E4FB}"/>
               </a:ext>
             </a:extLst>
           </p:cNvPr>
@@ -27357,7 +27357,7 @@
           <p:cNvPr id="9" name="Group 8">
             <a:extLst>
               <a:ext uri="{FF2B5EF4-FFF2-40B4-BE49-F238E27FC236}">
-                <a16:creationId xmlns="" xmlns:a16="http://schemas.microsoft.com/office/drawing/2014/main" id="{A624D1AD-5B64-614C-828D-60A83AA81013}"/>
+                <a16:creationId xmlns:a16="http://schemas.microsoft.com/office/drawing/2014/main" xmlns="" id="{A624D1AD-5B64-614C-828D-60A83AA81013}"/>
               </a:ext>
             </a:extLst>
           </p:cNvPr>
@@ -27377,7 +27377,7 @@
             <p:cNvPr id="10" name="TextBox 9">
               <a:extLst>
                 <a:ext uri="{FF2B5EF4-FFF2-40B4-BE49-F238E27FC236}">
-                  <a16:creationId xmlns="" xmlns:a16="http://schemas.microsoft.com/office/drawing/2014/main" id="{D1CD51C8-97BD-BE4B-8F9D-CB2C2D38E9DB}"/>
+                  <a16:creationId xmlns:a16="http://schemas.microsoft.com/office/drawing/2014/main" xmlns="" id="{D1CD51C8-97BD-BE4B-8F9D-CB2C2D38E9DB}"/>
                 </a:ext>
               </a:extLst>
             </p:cNvPr>
@@ -27421,7 +27421,7 @@
             <p:cNvPr id="11" name="Picture 10">
               <a:extLst>
                 <a:ext uri="{FF2B5EF4-FFF2-40B4-BE49-F238E27FC236}">
-                  <a16:creationId xmlns="" xmlns:a16="http://schemas.microsoft.com/office/drawing/2014/main" id="{A5B84310-A8FD-F240-AA87-570F3DCB83C6}"/>
+                  <a16:creationId xmlns:a16="http://schemas.microsoft.com/office/drawing/2014/main" xmlns="" id="{A5B84310-A8FD-F240-AA87-570F3DCB83C6}"/>
                 </a:ext>
               </a:extLst>
             </p:cNvPr>
@@ -27457,7 +27457,7 @@
             <p:cNvPr id="12" name="Picture 11">
               <a:extLst>
                 <a:ext uri="{FF2B5EF4-FFF2-40B4-BE49-F238E27FC236}">
-                  <a16:creationId xmlns="" xmlns:a16="http://schemas.microsoft.com/office/drawing/2014/main" id="{D6614CE8-901C-494E-AD09-124CF14C4D6D}"/>
+                  <a16:creationId xmlns:a16="http://schemas.microsoft.com/office/drawing/2014/main" xmlns="" id="{D6614CE8-901C-494E-AD09-124CF14C4D6D}"/>
                 </a:ext>
               </a:extLst>
             </p:cNvPr>
@@ -27493,7 +27493,7 @@
             <p:cNvPr id="13" name="Rectangle 12">
               <a:extLst>
                 <a:ext uri="{FF2B5EF4-FFF2-40B4-BE49-F238E27FC236}">
-                  <a16:creationId xmlns="" xmlns:a16="http://schemas.microsoft.com/office/drawing/2014/main" id="{B1CE826E-5A2F-6645-8CD9-E9D72E71E460}"/>
+                  <a16:creationId xmlns:a16="http://schemas.microsoft.com/office/drawing/2014/main" xmlns="" id="{B1CE826E-5A2F-6645-8CD9-E9D72E71E460}"/>
                 </a:ext>
               </a:extLst>
             </p:cNvPr>
@@ -27548,7 +27548,7 @@
           <p:cNvPr id="2" name="TextBox 1">
             <a:extLst>
               <a:ext uri="{FF2B5EF4-FFF2-40B4-BE49-F238E27FC236}">
-                <a16:creationId xmlns="" xmlns:a16="http://schemas.microsoft.com/office/drawing/2014/main" id="{0B685838-A6CC-4290-BFCC-18AC6C57AED4}"/>
+                <a16:creationId xmlns:a16="http://schemas.microsoft.com/office/drawing/2014/main" xmlns="" id="{0B685838-A6CC-4290-BFCC-18AC6C57AED4}"/>
               </a:ext>
             </a:extLst>
           </p:cNvPr>
@@ -27594,7 +27594,7 @@
           <p:cNvPr id="15" name="Straight Arrow Connector 14">
             <a:extLst>
               <a:ext uri="{FF2B5EF4-FFF2-40B4-BE49-F238E27FC236}">
-                <a16:creationId xmlns="" xmlns:a16="http://schemas.microsoft.com/office/drawing/2014/main" id="{9B8729AE-23CC-4524-A582-609F59316DF1}"/>
+                <a16:creationId xmlns:a16="http://schemas.microsoft.com/office/drawing/2014/main" xmlns="" id="{9B8729AE-23CC-4524-A582-609F59316DF1}"/>
               </a:ext>
             </a:extLst>
           </p:cNvPr>
@@ -27638,7 +27638,7 @@
           <p:cNvPr id="16" name="Oval 15">
             <a:extLst>
               <a:ext uri="{FF2B5EF4-FFF2-40B4-BE49-F238E27FC236}">
-                <a16:creationId xmlns="" xmlns:a16="http://schemas.microsoft.com/office/drawing/2014/main" id="{C9F19582-C0BE-4175-90AF-0ADA51412604}"/>
+                <a16:creationId xmlns:a16="http://schemas.microsoft.com/office/drawing/2014/main" xmlns="" id="{C9F19582-C0BE-4175-90AF-0ADA51412604}"/>
               </a:ext>
             </a:extLst>
           </p:cNvPr>
@@ -27784,7 +27784,7 @@
           <p:cNvPr id="17" name="Oval 16">
             <a:extLst>
               <a:ext uri="{FF2B5EF4-FFF2-40B4-BE49-F238E27FC236}">
-                <a16:creationId xmlns="" xmlns:a16="http://schemas.microsoft.com/office/drawing/2014/main" id="{F925264C-805A-4B2B-B312-0B331AA6DD4A}"/>
+                <a16:creationId xmlns:a16="http://schemas.microsoft.com/office/drawing/2014/main" xmlns="" id="{F925264C-805A-4B2B-B312-0B331AA6DD4A}"/>
               </a:ext>
             </a:extLst>
           </p:cNvPr>
@@ -27930,7 +27930,7 @@
           <p:cNvPr id="18" name="Oval 17">
             <a:extLst>
               <a:ext uri="{FF2B5EF4-FFF2-40B4-BE49-F238E27FC236}">
-                <a16:creationId xmlns="" xmlns:a16="http://schemas.microsoft.com/office/drawing/2014/main" id="{CE016B6A-F0EC-4DDE-8FAE-F0D244424D4E}"/>
+                <a16:creationId xmlns:a16="http://schemas.microsoft.com/office/drawing/2014/main" xmlns="" id="{CE016B6A-F0EC-4DDE-8FAE-F0D244424D4E}"/>
               </a:ext>
             </a:extLst>
           </p:cNvPr>
@@ -28076,7 +28076,7 @@
           <p:cNvPr id="19" name="Oval 18">
             <a:extLst>
               <a:ext uri="{FF2B5EF4-FFF2-40B4-BE49-F238E27FC236}">
-                <a16:creationId xmlns="" xmlns:a16="http://schemas.microsoft.com/office/drawing/2014/main" id="{06BECAE0-530D-4A8B-AD1C-DE4DAA36200F}"/>
+                <a16:creationId xmlns:a16="http://schemas.microsoft.com/office/drawing/2014/main" xmlns="" id="{06BECAE0-530D-4A8B-AD1C-DE4DAA36200F}"/>
               </a:ext>
             </a:extLst>
           </p:cNvPr>
@@ -28222,7 +28222,7 @@
           <p:cNvPr id="20" name="Oval 19">
             <a:extLst>
               <a:ext uri="{FF2B5EF4-FFF2-40B4-BE49-F238E27FC236}">
-                <a16:creationId xmlns="" xmlns:a16="http://schemas.microsoft.com/office/drawing/2014/main" id="{F3F4FB12-B360-4CAF-8134-2EF84F4889FF}"/>
+                <a16:creationId xmlns:a16="http://schemas.microsoft.com/office/drawing/2014/main" xmlns="" id="{F3F4FB12-B360-4CAF-8134-2EF84F4889FF}"/>
               </a:ext>
             </a:extLst>
           </p:cNvPr>
@@ -28368,7 +28368,7 @@
           <p:cNvPr id="21" name="Oval 20">
             <a:extLst>
               <a:ext uri="{FF2B5EF4-FFF2-40B4-BE49-F238E27FC236}">
-                <a16:creationId xmlns="" xmlns:a16="http://schemas.microsoft.com/office/drawing/2014/main" id="{F4BFADB4-35EB-4F01-872E-1023040B9785}"/>
+                <a16:creationId xmlns:a16="http://schemas.microsoft.com/office/drawing/2014/main" xmlns="" id="{F4BFADB4-35EB-4F01-872E-1023040B9785}"/>
               </a:ext>
             </a:extLst>
           </p:cNvPr>
@@ -28514,7 +28514,7 @@
           <p:cNvPr id="22" name="Oval 21">
             <a:extLst>
               <a:ext uri="{FF2B5EF4-FFF2-40B4-BE49-F238E27FC236}">
-                <a16:creationId xmlns="" xmlns:a16="http://schemas.microsoft.com/office/drawing/2014/main" id="{F41A9621-8787-4EF7-B5B1-EFD4EF271191}"/>
+                <a16:creationId xmlns:a16="http://schemas.microsoft.com/office/drawing/2014/main" xmlns="" id="{F41A9621-8787-4EF7-B5B1-EFD4EF271191}"/>
               </a:ext>
             </a:extLst>
           </p:cNvPr>
@@ -28660,7 +28660,7 @@
           <p:cNvPr id="23" name="TextBox 19">
             <a:extLst>
               <a:ext uri="{FF2B5EF4-FFF2-40B4-BE49-F238E27FC236}">
-                <a16:creationId xmlns="" xmlns:a16="http://schemas.microsoft.com/office/drawing/2014/main" id="{AB1B12B5-0A5B-44A4-8704-12D81D84E1CB}"/>
+                <a16:creationId xmlns:a16="http://schemas.microsoft.com/office/drawing/2014/main" xmlns="" id="{AB1B12B5-0A5B-44A4-8704-12D81D84E1CB}"/>
               </a:ext>
             </a:extLst>
           </p:cNvPr>
@@ -28801,7 +28801,7 @@
           <p:cNvPr id="24" name="TextBox 20">
             <a:extLst>
               <a:ext uri="{FF2B5EF4-FFF2-40B4-BE49-F238E27FC236}">
-                <a16:creationId xmlns="" xmlns:a16="http://schemas.microsoft.com/office/drawing/2014/main" id="{23DF26E7-FBBD-4026-B220-45EE926AA9B2}"/>
+                <a16:creationId xmlns:a16="http://schemas.microsoft.com/office/drawing/2014/main" xmlns="" id="{23DF26E7-FBBD-4026-B220-45EE926AA9B2}"/>
               </a:ext>
             </a:extLst>
           </p:cNvPr>
@@ -28942,7 +28942,7 @@
           <p:cNvPr id="25" name="TextBox 21">
             <a:extLst>
               <a:ext uri="{FF2B5EF4-FFF2-40B4-BE49-F238E27FC236}">
-                <a16:creationId xmlns="" xmlns:a16="http://schemas.microsoft.com/office/drawing/2014/main" id="{676A5E07-8DC1-4D7A-A046-98072CCB5519}"/>
+                <a16:creationId xmlns:a16="http://schemas.microsoft.com/office/drawing/2014/main" xmlns="" id="{676A5E07-8DC1-4D7A-A046-98072CCB5519}"/>
               </a:ext>
             </a:extLst>
           </p:cNvPr>
@@ -29083,7 +29083,7 @@
           <p:cNvPr id="26" name="TextBox 22">
             <a:extLst>
               <a:ext uri="{FF2B5EF4-FFF2-40B4-BE49-F238E27FC236}">
-                <a16:creationId xmlns="" xmlns:a16="http://schemas.microsoft.com/office/drawing/2014/main" id="{63267B6A-B186-4DDD-AFF9-944A341C3B6C}"/>
+                <a16:creationId xmlns:a16="http://schemas.microsoft.com/office/drawing/2014/main" xmlns="" id="{63267B6A-B186-4DDD-AFF9-944A341C3B6C}"/>
               </a:ext>
             </a:extLst>
           </p:cNvPr>
@@ -29236,7 +29236,7 @@
           <p:cNvPr id="27" name="TextBox 23">
             <a:extLst>
               <a:ext uri="{FF2B5EF4-FFF2-40B4-BE49-F238E27FC236}">
-                <a16:creationId xmlns="" xmlns:a16="http://schemas.microsoft.com/office/drawing/2014/main" id="{244964F5-B0C0-4E3B-8AE4-71FC748986DF}"/>
+                <a16:creationId xmlns:a16="http://schemas.microsoft.com/office/drawing/2014/main" xmlns="" id="{244964F5-B0C0-4E3B-8AE4-71FC748986DF}"/>
               </a:ext>
             </a:extLst>
           </p:cNvPr>
@@ -29388,7 +29388,7 @@
           <p:cNvPr id="28" name="TextBox 24">
             <a:extLst>
               <a:ext uri="{FF2B5EF4-FFF2-40B4-BE49-F238E27FC236}">
-                <a16:creationId xmlns="" xmlns:a16="http://schemas.microsoft.com/office/drawing/2014/main" id="{AE7E6277-328C-44DC-8031-B13AA9A960DB}"/>
+                <a16:creationId xmlns:a16="http://schemas.microsoft.com/office/drawing/2014/main" xmlns="" id="{AE7E6277-328C-44DC-8031-B13AA9A960DB}"/>
               </a:ext>
             </a:extLst>
           </p:cNvPr>
@@ -29540,7 +29540,7 @@
           <p:cNvPr id="29" name="TextBox 25">
             <a:extLst>
               <a:ext uri="{FF2B5EF4-FFF2-40B4-BE49-F238E27FC236}">
-                <a16:creationId xmlns="" xmlns:a16="http://schemas.microsoft.com/office/drawing/2014/main" id="{7B406868-A2FD-4027-B868-949CA9DF2EEF}"/>
+                <a16:creationId xmlns:a16="http://schemas.microsoft.com/office/drawing/2014/main" xmlns="" id="{7B406868-A2FD-4027-B868-949CA9DF2EEF}"/>
               </a:ext>
             </a:extLst>
           </p:cNvPr>
@@ -29681,7 +29681,7 @@
           <p:cNvPr id="30" name="Straight Arrow Connector 29">
             <a:extLst>
               <a:ext uri="{FF2B5EF4-FFF2-40B4-BE49-F238E27FC236}">
-                <a16:creationId xmlns="" xmlns:a16="http://schemas.microsoft.com/office/drawing/2014/main" id="{F47E0D2A-ABC3-410E-99AF-D35A43278898}"/>
+                <a16:creationId xmlns:a16="http://schemas.microsoft.com/office/drawing/2014/main" xmlns="" id="{F47E0D2A-ABC3-410E-99AF-D35A43278898}"/>
               </a:ext>
             </a:extLst>
           </p:cNvPr>
@@ -29723,7 +29723,7 @@
           <p:cNvPr id="31" name="TextBox 27">
             <a:extLst>
               <a:ext uri="{FF2B5EF4-FFF2-40B4-BE49-F238E27FC236}">
-                <a16:creationId xmlns="" xmlns:a16="http://schemas.microsoft.com/office/drawing/2014/main" id="{0C280B6B-5F85-4186-BAD6-6B8A39A3DD7D}"/>
+                <a16:creationId xmlns:a16="http://schemas.microsoft.com/office/drawing/2014/main" xmlns="" id="{0C280B6B-5F85-4186-BAD6-6B8A39A3DD7D}"/>
               </a:ext>
             </a:extLst>
           </p:cNvPr>
@@ -29891,7 +29891,7 @@
           <p:cNvPr id="8" name="Rectangle 7">
             <a:extLst>
               <a:ext uri="{FF2B5EF4-FFF2-40B4-BE49-F238E27FC236}">
-                <a16:creationId xmlns="" xmlns:a16="http://schemas.microsoft.com/office/drawing/2014/main" id="{9572F161-00D8-1F47-8444-18B06D08E4FB}"/>
+                <a16:creationId xmlns:a16="http://schemas.microsoft.com/office/drawing/2014/main" xmlns="" id="{9572F161-00D8-1F47-8444-18B06D08E4FB}"/>
               </a:ext>
             </a:extLst>
           </p:cNvPr>
@@ -29952,7 +29952,7 @@
           <p:cNvPr id="9" name="Group 8">
             <a:extLst>
               <a:ext uri="{FF2B5EF4-FFF2-40B4-BE49-F238E27FC236}">
-                <a16:creationId xmlns="" xmlns:a16="http://schemas.microsoft.com/office/drawing/2014/main" id="{A624D1AD-5B64-614C-828D-60A83AA81013}"/>
+                <a16:creationId xmlns:a16="http://schemas.microsoft.com/office/drawing/2014/main" xmlns="" id="{A624D1AD-5B64-614C-828D-60A83AA81013}"/>
               </a:ext>
             </a:extLst>
           </p:cNvPr>
@@ -29972,7 +29972,7 @@
             <p:cNvPr id="10" name="TextBox 9">
               <a:extLst>
                 <a:ext uri="{FF2B5EF4-FFF2-40B4-BE49-F238E27FC236}">
-                  <a16:creationId xmlns="" xmlns:a16="http://schemas.microsoft.com/office/drawing/2014/main" id="{D1CD51C8-97BD-BE4B-8F9D-CB2C2D38E9DB}"/>
+                  <a16:creationId xmlns:a16="http://schemas.microsoft.com/office/drawing/2014/main" xmlns="" id="{D1CD51C8-97BD-BE4B-8F9D-CB2C2D38E9DB}"/>
                 </a:ext>
               </a:extLst>
             </p:cNvPr>
@@ -30016,7 +30016,7 @@
             <p:cNvPr id="11" name="Picture 10">
               <a:extLst>
                 <a:ext uri="{FF2B5EF4-FFF2-40B4-BE49-F238E27FC236}">
-                  <a16:creationId xmlns="" xmlns:a16="http://schemas.microsoft.com/office/drawing/2014/main" id="{A5B84310-A8FD-F240-AA87-570F3DCB83C6}"/>
+                  <a16:creationId xmlns:a16="http://schemas.microsoft.com/office/drawing/2014/main" xmlns="" id="{A5B84310-A8FD-F240-AA87-570F3DCB83C6}"/>
                 </a:ext>
               </a:extLst>
             </p:cNvPr>
@@ -30052,7 +30052,7 @@
             <p:cNvPr id="12" name="Picture 11">
               <a:extLst>
                 <a:ext uri="{FF2B5EF4-FFF2-40B4-BE49-F238E27FC236}">
-                  <a16:creationId xmlns="" xmlns:a16="http://schemas.microsoft.com/office/drawing/2014/main" id="{D6614CE8-901C-494E-AD09-124CF14C4D6D}"/>
+                  <a16:creationId xmlns:a16="http://schemas.microsoft.com/office/drawing/2014/main" xmlns="" id="{D6614CE8-901C-494E-AD09-124CF14C4D6D}"/>
                 </a:ext>
               </a:extLst>
             </p:cNvPr>
@@ -30088,7 +30088,7 @@
             <p:cNvPr id="13" name="Rectangle 12">
               <a:extLst>
                 <a:ext uri="{FF2B5EF4-FFF2-40B4-BE49-F238E27FC236}">
-                  <a16:creationId xmlns="" xmlns:a16="http://schemas.microsoft.com/office/drawing/2014/main" id="{B1CE826E-5A2F-6645-8CD9-E9D72E71E460}"/>
+                  <a16:creationId xmlns:a16="http://schemas.microsoft.com/office/drawing/2014/main" xmlns="" id="{B1CE826E-5A2F-6645-8CD9-E9D72E71E460}"/>
                 </a:ext>
               </a:extLst>
             </p:cNvPr>
@@ -30143,7 +30143,7 @@
           <p:cNvPr id="2" name="TextBox 1">
             <a:extLst>
               <a:ext uri="{FF2B5EF4-FFF2-40B4-BE49-F238E27FC236}">
-                <a16:creationId xmlns="" xmlns:a16="http://schemas.microsoft.com/office/drawing/2014/main" id="{0B685838-A6CC-4290-BFCC-18AC6C57AED4}"/>
+                <a16:creationId xmlns:a16="http://schemas.microsoft.com/office/drawing/2014/main" xmlns="" id="{0B685838-A6CC-4290-BFCC-18AC6C57AED4}"/>
               </a:ext>
             </a:extLst>
           </p:cNvPr>
@@ -30189,7 +30189,7 @@
           <p:cNvPr id="35" name="Straight Arrow Connector 34">
             <a:extLst>
               <a:ext uri="{FF2B5EF4-FFF2-40B4-BE49-F238E27FC236}">
-                <a16:creationId xmlns="" xmlns:a16="http://schemas.microsoft.com/office/drawing/2014/main" id="{12E2A5E5-99B0-421B-9D8A-ACA5205EBBFB}"/>
+                <a16:creationId xmlns:a16="http://schemas.microsoft.com/office/drawing/2014/main" xmlns="" id="{12E2A5E5-99B0-421B-9D8A-ACA5205EBBFB}"/>
               </a:ext>
             </a:extLst>
           </p:cNvPr>
@@ -30233,7 +30233,7 @@
           <p:cNvPr id="36" name="Oval 35">
             <a:extLst>
               <a:ext uri="{FF2B5EF4-FFF2-40B4-BE49-F238E27FC236}">
-                <a16:creationId xmlns="" xmlns:a16="http://schemas.microsoft.com/office/drawing/2014/main" id="{E8918A79-33CE-4661-8469-75D5AF9DE2D0}"/>
+                <a16:creationId xmlns:a16="http://schemas.microsoft.com/office/drawing/2014/main" xmlns="" id="{E8918A79-33CE-4661-8469-75D5AF9DE2D0}"/>
               </a:ext>
             </a:extLst>
           </p:cNvPr>
@@ -30379,7 +30379,7 @@
           <p:cNvPr id="37" name="Oval 36">
             <a:extLst>
               <a:ext uri="{FF2B5EF4-FFF2-40B4-BE49-F238E27FC236}">
-                <a16:creationId xmlns="" xmlns:a16="http://schemas.microsoft.com/office/drawing/2014/main" id="{0341BC71-749E-4CB1-82F2-FB1BEBCF0C70}"/>
+                <a16:creationId xmlns:a16="http://schemas.microsoft.com/office/drawing/2014/main" xmlns="" id="{0341BC71-749E-4CB1-82F2-FB1BEBCF0C70}"/>
               </a:ext>
             </a:extLst>
           </p:cNvPr>
@@ -30525,7 +30525,7 @@
           <p:cNvPr id="38" name="Oval 37">
             <a:extLst>
               <a:ext uri="{FF2B5EF4-FFF2-40B4-BE49-F238E27FC236}">
-                <a16:creationId xmlns="" xmlns:a16="http://schemas.microsoft.com/office/drawing/2014/main" id="{0D9E97F5-9373-498D-9334-FEFC6E99CAF0}"/>
+                <a16:creationId xmlns:a16="http://schemas.microsoft.com/office/drawing/2014/main" xmlns="" id="{0D9E97F5-9373-498D-9334-FEFC6E99CAF0}"/>
               </a:ext>
             </a:extLst>
           </p:cNvPr>
@@ -30671,7 +30671,7 @@
           <p:cNvPr id="39" name="Oval 38">
             <a:extLst>
               <a:ext uri="{FF2B5EF4-FFF2-40B4-BE49-F238E27FC236}">
-                <a16:creationId xmlns="" xmlns:a16="http://schemas.microsoft.com/office/drawing/2014/main" id="{B730EB74-E682-4CF5-AA97-CDC942C06DD3}"/>
+                <a16:creationId xmlns:a16="http://schemas.microsoft.com/office/drawing/2014/main" xmlns="" id="{B730EB74-E682-4CF5-AA97-CDC942C06DD3}"/>
               </a:ext>
             </a:extLst>
           </p:cNvPr>
@@ -30817,7 +30817,7 @@
           <p:cNvPr id="40" name="Oval 39">
             <a:extLst>
               <a:ext uri="{FF2B5EF4-FFF2-40B4-BE49-F238E27FC236}">
-                <a16:creationId xmlns="" xmlns:a16="http://schemas.microsoft.com/office/drawing/2014/main" id="{B858FFFD-D25A-4B4B-BC38-8EFD6D2EE9C6}"/>
+                <a16:creationId xmlns:a16="http://schemas.microsoft.com/office/drawing/2014/main" xmlns="" id="{B858FFFD-D25A-4B4B-BC38-8EFD6D2EE9C6}"/>
               </a:ext>
             </a:extLst>
           </p:cNvPr>
@@ -30963,7 +30963,7 @@
           <p:cNvPr id="41" name="Oval 40">
             <a:extLst>
               <a:ext uri="{FF2B5EF4-FFF2-40B4-BE49-F238E27FC236}">
-                <a16:creationId xmlns="" xmlns:a16="http://schemas.microsoft.com/office/drawing/2014/main" id="{B7C044FE-5D64-48C3-B34B-B10AB8DA7BF0}"/>
+                <a16:creationId xmlns:a16="http://schemas.microsoft.com/office/drawing/2014/main" xmlns="" id="{B7C044FE-5D64-48C3-B34B-B10AB8DA7BF0}"/>
               </a:ext>
             </a:extLst>
           </p:cNvPr>
@@ -31109,7 +31109,7 @@
           <p:cNvPr id="42" name="Oval 41">
             <a:extLst>
               <a:ext uri="{FF2B5EF4-FFF2-40B4-BE49-F238E27FC236}">
-                <a16:creationId xmlns="" xmlns:a16="http://schemas.microsoft.com/office/drawing/2014/main" id="{631A066A-9FCA-4367-BA58-24C6B27DE9E4}"/>
+                <a16:creationId xmlns:a16="http://schemas.microsoft.com/office/drawing/2014/main" xmlns="" id="{631A066A-9FCA-4367-BA58-24C6B27DE9E4}"/>
               </a:ext>
             </a:extLst>
           </p:cNvPr>
@@ -31255,7 +31255,7 @@
           <p:cNvPr id="43" name="TextBox 38">
             <a:extLst>
               <a:ext uri="{FF2B5EF4-FFF2-40B4-BE49-F238E27FC236}">
-                <a16:creationId xmlns="" xmlns:a16="http://schemas.microsoft.com/office/drawing/2014/main" id="{3C52B7CC-0719-4D31-B246-D4B9BDE003A7}"/>
+                <a16:creationId xmlns:a16="http://schemas.microsoft.com/office/drawing/2014/main" xmlns="" id="{3C52B7CC-0719-4D31-B246-D4B9BDE003A7}"/>
               </a:ext>
             </a:extLst>
           </p:cNvPr>
@@ -31392,7 +31392,7 @@
           <p:cNvPr id="44" name="TextBox 39">
             <a:extLst>
               <a:ext uri="{FF2B5EF4-FFF2-40B4-BE49-F238E27FC236}">
-                <a16:creationId xmlns="" xmlns:a16="http://schemas.microsoft.com/office/drawing/2014/main" id="{B497D703-C191-4112-B732-27409C567886}"/>
+                <a16:creationId xmlns:a16="http://schemas.microsoft.com/office/drawing/2014/main" xmlns="" id="{B497D703-C191-4112-B732-27409C567886}"/>
               </a:ext>
             </a:extLst>
           </p:cNvPr>
@@ -31529,7 +31529,7 @@
           <p:cNvPr id="45" name="TextBox 40">
             <a:extLst>
               <a:ext uri="{FF2B5EF4-FFF2-40B4-BE49-F238E27FC236}">
-                <a16:creationId xmlns="" xmlns:a16="http://schemas.microsoft.com/office/drawing/2014/main" id="{82229B38-9769-4598-AC83-FB7A3D439D34}"/>
+                <a16:creationId xmlns:a16="http://schemas.microsoft.com/office/drawing/2014/main" xmlns="" id="{82229B38-9769-4598-AC83-FB7A3D439D34}"/>
               </a:ext>
             </a:extLst>
           </p:cNvPr>
@@ -31667,7 +31667,7 @@
           <p:cNvPr id="46" name="TextBox 41">
             <a:extLst>
               <a:ext uri="{FF2B5EF4-FFF2-40B4-BE49-F238E27FC236}">
-                <a16:creationId xmlns="" xmlns:a16="http://schemas.microsoft.com/office/drawing/2014/main" id="{F4A95EDD-6CBF-42F3-931F-AA76789A929E}"/>
+                <a16:creationId xmlns:a16="http://schemas.microsoft.com/office/drawing/2014/main" xmlns="" id="{F4A95EDD-6CBF-42F3-931F-AA76789A929E}"/>
               </a:ext>
             </a:extLst>
           </p:cNvPr>
@@ -31805,7 +31805,7 @@
           <p:cNvPr id="47" name="TextBox 42">
             <a:extLst>
               <a:ext uri="{FF2B5EF4-FFF2-40B4-BE49-F238E27FC236}">
-                <a16:creationId xmlns="" xmlns:a16="http://schemas.microsoft.com/office/drawing/2014/main" id="{7452A866-7491-4416-8DA0-78B2F29C3187}"/>
+                <a16:creationId xmlns:a16="http://schemas.microsoft.com/office/drawing/2014/main" xmlns="" id="{7452A866-7491-4416-8DA0-78B2F29C3187}"/>
               </a:ext>
             </a:extLst>
           </p:cNvPr>
@@ -31943,7 +31943,7 @@
           <p:cNvPr id="48" name="TextBox 43">
             <a:extLst>
               <a:ext uri="{FF2B5EF4-FFF2-40B4-BE49-F238E27FC236}">
-                <a16:creationId xmlns="" xmlns:a16="http://schemas.microsoft.com/office/drawing/2014/main" id="{90C30506-76BD-4F26-97B4-A18E988C39B8}"/>
+                <a16:creationId xmlns:a16="http://schemas.microsoft.com/office/drawing/2014/main" xmlns="" id="{90C30506-76BD-4F26-97B4-A18E988C39B8}"/>
               </a:ext>
             </a:extLst>
           </p:cNvPr>
@@ -32081,7 +32081,7 @@
           <p:cNvPr id="49" name="TextBox 44">
             <a:extLst>
               <a:ext uri="{FF2B5EF4-FFF2-40B4-BE49-F238E27FC236}">
-                <a16:creationId xmlns="" xmlns:a16="http://schemas.microsoft.com/office/drawing/2014/main" id="{C61C754A-3EBF-4CD9-9DBE-0C8F9A4DC32A}"/>
+                <a16:creationId xmlns:a16="http://schemas.microsoft.com/office/drawing/2014/main" xmlns="" id="{C61C754A-3EBF-4CD9-9DBE-0C8F9A4DC32A}"/>
               </a:ext>
             </a:extLst>
           </p:cNvPr>
@@ -32218,7 +32218,7 @@
           <p:cNvPr id="50" name="Straight Arrow Connector 49">
             <a:extLst>
               <a:ext uri="{FF2B5EF4-FFF2-40B4-BE49-F238E27FC236}">
-                <a16:creationId xmlns="" xmlns:a16="http://schemas.microsoft.com/office/drawing/2014/main" id="{CA6A1F2F-C53B-42D3-A3B0-FB7E9F6F1628}"/>
+                <a16:creationId xmlns:a16="http://schemas.microsoft.com/office/drawing/2014/main" xmlns="" id="{CA6A1F2F-C53B-42D3-A3B0-FB7E9F6F1628}"/>
               </a:ext>
             </a:extLst>
           </p:cNvPr>
@@ -32260,7 +32260,7 @@
           <p:cNvPr id="51" name="TextBox 46">
             <a:extLst>
               <a:ext uri="{FF2B5EF4-FFF2-40B4-BE49-F238E27FC236}">
-                <a16:creationId xmlns="" xmlns:a16="http://schemas.microsoft.com/office/drawing/2014/main" id="{53F31973-CC6D-4EE2-8E99-6740DCD1D693}"/>
+                <a16:creationId xmlns:a16="http://schemas.microsoft.com/office/drawing/2014/main" xmlns="" id="{53F31973-CC6D-4EE2-8E99-6740DCD1D693}"/>
               </a:ext>
             </a:extLst>
           </p:cNvPr>
@@ -32398,7 +32398,7 @@
           <p:cNvPr id="52" name="Oval 51">
             <a:extLst>
               <a:ext uri="{FF2B5EF4-FFF2-40B4-BE49-F238E27FC236}">
-                <a16:creationId xmlns="" xmlns:a16="http://schemas.microsoft.com/office/drawing/2014/main" id="{9C3D4382-01FB-4D8B-BE74-88D5CB66FF5E}"/>
+                <a16:creationId xmlns:a16="http://schemas.microsoft.com/office/drawing/2014/main" xmlns="" id="{9C3D4382-01FB-4D8B-BE74-88D5CB66FF5E}"/>
               </a:ext>
             </a:extLst>
           </p:cNvPr>
@@ -32544,7 +32544,7 @@
           <p:cNvPr id="53" name="TextBox 43">
             <a:extLst>
               <a:ext uri="{FF2B5EF4-FFF2-40B4-BE49-F238E27FC236}">
-                <a16:creationId xmlns="" xmlns:a16="http://schemas.microsoft.com/office/drawing/2014/main" id="{E7A87315-99F3-4761-98BE-A0FC86209080}"/>
+                <a16:creationId xmlns:a16="http://schemas.microsoft.com/office/drawing/2014/main" xmlns="" id="{E7A87315-99F3-4761-98BE-A0FC86209080}"/>
               </a:ext>
             </a:extLst>
           </p:cNvPr>
@@ -32719,7 +32719,7 @@
           <p:cNvPr id="8" name="Rectangle 7">
             <a:extLst>
               <a:ext uri="{FF2B5EF4-FFF2-40B4-BE49-F238E27FC236}">
-                <a16:creationId xmlns="" xmlns:a16="http://schemas.microsoft.com/office/drawing/2014/main" id="{9572F161-00D8-1F47-8444-18B06D08E4FB}"/>
+                <a16:creationId xmlns:a16="http://schemas.microsoft.com/office/drawing/2014/main" xmlns="" id="{9572F161-00D8-1F47-8444-18B06D08E4FB}"/>
               </a:ext>
             </a:extLst>
           </p:cNvPr>
@@ -32780,7 +32780,7 @@
           <p:cNvPr id="9" name="Group 8">
             <a:extLst>
               <a:ext uri="{FF2B5EF4-FFF2-40B4-BE49-F238E27FC236}">
-                <a16:creationId xmlns="" xmlns:a16="http://schemas.microsoft.com/office/drawing/2014/main" id="{A624D1AD-5B64-614C-828D-60A83AA81013}"/>
+                <a16:creationId xmlns:a16="http://schemas.microsoft.com/office/drawing/2014/main" xmlns="" id="{A624D1AD-5B64-614C-828D-60A83AA81013}"/>
               </a:ext>
             </a:extLst>
           </p:cNvPr>
@@ -32800,7 +32800,7 @@
             <p:cNvPr id="10" name="TextBox 9">
               <a:extLst>
                 <a:ext uri="{FF2B5EF4-FFF2-40B4-BE49-F238E27FC236}">
-                  <a16:creationId xmlns="" xmlns:a16="http://schemas.microsoft.com/office/drawing/2014/main" id="{D1CD51C8-97BD-BE4B-8F9D-CB2C2D38E9DB}"/>
+                  <a16:creationId xmlns:a16="http://schemas.microsoft.com/office/drawing/2014/main" xmlns="" id="{D1CD51C8-97BD-BE4B-8F9D-CB2C2D38E9DB}"/>
                 </a:ext>
               </a:extLst>
             </p:cNvPr>
@@ -32844,7 +32844,7 @@
             <p:cNvPr id="11" name="Picture 10">
               <a:extLst>
                 <a:ext uri="{FF2B5EF4-FFF2-40B4-BE49-F238E27FC236}">
-                  <a16:creationId xmlns="" xmlns:a16="http://schemas.microsoft.com/office/drawing/2014/main" id="{A5B84310-A8FD-F240-AA87-570F3DCB83C6}"/>
+                  <a16:creationId xmlns:a16="http://schemas.microsoft.com/office/drawing/2014/main" xmlns="" id="{A5B84310-A8FD-F240-AA87-570F3DCB83C6}"/>
                 </a:ext>
               </a:extLst>
             </p:cNvPr>
@@ -32880,7 +32880,7 @@
             <p:cNvPr id="12" name="Picture 11">
               <a:extLst>
                 <a:ext uri="{FF2B5EF4-FFF2-40B4-BE49-F238E27FC236}">
-                  <a16:creationId xmlns="" xmlns:a16="http://schemas.microsoft.com/office/drawing/2014/main" id="{D6614CE8-901C-494E-AD09-124CF14C4D6D}"/>
+                  <a16:creationId xmlns:a16="http://schemas.microsoft.com/office/drawing/2014/main" xmlns="" id="{D6614CE8-901C-494E-AD09-124CF14C4D6D}"/>
                 </a:ext>
               </a:extLst>
             </p:cNvPr>
@@ -32916,7 +32916,7 @@
             <p:cNvPr id="13" name="Rectangle 12">
               <a:extLst>
                 <a:ext uri="{FF2B5EF4-FFF2-40B4-BE49-F238E27FC236}">
-                  <a16:creationId xmlns="" xmlns:a16="http://schemas.microsoft.com/office/drawing/2014/main" id="{B1CE826E-5A2F-6645-8CD9-E9D72E71E460}"/>
+                  <a16:creationId xmlns:a16="http://schemas.microsoft.com/office/drawing/2014/main" xmlns="" id="{B1CE826E-5A2F-6645-8CD9-E9D72E71E460}"/>
                 </a:ext>
               </a:extLst>
             </p:cNvPr>
@@ -32971,7 +32971,7 @@
           <p:cNvPr id="2" name="TextBox 1">
             <a:extLst>
               <a:ext uri="{FF2B5EF4-FFF2-40B4-BE49-F238E27FC236}">
-                <a16:creationId xmlns="" xmlns:a16="http://schemas.microsoft.com/office/drawing/2014/main" id="{0B685838-A6CC-4290-BFCC-18AC6C57AED4}"/>
+                <a16:creationId xmlns:a16="http://schemas.microsoft.com/office/drawing/2014/main" xmlns="" id="{0B685838-A6CC-4290-BFCC-18AC6C57AED4}"/>
               </a:ext>
             </a:extLst>
           </p:cNvPr>
@@ -33017,7 +33017,7 @@
           <p:cNvPr id="8194" name="Picture 2" descr="https://iotvnaw69daj.i.optimole.com/w:692/h:414/q:auto/https:/mk0codeinwp10tp0961a.kinstacdn.com/wp-content/uploads/2018/12/img-1.png">
             <a:extLst>
               <a:ext uri="{FF2B5EF4-FFF2-40B4-BE49-F238E27FC236}">
-                <a16:creationId xmlns="" xmlns:a16="http://schemas.microsoft.com/office/drawing/2014/main" id="{2FDA0DF3-EA5E-482B-8283-63EED5B64C51}"/>
+                <a16:creationId xmlns:a16="http://schemas.microsoft.com/office/drawing/2014/main" xmlns="" id="{2FDA0DF3-EA5E-482B-8283-63EED5B64C51}"/>
               </a:ext>
             </a:extLst>
           </p:cNvPr>
@@ -33101,7 +33101,7 @@
           <p:cNvPr id="8" name="Rectangle 7">
             <a:extLst>
               <a:ext uri="{FF2B5EF4-FFF2-40B4-BE49-F238E27FC236}">
-                <a16:creationId xmlns="" xmlns:a16="http://schemas.microsoft.com/office/drawing/2014/main" id="{9572F161-00D8-1F47-8444-18B06D08E4FB}"/>
+                <a16:creationId xmlns:a16="http://schemas.microsoft.com/office/drawing/2014/main" xmlns="" id="{9572F161-00D8-1F47-8444-18B06D08E4FB}"/>
               </a:ext>
             </a:extLst>
           </p:cNvPr>
@@ -33162,7 +33162,7 @@
           <p:cNvPr id="9" name="Group 8">
             <a:extLst>
               <a:ext uri="{FF2B5EF4-FFF2-40B4-BE49-F238E27FC236}">
-                <a16:creationId xmlns="" xmlns:a16="http://schemas.microsoft.com/office/drawing/2014/main" id="{A624D1AD-5B64-614C-828D-60A83AA81013}"/>
+                <a16:creationId xmlns:a16="http://schemas.microsoft.com/office/drawing/2014/main" xmlns="" id="{A624D1AD-5B64-614C-828D-60A83AA81013}"/>
               </a:ext>
             </a:extLst>
           </p:cNvPr>
@@ -33182,7 +33182,7 @@
             <p:cNvPr id="10" name="TextBox 9">
               <a:extLst>
                 <a:ext uri="{FF2B5EF4-FFF2-40B4-BE49-F238E27FC236}">
-                  <a16:creationId xmlns="" xmlns:a16="http://schemas.microsoft.com/office/drawing/2014/main" id="{D1CD51C8-97BD-BE4B-8F9D-CB2C2D38E9DB}"/>
+                  <a16:creationId xmlns:a16="http://schemas.microsoft.com/office/drawing/2014/main" xmlns="" id="{D1CD51C8-97BD-BE4B-8F9D-CB2C2D38E9DB}"/>
                 </a:ext>
               </a:extLst>
             </p:cNvPr>
@@ -33226,7 +33226,7 @@
             <p:cNvPr id="11" name="Picture 10">
               <a:extLst>
                 <a:ext uri="{FF2B5EF4-FFF2-40B4-BE49-F238E27FC236}">
-                  <a16:creationId xmlns="" xmlns:a16="http://schemas.microsoft.com/office/drawing/2014/main" id="{A5B84310-A8FD-F240-AA87-570F3DCB83C6}"/>
+                  <a16:creationId xmlns:a16="http://schemas.microsoft.com/office/drawing/2014/main" xmlns="" id="{A5B84310-A8FD-F240-AA87-570F3DCB83C6}"/>
                 </a:ext>
               </a:extLst>
             </p:cNvPr>
@@ -33262,7 +33262,7 @@
             <p:cNvPr id="12" name="Picture 11">
               <a:extLst>
                 <a:ext uri="{FF2B5EF4-FFF2-40B4-BE49-F238E27FC236}">
-                  <a16:creationId xmlns="" xmlns:a16="http://schemas.microsoft.com/office/drawing/2014/main" id="{D6614CE8-901C-494E-AD09-124CF14C4D6D}"/>
+                  <a16:creationId xmlns:a16="http://schemas.microsoft.com/office/drawing/2014/main" xmlns="" id="{D6614CE8-901C-494E-AD09-124CF14C4D6D}"/>
                 </a:ext>
               </a:extLst>
             </p:cNvPr>
@@ -33298,7 +33298,7 @@
             <p:cNvPr id="13" name="Rectangle 12">
               <a:extLst>
                 <a:ext uri="{FF2B5EF4-FFF2-40B4-BE49-F238E27FC236}">
-                  <a16:creationId xmlns="" xmlns:a16="http://schemas.microsoft.com/office/drawing/2014/main" id="{B1CE826E-5A2F-6645-8CD9-E9D72E71E460}"/>
+                  <a16:creationId xmlns:a16="http://schemas.microsoft.com/office/drawing/2014/main" xmlns="" id="{B1CE826E-5A2F-6645-8CD9-E9D72E71E460}"/>
                 </a:ext>
               </a:extLst>
             </p:cNvPr>
@@ -33353,7 +33353,7 @@
           <p:cNvPr id="2" name="TextBox 1">
             <a:extLst>
               <a:ext uri="{FF2B5EF4-FFF2-40B4-BE49-F238E27FC236}">
-                <a16:creationId xmlns="" xmlns:a16="http://schemas.microsoft.com/office/drawing/2014/main" id="{0B685838-A6CC-4290-BFCC-18AC6C57AED4}"/>
+                <a16:creationId xmlns:a16="http://schemas.microsoft.com/office/drawing/2014/main" xmlns="" id="{0B685838-A6CC-4290-BFCC-18AC6C57AED4}"/>
               </a:ext>
             </a:extLst>
           </p:cNvPr>
@@ -33425,7 +33425,7 @@
           <p:cNvPr id="8" name="Rectangle 7">
             <a:extLst>
               <a:ext uri="{FF2B5EF4-FFF2-40B4-BE49-F238E27FC236}">
-                <a16:creationId xmlns="" xmlns:a16="http://schemas.microsoft.com/office/drawing/2014/main" id="{9572F161-00D8-1F47-8444-18B06D08E4FB}"/>
+                <a16:creationId xmlns:a16="http://schemas.microsoft.com/office/drawing/2014/main" xmlns="" id="{9572F161-00D8-1F47-8444-18B06D08E4FB}"/>
               </a:ext>
             </a:extLst>
           </p:cNvPr>
@@ -33486,7 +33486,7 @@
           <p:cNvPr id="9" name="Group 8">
             <a:extLst>
               <a:ext uri="{FF2B5EF4-FFF2-40B4-BE49-F238E27FC236}">
-                <a16:creationId xmlns="" xmlns:a16="http://schemas.microsoft.com/office/drawing/2014/main" id="{A624D1AD-5B64-614C-828D-60A83AA81013}"/>
+                <a16:creationId xmlns:a16="http://schemas.microsoft.com/office/drawing/2014/main" xmlns="" id="{A624D1AD-5B64-614C-828D-60A83AA81013}"/>
               </a:ext>
             </a:extLst>
           </p:cNvPr>
@@ -33506,7 +33506,7 @@
             <p:cNvPr id="10" name="TextBox 9">
               <a:extLst>
                 <a:ext uri="{FF2B5EF4-FFF2-40B4-BE49-F238E27FC236}">
-                  <a16:creationId xmlns="" xmlns:a16="http://schemas.microsoft.com/office/drawing/2014/main" id="{D1CD51C8-97BD-BE4B-8F9D-CB2C2D38E9DB}"/>
+                  <a16:creationId xmlns:a16="http://schemas.microsoft.com/office/drawing/2014/main" xmlns="" id="{D1CD51C8-97BD-BE4B-8F9D-CB2C2D38E9DB}"/>
                 </a:ext>
               </a:extLst>
             </p:cNvPr>
@@ -33550,7 +33550,7 @@
             <p:cNvPr id="11" name="Picture 10">
               <a:extLst>
                 <a:ext uri="{FF2B5EF4-FFF2-40B4-BE49-F238E27FC236}">
-                  <a16:creationId xmlns="" xmlns:a16="http://schemas.microsoft.com/office/drawing/2014/main" id="{A5B84310-A8FD-F240-AA87-570F3DCB83C6}"/>
+                  <a16:creationId xmlns:a16="http://schemas.microsoft.com/office/drawing/2014/main" xmlns="" id="{A5B84310-A8FD-F240-AA87-570F3DCB83C6}"/>
                 </a:ext>
               </a:extLst>
             </p:cNvPr>
@@ -33586,7 +33586,7 @@
             <p:cNvPr id="12" name="Picture 11">
               <a:extLst>
                 <a:ext uri="{FF2B5EF4-FFF2-40B4-BE49-F238E27FC236}">
-                  <a16:creationId xmlns="" xmlns:a16="http://schemas.microsoft.com/office/drawing/2014/main" id="{D6614CE8-901C-494E-AD09-124CF14C4D6D}"/>
+                  <a16:creationId xmlns:a16="http://schemas.microsoft.com/office/drawing/2014/main" xmlns="" id="{D6614CE8-901C-494E-AD09-124CF14C4D6D}"/>
                 </a:ext>
               </a:extLst>
             </p:cNvPr>
@@ -33622,7 +33622,7 @@
             <p:cNvPr id="13" name="Rectangle 12">
               <a:extLst>
                 <a:ext uri="{FF2B5EF4-FFF2-40B4-BE49-F238E27FC236}">
-                  <a16:creationId xmlns="" xmlns:a16="http://schemas.microsoft.com/office/drawing/2014/main" id="{B1CE826E-5A2F-6645-8CD9-E9D72E71E460}"/>
+                  <a16:creationId xmlns:a16="http://schemas.microsoft.com/office/drawing/2014/main" xmlns="" id="{B1CE826E-5A2F-6645-8CD9-E9D72E71E460}"/>
                 </a:ext>
               </a:extLst>
             </p:cNvPr>
@@ -33677,7 +33677,7 @@
           <p:cNvPr id="2" name="TextBox 1">
             <a:extLst>
               <a:ext uri="{FF2B5EF4-FFF2-40B4-BE49-F238E27FC236}">
-                <a16:creationId xmlns="" xmlns:a16="http://schemas.microsoft.com/office/drawing/2014/main" id="{0B685838-A6CC-4290-BFCC-18AC6C57AED4}"/>
+                <a16:creationId xmlns:a16="http://schemas.microsoft.com/office/drawing/2014/main" xmlns="" id="{0B685838-A6CC-4290-BFCC-18AC6C57AED4}"/>
               </a:ext>
             </a:extLst>
           </p:cNvPr>
@@ -33719,7 +33719,7 @@
           <p:cNvPr id="14" name="Rounded Rectangle 1">
             <a:extLst>
               <a:ext uri="{FF2B5EF4-FFF2-40B4-BE49-F238E27FC236}">
-                <a16:creationId xmlns="" xmlns:a16="http://schemas.microsoft.com/office/drawing/2014/main" id="{B538FA23-A4DD-4E06-BD81-FCBB779EDBCD}"/>
+                <a16:creationId xmlns:a16="http://schemas.microsoft.com/office/drawing/2014/main" xmlns="" id="{B538FA23-A4DD-4E06-BD81-FCBB779EDBCD}"/>
               </a:ext>
             </a:extLst>
           </p:cNvPr>
@@ -33868,7 +33868,7 @@
           <p:cNvPr id="15" name="Rounded Rectangle 24">
             <a:extLst>
               <a:ext uri="{FF2B5EF4-FFF2-40B4-BE49-F238E27FC236}">
-                <a16:creationId xmlns="" xmlns:a16="http://schemas.microsoft.com/office/drawing/2014/main" id="{68D28D17-AD46-4F7E-84F5-79912718EAEA}"/>
+                <a16:creationId xmlns:a16="http://schemas.microsoft.com/office/drawing/2014/main" xmlns="" id="{68D28D17-AD46-4F7E-84F5-79912718EAEA}"/>
               </a:ext>
             </a:extLst>
           </p:cNvPr>
@@ -34014,7 +34014,7 @@
           <p:cNvPr id="16" name="Rounded Rectangle 25">
             <a:extLst>
               <a:ext uri="{FF2B5EF4-FFF2-40B4-BE49-F238E27FC236}">
-                <a16:creationId xmlns="" xmlns:a16="http://schemas.microsoft.com/office/drawing/2014/main" id="{230109FF-26FC-44A2-B515-49D20545574D}"/>
+                <a16:creationId xmlns:a16="http://schemas.microsoft.com/office/drawing/2014/main" xmlns="" id="{230109FF-26FC-44A2-B515-49D20545574D}"/>
               </a:ext>
             </a:extLst>
           </p:cNvPr>
@@ -34163,7 +34163,7 @@
           <p:cNvPr id="17" name="Rounded Rectangle 26">
             <a:extLst>
               <a:ext uri="{FF2B5EF4-FFF2-40B4-BE49-F238E27FC236}">
-                <a16:creationId xmlns="" xmlns:a16="http://schemas.microsoft.com/office/drawing/2014/main" id="{7E111858-8ED6-4D1F-805E-F7C810B20413}"/>
+                <a16:creationId xmlns:a16="http://schemas.microsoft.com/office/drawing/2014/main" xmlns="" id="{7E111858-8ED6-4D1F-805E-F7C810B20413}"/>
               </a:ext>
             </a:extLst>
           </p:cNvPr>
@@ -34312,7 +34312,7 @@
           <p:cNvPr id="18" name="Rounded Rectangle 27">
             <a:extLst>
               <a:ext uri="{FF2B5EF4-FFF2-40B4-BE49-F238E27FC236}">
-                <a16:creationId xmlns="" xmlns:a16="http://schemas.microsoft.com/office/drawing/2014/main" id="{2E5D535E-5715-4729-9104-75ABBC8AA9BE}"/>
+                <a16:creationId xmlns:a16="http://schemas.microsoft.com/office/drawing/2014/main" xmlns="" id="{2E5D535E-5715-4729-9104-75ABBC8AA9BE}"/>
               </a:ext>
             </a:extLst>
           </p:cNvPr>
@@ -34461,7 +34461,7 @@
           <p:cNvPr id="19" name="Rounded Rectangle 24">
             <a:extLst>
               <a:ext uri="{FF2B5EF4-FFF2-40B4-BE49-F238E27FC236}">
-                <a16:creationId xmlns="" xmlns:a16="http://schemas.microsoft.com/office/drawing/2014/main" id="{F4AA9851-3AFE-4275-811A-E0E2C4357043}"/>
+                <a16:creationId xmlns:a16="http://schemas.microsoft.com/office/drawing/2014/main" xmlns="" id="{F4AA9851-3AFE-4275-811A-E0E2C4357043}"/>
               </a:ext>
             </a:extLst>
           </p:cNvPr>
@@ -34640,7 +34640,7 @@
           <p:cNvPr id="8" name="Rectangle 7">
             <a:extLst>
               <a:ext uri="{FF2B5EF4-FFF2-40B4-BE49-F238E27FC236}">
-                <a16:creationId xmlns="" xmlns:a16="http://schemas.microsoft.com/office/drawing/2014/main" id="{9572F161-00D8-1F47-8444-18B06D08E4FB}"/>
+                <a16:creationId xmlns:a16="http://schemas.microsoft.com/office/drawing/2014/main" xmlns="" id="{9572F161-00D8-1F47-8444-18B06D08E4FB}"/>
               </a:ext>
             </a:extLst>
           </p:cNvPr>
@@ -34701,7 +34701,7 @@
           <p:cNvPr id="9" name="Group 8">
             <a:extLst>
               <a:ext uri="{FF2B5EF4-FFF2-40B4-BE49-F238E27FC236}">
-                <a16:creationId xmlns="" xmlns:a16="http://schemas.microsoft.com/office/drawing/2014/main" id="{A624D1AD-5B64-614C-828D-60A83AA81013}"/>
+                <a16:creationId xmlns:a16="http://schemas.microsoft.com/office/drawing/2014/main" xmlns="" id="{A624D1AD-5B64-614C-828D-60A83AA81013}"/>
               </a:ext>
             </a:extLst>
           </p:cNvPr>
@@ -34721,7 +34721,7 @@
             <p:cNvPr id="10" name="TextBox 9">
               <a:extLst>
                 <a:ext uri="{FF2B5EF4-FFF2-40B4-BE49-F238E27FC236}">
-                  <a16:creationId xmlns="" xmlns:a16="http://schemas.microsoft.com/office/drawing/2014/main" id="{D1CD51C8-97BD-BE4B-8F9D-CB2C2D38E9DB}"/>
+                  <a16:creationId xmlns:a16="http://schemas.microsoft.com/office/drawing/2014/main" xmlns="" id="{D1CD51C8-97BD-BE4B-8F9D-CB2C2D38E9DB}"/>
                 </a:ext>
               </a:extLst>
             </p:cNvPr>
@@ -34765,7 +34765,7 @@
             <p:cNvPr id="11" name="Picture 10">
               <a:extLst>
                 <a:ext uri="{FF2B5EF4-FFF2-40B4-BE49-F238E27FC236}">
-                  <a16:creationId xmlns="" xmlns:a16="http://schemas.microsoft.com/office/drawing/2014/main" id="{A5B84310-A8FD-F240-AA87-570F3DCB83C6}"/>
+                  <a16:creationId xmlns:a16="http://schemas.microsoft.com/office/drawing/2014/main" xmlns="" id="{A5B84310-A8FD-F240-AA87-570F3DCB83C6}"/>
                 </a:ext>
               </a:extLst>
             </p:cNvPr>
@@ -34801,7 +34801,7 @@
             <p:cNvPr id="12" name="Picture 11">
               <a:extLst>
                 <a:ext uri="{FF2B5EF4-FFF2-40B4-BE49-F238E27FC236}">
-                  <a16:creationId xmlns="" xmlns:a16="http://schemas.microsoft.com/office/drawing/2014/main" id="{D6614CE8-901C-494E-AD09-124CF14C4D6D}"/>
+                  <a16:creationId xmlns:a16="http://schemas.microsoft.com/office/drawing/2014/main" xmlns="" id="{D6614CE8-901C-494E-AD09-124CF14C4D6D}"/>
                 </a:ext>
               </a:extLst>
             </p:cNvPr>
@@ -34837,7 +34837,7 @@
             <p:cNvPr id="13" name="Rectangle 12">
               <a:extLst>
                 <a:ext uri="{FF2B5EF4-FFF2-40B4-BE49-F238E27FC236}">
-                  <a16:creationId xmlns="" xmlns:a16="http://schemas.microsoft.com/office/drawing/2014/main" id="{B1CE826E-5A2F-6645-8CD9-E9D72E71E460}"/>
+                  <a16:creationId xmlns:a16="http://schemas.microsoft.com/office/drawing/2014/main" xmlns="" id="{B1CE826E-5A2F-6645-8CD9-E9D72E71E460}"/>
                 </a:ext>
               </a:extLst>
             </p:cNvPr>
@@ -34892,7 +34892,7 @@
           <p:cNvPr id="2" name="TextBox 1">
             <a:extLst>
               <a:ext uri="{FF2B5EF4-FFF2-40B4-BE49-F238E27FC236}">
-                <a16:creationId xmlns="" xmlns:a16="http://schemas.microsoft.com/office/drawing/2014/main" id="{0B685838-A6CC-4290-BFCC-18AC6C57AED4}"/>
+                <a16:creationId xmlns:a16="http://schemas.microsoft.com/office/drawing/2014/main" xmlns="" id="{0B685838-A6CC-4290-BFCC-18AC6C57AED4}"/>
               </a:ext>
             </a:extLst>
           </p:cNvPr>
@@ -34934,7 +34934,7 @@
           <p:cNvPr id="14" name="Rounded Rectangle 1">
             <a:extLst>
               <a:ext uri="{FF2B5EF4-FFF2-40B4-BE49-F238E27FC236}">
-                <a16:creationId xmlns="" xmlns:a16="http://schemas.microsoft.com/office/drawing/2014/main" id="{00ADED67-4120-4554-B255-99A9D329844C}"/>
+                <a16:creationId xmlns:a16="http://schemas.microsoft.com/office/drawing/2014/main" xmlns="" id="{00ADED67-4120-4554-B255-99A9D329844C}"/>
               </a:ext>
             </a:extLst>
           </p:cNvPr>
@@ -35083,7 +35083,7 @@
           <p:cNvPr id="15" name="TextBox 2">
             <a:extLst>
               <a:ext uri="{FF2B5EF4-FFF2-40B4-BE49-F238E27FC236}">
-                <a16:creationId xmlns="" xmlns:a16="http://schemas.microsoft.com/office/drawing/2014/main" id="{E8C25154-5B56-43AD-9B08-92888C9C6C7E}"/>
+                <a16:creationId xmlns:a16="http://schemas.microsoft.com/office/drawing/2014/main" xmlns="" id="{E8C25154-5B56-43AD-9B08-92888C9C6C7E}"/>
               </a:ext>
             </a:extLst>
           </p:cNvPr>
@@ -35218,7 +35218,7 @@
           <p:cNvPr id="16" name="TextBox 3">
             <a:extLst>
               <a:ext uri="{FF2B5EF4-FFF2-40B4-BE49-F238E27FC236}">
-                <a16:creationId xmlns="" xmlns:a16="http://schemas.microsoft.com/office/drawing/2014/main" id="{4D7CAD3F-F148-4D0C-A44A-93E36A140857}"/>
+                <a16:creationId xmlns:a16="http://schemas.microsoft.com/office/drawing/2014/main" xmlns="" id="{4D7CAD3F-F148-4D0C-A44A-93E36A140857}"/>
               </a:ext>
             </a:extLst>
           </p:cNvPr>
@@ -35959,6 +35959,21 @@
 </file>
 
 <file path=customXml/item1.xml><?xml version="1.0" encoding="utf-8"?>
+<p:properties xmlns:p="http://schemas.microsoft.com/office/2006/metadata/properties" xmlns:xsi="http://www.w3.org/2001/XMLSchema-instance" xmlns:pc="http://schemas.microsoft.com/office/infopath/2007/PartnerControls">
+  <documentManagement/>
+</p:properties>
+</file>
+
+<file path=customXml/item2.xml><?xml version="1.0" encoding="utf-8"?>
+<?mso-contentType ?>
+<FormTemplates xmlns="http://schemas.microsoft.com/sharepoint/v3/contenttype/forms">
+  <Display>DocumentLibraryForm</Display>
+  <Edit>DocumentLibraryForm</Edit>
+  <New>DocumentLibraryForm</New>
+</FormTemplates>
+</file>
+
+<file path=customXml/item3.xml><?xml version="1.0" encoding="utf-8"?>
 <ct:contentTypeSchema xmlns:ct="http://schemas.microsoft.com/office/2006/metadata/contentType" xmlns:ma="http://schemas.microsoft.com/office/2006/metadata/properties/metaAttributes" ct:_="" ma:_="" ma:contentTypeName="Documento" ma:contentTypeID="0x010100D6FC1D74E82E074FAC71C69EF23C5A1A" ma:contentTypeVersion="8" ma:contentTypeDescription="Crear nuevo documento." ma:contentTypeScope="" ma:versionID="8cb3043897e1bcaaeb9a628e331ebf5d">
   <xsd:schema xmlns:xsd="http://www.w3.org/2001/XMLSchema" xmlns:xs="http://www.w3.org/2001/XMLSchema" xmlns:p="http://schemas.microsoft.com/office/2006/metadata/properties" xmlns:ns2="754c5659-1677-4310-9181-d1932a598147" targetNamespace="http://schemas.microsoft.com/office/2006/metadata/properties" ma:root="true" ma:fieldsID="c685338f18580912f3b3bc0ab73ee9c1" ns2:_="">
     <xsd:import namespace="754c5659-1677-4310-9181-d1932a598147"/>
@@ -36128,22 +36143,24 @@
 </ct:contentTypeSchema>
 </file>
 
-<file path=customXml/item2.xml><?xml version="1.0" encoding="utf-8"?>
-<?mso-contentType ?>
-<FormTemplates xmlns="http://schemas.microsoft.com/sharepoint/v3/contenttype/forms">
-  <Display>DocumentLibraryForm</Display>
-  <Edit>DocumentLibraryForm</Edit>
-  <New>DocumentLibraryForm</New>
-</FormTemplates>
+<file path=customXml/itemProps1.xml><?xml version="1.0" encoding="utf-8"?>
+<ds:datastoreItem xmlns:ds="http://schemas.openxmlformats.org/officeDocument/2006/customXml" ds:itemID="{432F232D-F1D6-4987-9603-838962CCBAFA}">
+  <ds:schemaRefs>
+    <ds:schemaRef ds:uri="http://schemas.microsoft.com/office/2006/metadata/properties"/>
+    <ds:schemaRef ds:uri="http://schemas.microsoft.com/office/infopath/2007/PartnerControls"/>
+  </ds:schemaRefs>
+</ds:datastoreItem>
 </file>
 
-<file path=customXml/item3.xml><?xml version="1.0" encoding="utf-8"?>
-<p:properties xmlns:p="http://schemas.microsoft.com/office/2006/metadata/properties" xmlns:xsi="http://www.w3.org/2001/XMLSchema-instance" xmlns:pc="http://schemas.microsoft.com/office/infopath/2007/PartnerControls">
-  <documentManagement/>
-</p:properties>
+<file path=customXml/itemProps2.xml><?xml version="1.0" encoding="utf-8"?>
+<ds:datastoreItem xmlns:ds="http://schemas.openxmlformats.org/officeDocument/2006/customXml" ds:itemID="{C6DD9700-CF86-4C1D-B59B-0074B3293407}">
+  <ds:schemaRefs>
+    <ds:schemaRef ds:uri="http://schemas.microsoft.com/sharepoint/v3/contenttype/forms"/>
+  </ds:schemaRefs>
+</ds:datastoreItem>
 </file>
 
-<file path=customXml/itemProps1.xml><?xml version="1.0" encoding="utf-8"?>
+<file path=customXml/itemProps3.xml><?xml version="1.0" encoding="utf-8"?>
 <ds:datastoreItem xmlns:ds="http://schemas.openxmlformats.org/officeDocument/2006/customXml" ds:itemID="{62D65829-82C7-468B-88F1-F792F84AA893}">
   <ds:schemaRefs>
     <ds:schemaRef ds:uri="http://schemas.microsoft.com/office/2006/metadata/contentType"/>
@@ -36159,21 +36176,4 @@
     <ds:schemaRef ds:uri="http://schemas.microsoft.com/internal/obd"/>
   </ds:schemaRefs>
 </ds:datastoreItem>
-</file>
-
-<file path=customXml/itemProps2.xml><?xml version="1.0" encoding="utf-8"?>
-<ds:datastoreItem xmlns:ds="http://schemas.openxmlformats.org/officeDocument/2006/customXml" ds:itemID="{C6DD9700-CF86-4C1D-B59B-0074B3293407}">
-  <ds:schemaRefs>
-    <ds:schemaRef ds:uri="http://schemas.microsoft.com/sharepoint/v3/contenttype/forms"/>
-  </ds:schemaRefs>
-</ds:datastoreItem>
-</file>
-
-<file path=customXml/itemProps3.xml><?xml version="1.0" encoding="utf-8"?>
-<ds:datastoreItem xmlns:ds="http://schemas.openxmlformats.org/officeDocument/2006/customXml" ds:itemID="{432F232D-F1D6-4987-9603-838962CCBAFA}">
-  <ds:schemaRefs>
-    <ds:schemaRef ds:uri="http://schemas.microsoft.com/office/2006/metadata/properties"/>
-    <ds:schemaRef ds:uri="http://schemas.microsoft.com/office/infopath/2007/PartnerControls"/>
-  </ds:schemaRefs>
-</ds:datastoreItem>
 </file>